--- a/files/resume.pptx
+++ b/files/resume.pptx
@@ -5,10 +5,11 @@
     <p:sldMasterId id="2147483660" r:id="rId1"/>
   </p:sldMasterIdLst>
   <p:notesMasterIdLst>
-    <p:notesMasterId r:id="rId3"/>
+    <p:notesMasterId r:id="rId4"/>
   </p:notesMasterIdLst>
   <p:sldIdLst>
     <p:sldId id="256" r:id="rId2"/>
+    <p:sldId id="257" r:id="rId3"/>
   </p:sldIdLst>
   <p:sldSz cx="6858000" cy="9144000" type="letter"/>
   <p:notesSz cx="6858000" cy="9144000"/>
@@ -197,7 +198,7 @@
           <a:p>
             <a:fld id="{5EE9A4F7-1A22-1744-9935-DCEFD2F601E8}" type="datetimeFigureOut">
               <a:rPr lang="en-US" smtClean="0"/>
-              <a:t>1/22/17</a:t>
+              <a:t>2/4/17</a:t>
             </a:fld>
             <a:endParaRPr lang="en-US"/>
           </a:p>
@@ -680,7 +681,7 @@
           <a:p>
             <a:fld id="{0AE1F7CC-2E77-F54C-B79D-D1014779F13F}" type="datetimeFigureOut">
               <a:rPr lang="en-US" smtClean="0"/>
-              <a:t>1/22/17</a:t>
+              <a:t>2/4/17</a:t>
             </a:fld>
             <a:endParaRPr lang="en-US"/>
           </a:p>
@@ -845,7 +846,7 @@
           <a:p>
             <a:fld id="{0AE1F7CC-2E77-F54C-B79D-D1014779F13F}" type="datetimeFigureOut">
               <a:rPr lang="en-US" smtClean="0"/>
-              <a:t>1/22/17</a:t>
+              <a:t>2/4/17</a:t>
             </a:fld>
             <a:endParaRPr lang="en-US"/>
           </a:p>
@@ -1020,7 +1021,7 @@
           <a:p>
             <a:fld id="{0AE1F7CC-2E77-F54C-B79D-D1014779F13F}" type="datetimeFigureOut">
               <a:rPr lang="en-US" smtClean="0"/>
-              <a:t>1/22/17</a:t>
+              <a:t>2/4/17</a:t>
             </a:fld>
             <a:endParaRPr lang="en-US"/>
           </a:p>
@@ -1185,7 +1186,7 @@
           <a:p>
             <a:fld id="{0AE1F7CC-2E77-F54C-B79D-D1014779F13F}" type="datetimeFigureOut">
               <a:rPr lang="en-US" smtClean="0"/>
-              <a:t>1/22/17</a:t>
+              <a:t>2/4/17</a:t>
             </a:fld>
             <a:endParaRPr lang="en-US"/>
           </a:p>
@@ -1424,7 +1425,7 @@
           <a:p>
             <a:fld id="{0AE1F7CC-2E77-F54C-B79D-D1014779F13F}" type="datetimeFigureOut">
               <a:rPr lang="en-US" smtClean="0"/>
-              <a:t>1/22/17</a:t>
+              <a:t>2/4/17</a:t>
             </a:fld>
             <a:endParaRPr lang="en-US"/>
           </a:p>
@@ -1651,7 +1652,7 @@
           <a:p>
             <a:fld id="{0AE1F7CC-2E77-F54C-B79D-D1014779F13F}" type="datetimeFigureOut">
               <a:rPr lang="en-US" smtClean="0"/>
-              <a:t>1/22/17</a:t>
+              <a:t>2/4/17</a:t>
             </a:fld>
             <a:endParaRPr lang="en-US"/>
           </a:p>
@@ -2013,7 +2014,7 @@
           <a:p>
             <a:fld id="{0AE1F7CC-2E77-F54C-B79D-D1014779F13F}" type="datetimeFigureOut">
               <a:rPr lang="en-US" smtClean="0"/>
-              <a:t>1/22/17</a:t>
+              <a:t>2/4/17</a:t>
             </a:fld>
             <a:endParaRPr lang="en-US"/>
           </a:p>
@@ -2126,7 +2127,7 @@
           <a:p>
             <a:fld id="{0AE1F7CC-2E77-F54C-B79D-D1014779F13F}" type="datetimeFigureOut">
               <a:rPr lang="en-US" smtClean="0"/>
-              <a:t>1/22/17</a:t>
+              <a:t>2/4/17</a:t>
             </a:fld>
             <a:endParaRPr lang="en-US"/>
           </a:p>
@@ -2216,7 +2217,7 @@
           <a:p>
             <a:fld id="{0AE1F7CC-2E77-F54C-B79D-D1014779F13F}" type="datetimeFigureOut">
               <a:rPr lang="en-US" smtClean="0"/>
-              <a:t>1/22/17</a:t>
+              <a:t>2/4/17</a:t>
             </a:fld>
             <a:endParaRPr lang="en-US"/>
           </a:p>
@@ -2488,7 +2489,7 @@
           <a:p>
             <a:fld id="{0AE1F7CC-2E77-F54C-B79D-D1014779F13F}" type="datetimeFigureOut">
               <a:rPr lang="en-US" smtClean="0"/>
-              <a:t>1/22/17</a:t>
+              <a:t>2/4/17</a:t>
             </a:fld>
             <a:endParaRPr lang="en-US"/>
           </a:p>
@@ -2740,7 +2741,7 @@
           <a:p>
             <a:fld id="{0AE1F7CC-2E77-F54C-B79D-D1014779F13F}" type="datetimeFigureOut">
               <a:rPr lang="en-US" smtClean="0"/>
-              <a:t>1/22/17</a:t>
+              <a:t>2/4/17</a:t>
             </a:fld>
             <a:endParaRPr lang="en-US"/>
           </a:p>
@@ -2948,7 +2949,7 @@
           <a:p>
             <a:fld id="{0AE1F7CC-2E77-F54C-B79D-D1014779F13F}" type="datetimeFigureOut">
               <a:rPr lang="en-US" smtClean="0"/>
-              <a:t>1/22/17</a:t>
+              <a:t>2/4/17</a:t>
             </a:fld>
             <a:endParaRPr lang="en-US"/>
           </a:p>
@@ -3396,7 +3397,7 @@
         </p:nvSpPr>
         <p:spPr>
           <a:xfrm>
-            <a:off x="207878" y="1183904"/>
+            <a:off x="154731" y="1152980"/>
             <a:ext cx="6469138" cy="2562240"/>
           </a:xfrm>
           <a:prstGeom prst="rect">
@@ -3823,21 +3824,8 @@
                 <a:ea typeface="Lucida Sans" charset="0"/>
                 <a:cs typeface="Lucida Sans" charset="0"/>
               </a:rPr>
-              <a:t>High School </a:t>
-            </a:r>
-            <a:r>
-              <a:rPr lang="en-US" sz="1100" dirty="0" smtClean="0">
-                <a:latin typeface="Lucida Sans" charset="0"/>
-                <a:ea typeface="Lucida Sans" charset="0"/>
-                <a:cs typeface="Lucida Sans" charset="0"/>
-              </a:rPr>
-              <a:t>Intern</a:t>
-            </a:r>
-            <a:endParaRPr lang="en-US" sz="1100" dirty="0" smtClean="0">
-              <a:latin typeface="Lucida Sans" charset="0"/>
-              <a:ea typeface="Lucida Sans" charset="0"/>
-              <a:cs typeface="Lucida Sans" charset="0"/>
-            </a:endParaRPr>
+              <a:t>High School Intern</a:t>
+            </a:r>
           </a:p>
           <a:p>
             <a:pPr>
@@ -4913,8 +4901,8 @@
         </p:nvSpPr>
         <p:spPr>
           <a:xfrm>
-            <a:off x="143993" y="169652"/>
-            <a:ext cx="3992578" cy="984885"/>
+            <a:off x="168178" y="443268"/>
+            <a:ext cx="3992578" cy="707886"/>
           </a:xfrm>
           <a:prstGeom prst="rect">
             <a:avLst/>
@@ -4975,26 +4963,6 @@
               </a:rPr>
               <a:t>WANG</a:t>
             </a:r>
-          </a:p>
-          <a:p>
-            <a:pPr>
-              <a:lnSpc>
-                <a:spcPct val="150000"/>
-              </a:lnSpc>
-            </a:pPr>
-            <a:r>
-              <a:rPr lang="en-US" sz="1200" b="1" dirty="0" smtClean="0">
-                <a:latin typeface="Lucida Sans" charset="0"/>
-                <a:ea typeface="Lucida Sans" charset="0"/>
-                <a:cs typeface="Lucida Sans" charset="0"/>
-              </a:rPr>
-              <a:t>Part Time Developer, Full Time Debugger</a:t>
-            </a:r>
-            <a:endParaRPr lang="en-US" sz="1200" b="1" dirty="0">
-              <a:latin typeface="Lucida Sans" charset="0"/>
-              <a:ea typeface="Lucida Sans" charset="0"/>
-              <a:cs typeface="Lucida Sans" charset="0"/>
-            </a:endParaRPr>
           </a:p>
         </p:txBody>
       </p:sp>
@@ -5041,7 +5009,7 @@
         </p:nvSpPr>
         <p:spPr>
           <a:xfrm>
-            <a:off x="3190884" y="371655"/>
+            <a:off x="3149636" y="397407"/>
             <a:ext cx="3527614" cy="757130"/>
           </a:xfrm>
           <a:prstGeom prst="rect">
@@ -5257,6 +5225,2492 @@
     <p:extLst>
       <p:ext uri="{BB962C8B-B14F-4D97-AF65-F5344CB8AC3E}">
         <p14:creationId xmlns:p14="http://schemas.microsoft.com/office/powerpoint/2010/main" val="1453363113"/>
+      </p:ext>
+    </p:extLst>
+  </p:cSld>
+  <p:clrMapOvr>
+    <a:masterClrMapping/>
+  </p:clrMapOvr>
+  <p:timing>
+    <p:tnLst>
+      <p:par>
+        <p:cTn id="1" dur="indefinite" restart="never" nodeType="tmRoot"/>
+      </p:par>
+    </p:tnLst>
+  </p:timing>
+</p:sld>
+</file>
+
+<file path=ppt/slides/slide2.xml><?xml version="1.0" encoding="utf-8"?>
+<p:sld xmlns:a="http://schemas.openxmlformats.org/drawingml/2006/main" xmlns:r="http://schemas.openxmlformats.org/officeDocument/2006/relationships" xmlns:p="http://schemas.openxmlformats.org/presentationml/2006/main">
+  <p:cSld>
+    <p:spTree>
+      <p:nvGrpSpPr>
+        <p:cNvPr id="1" name=""/>
+        <p:cNvGrpSpPr/>
+        <p:nvPr/>
+      </p:nvGrpSpPr>
+      <p:grpSpPr>
+        <a:xfrm>
+          <a:off x="0" y="0"/>
+          <a:ext cx="0" cy="0"/>
+          <a:chOff x="0" y="0"/>
+          <a:chExt cx="0" cy="0"/>
+        </a:xfrm>
+      </p:grpSpPr>
+      <p:sp>
+        <p:nvSpPr>
+          <p:cNvPr id="15" name="Rectangle 14"/>
+          <p:cNvSpPr/>
+          <p:nvPr/>
+        </p:nvSpPr>
+        <p:spPr>
+          <a:xfrm rot="5400000">
+            <a:off x="-3289992" y="3289993"/>
+            <a:ext cx="9143999" cy="2564014"/>
+          </a:xfrm>
+          <a:prstGeom prst="rect">
+            <a:avLst/>
+          </a:prstGeom>
+          <a:solidFill>
+            <a:srgbClr val="00B0F0">
+              <a:alpha val="58431"/>
+            </a:srgbClr>
+          </a:solidFill>
+          <a:ln>
+            <a:noFill/>
+          </a:ln>
+        </p:spPr>
+        <p:style>
+          <a:lnRef idx="2">
+            <a:schemeClr val="accent1">
+              <a:shade val="50000"/>
+            </a:schemeClr>
+          </a:lnRef>
+          <a:fillRef idx="1">
+            <a:schemeClr val="accent1"/>
+          </a:fillRef>
+          <a:effectRef idx="0">
+            <a:schemeClr val="accent1"/>
+          </a:effectRef>
+          <a:fontRef idx="minor">
+            <a:schemeClr val="lt1"/>
+          </a:fontRef>
+        </p:style>
+        <p:txBody>
+          <a:bodyPr rtlCol="0" anchor="ctr"/>
+          <a:lstStyle/>
+          <a:p>
+            <a:pPr algn="ctr"/>
+            <a:endParaRPr lang="en-US">
+              <a:solidFill>
+                <a:srgbClr val="92D050"/>
+              </a:solidFill>
+            </a:endParaRPr>
+          </a:p>
+        </p:txBody>
+      </p:sp>
+      <p:sp>
+        <p:nvSpPr>
+          <p:cNvPr id="8" name="TextBox 7"/>
+          <p:cNvSpPr txBox="1"/>
+          <p:nvPr/>
+        </p:nvSpPr>
+        <p:spPr>
+          <a:xfrm>
+            <a:off x="2792459" y="212597"/>
+            <a:ext cx="4065541" cy="307777"/>
+          </a:xfrm>
+          <a:prstGeom prst="rect">
+            <a:avLst/>
+          </a:prstGeom>
+          <a:noFill/>
+          <a:ln>
+            <a:noFill/>
+          </a:ln>
+        </p:spPr>
+        <p:style>
+          <a:lnRef idx="2">
+            <a:schemeClr val="accent2"/>
+          </a:lnRef>
+          <a:fillRef idx="1">
+            <a:schemeClr val="lt1"/>
+          </a:fillRef>
+          <a:effectRef idx="0">
+            <a:schemeClr val="accent2"/>
+          </a:effectRef>
+          <a:fontRef idx="minor">
+            <a:schemeClr val="dk1"/>
+          </a:fontRef>
+        </p:style>
+        <p:txBody>
+          <a:bodyPr wrap="square" rtlCol="0">
+            <a:spAutoFit/>
+          </a:bodyPr>
+          <a:lstStyle/>
+          <a:p>
+            <a:r>
+              <a:rPr lang="en-US" sz="1400" b="1" dirty="0" smtClean="0">
+                <a:solidFill>
+                  <a:schemeClr val="tx1"/>
+                </a:solidFill>
+                <a:latin typeface="Verdana" charset="0"/>
+                <a:ea typeface="Verdana" charset="0"/>
+                <a:cs typeface="Verdana" charset="0"/>
+              </a:rPr>
+              <a:t>ABOUT ME</a:t>
+            </a:r>
+          </a:p>
+        </p:txBody>
+      </p:sp>
+      <p:sp>
+        <p:nvSpPr>
+          <p:cNvPr id="9" name="TextBox 8"/>
+          <p:cNvSpPr txBox="1"/>
+          <p:nvPr/>
+        </p:nvSpPr>
+        <p:spPr>
+          <a:xfrm>
+            <a:off x="2792461" y="520374"/>
+            <a:ext cx="3877728" cy="1938992"/>
+          </a:xfrm>
+          <a:prstGeom prst="rect">
+            <a:avLst/>
+          </a:prstGeom>
+          <a:noFill/>
+          <a:ln>
+            <a:noFill/>
+          </a:ln>
+        </p:spPr>
+        <p:style>
+          <a:lnRef idx="2">
+            <a:schemeClr val="accent2"/>
+          </a:lnRef>
+          <a:fillRef idx="1">
+            <a:schemeClr val="lt1"/>
+          </a:fillRef>
+          <a:effectRef idx="0">
+            <a:schemeClr val="accent2"/>
+          </a:effectRef>
+          <a:fontRef idx="minor">
+            <a:schemeClr val="dk1"/>
+          </a:fontRef>
+        </p:style>
+        <p:txBody>
+          <a:bodyPr wrap="square" rtlCol="0">
+            <a:spAutoFit/>
+          </a:bodyPr>
+          <a:lstStyle/>
+          <a:p>
+            <a:r>
+              <a:rPr lang="en-US" sz="1000" dirty="0">
+                <a:latin typeface="Lucida Sans" charset="0"/>
+                <a:ea typeface="Lucida Sans" charset="0"/>
+                <a:cs typeface="Lucida Sans" charset="0"/>
+              </a:rPr>
+              <a:t>Lorem ipsum dolor sit </a:t>
+            </a:r>
+            <a:r>
+              <a:rPr lang="en-US" sz="1000" dirty="0" err="1">
+                <a:latin typeface="Lucida Sans" charset="0"/>
+                <a:ea typeface="Lucida Sans" charset="0"/>
+                <a:cs typeface="Lucida Sans" charset="0"/>
+              </a:rPr>
+              <a:t>amet</a:t>
+            </a:r>
+            <a:r>
+              <a:rPr lang="en-US" sz="1000" dirty="0">
+                <a:latin typeface="Lucida Sans" charset="0"/>
+                <a:ea typeface="Lucida Sans" charset="0"/>
+                <a:cs typeface="Lucida Sans" charset="0"/>
+              </a:rPr>
+              <a:t>, </a:t>
+            </a:r>
+            <a:r>
+              <a:rPr lang="en-US" sz="1000" dirty="0" err="1">
+                <a:latin typeface="Lucida Sans" charset="0"/>
+                <a:ea typeface="Lucida Sans" charset="0"/>
+                <a:cs typeface="Lucida Sans" charset="0"/>
+              </a:rPr>
+              <a:t>consectetur</a:t>
+            </a:r>
+            <a:r>
+              <a:rPr lang="en-US" sz="1000" dirty="0">
+                <a:latin typeface="Lucida Sans" charset="0"/>
+                <a:ea typeface="Lucida Sans" charset="0"/>
+                <a:cs typeface="Lucida Sans" charset="0"/>
+              </a:rPr>
+              <a:t> </a:t>
+            </a:r>
+            <a:r>
+              <a:rPr lang="en-US" sz="1000" dirty="0" err="1">
+                <a:latin typeface="Lucida Sans" charset="0"/>
+                <a:ea typeface="Lucida Sans" charset="0"/>
+                <a:cs typeface="Lucida Sans" charset="0"/>
+              </a:rPr>
+              <a:t>adipiscing</a:t>
+            </a:r>
+            <a:r>
+              <a:rPr lang="en-US" sz="1000" dirty="0">
+                <a:latin typeface="Lucida Sans" charset="0"/>
+                <a:ea typeface="Lucida Sans" charset="0"/>
+                <a:cs typeface="Lucida Sans" charset="0"/>
+              </a:rPr>
+              <a:t> </a:t>
+            </a:r>
+            <a:r>
+              <a:rPr lang="en-US" sz="1000" dirty="0" err="1">
+                <a:latin typeface="Lucida Sans" charset="0"/>
+                <a:ea typeface="Lucida Sans" charset="0"/>
+                <a:cs typeface="Lucida Sans" charset="0"/>
+              </a:rPr>
+              <a:t>elit</a:t>
+            </a:r>
+            <a:r>
+              <a:rPr lang="en-US" sz="1000" dirty="0">
+                <a:latin typeface="Lucida Sans" charset="0"/>
+                <a:ea typeface="Lucida Sans" charset="0"/>
+                <a:cs typeface="Lucida Sans" charset="0"/>
+              </a:rPr>
+              <a:t>. </a:t>
+            </a:r>
+            <a:r>
+              <a:rPr lang="en-US" sz="1000" dirty="0" err="1">
+                <a:latin typeface="Lucida Sans" charset="0"/>
+                <a:ea typeface="Lucida Sans" charset="0"/>
+                <a:cs typeface="Lucida Sans" charset="0"/>
+              </a:rPr>
+              <a:t>Sed</a:t>
+            </a:r>
+            <a:r>
+              <a:rPr lang="en-US" sz="1000" dirty="0">
+                <a:latin typeface="Lucida Sans" charset="0"/>
+                <a:ea typeface="Lucida Sans" charset="0"/>
+                <a:cs typeface="Lucida Sans" charset="0"/>
+              </a:rPr>
+              <a:t> </a:t>
+            </a:r>
+            <a:r>
+              <a:rPr lang="en-US" sz="1000" dirty="0" err="1">
+                <a:latin typeface="Lucida Sans" charset="0"/>
+                <a:ea typeface="Lucida Sans" charset="0"/>
+                <a:cs typeface="Lucida Sans" charset="0"/>
+              </a:rPr>
+              <a:t>neque</a:t>
+            </a:r>
+            <a:r>
+              <a:rPr lang="en-US" sz="1000" dirty="0">
+                <a:latin typeface="Lucida Sans" charset="0"/>
+                <a:ea typeface="Lucida Sans" charset="0"/>
+                <a:cs typeface="Lucida Sans" charset="0"/>
+              </a:rPr>
+              <a:t> </a:t>
+            </a:r>
+            <a:r>
+              <a:rPr lang="en-US" sz="1000" dirty="0" err="1">
+                <a:latin typeface="Lucida Sans" charset="0"/>
+                <a:ea typeface="Lucida Sans" charset="0"/>
+                <a:cs typeface="Lucida Sans" charset="0"/>
+              </a:rPr>
+              <a:t>tortor</a:t>
+            </a:r>
+            <a:r>
+              <a:rPr lang="en-US" sz="1000" dirty="0">
+                <a:latin typeface="Lucida Sans" charset="0"/>
+                <a:ea typeface="Lucida Sans" charset="0"/>
+                <a:cs typeface="Lucida Sans" charset="0"/>
+              </a:rPr>
+              <a:t>, </a:t>
+            </a:r>
+            <a:r>
+              <a:rPr lang="en-US" sz="1000" dirty="0" err="1">
+                <a:latin typeface="Lucida Sans" charset="0"/>
+                <a:ea typeface="Lucida Sans" charset="0"/>
+                <a:cs typeface="Lucida Sans" charset="0"/>
+              </a:rPr>
+              <a:t>lobortis</a:t>
+            </a:r>
+            <a:r>
+              <a:rPr lang="en-US" sz="1000" dirty="0">
+                <a:latin typeface="Lucida Sans" charset="0"/>
+                <a:ea typeface="Lucida Sans" charset="0"/>
+                <a:cs typeface="Lucida Sans" charset="0"/>
+              </a:rPr>
+              <a:t> </a:t>
+            </a:r>
+            <a:r>
+              <a:rPr lang="en-US" sz="1000" dirty="0" err="1">
+                <a:latin typeface="Lucida Sans" charset="0"/>
+                <a:ea typeface="Lucida Sans" charset="0"/>
+                <a:cs typeface="Lucida Sans" charset="0"/>
+              </a:rPr>
+              <a:t>ut</a:t>
+            </a:r>
+            <a:r>
+              <a:rPr lang="en-US" sz="1000" dirty="0">
+                <a:latin typeface="Lucida Sans" charset="0"/>
+                <a:ea typeface="Lucida Sans" charset="0"/>
+                <a:cs typeface="Lucida Sans" charset="0"/>
+              </a:rPr>
+              <a:t> </a:t>
+            </a:r>
+            <a:r>
+              <a:rPr lang="en-US" sz="1000" dirty="0" err="1">
+                <a:latin typeface="Lucida Sans" charset="0"/>
+                <a:ea typeface="Lucida Sans" charset="0"/>
+                <a:cs typeface="Lucida Sans" charset="0"/>
+              </a:rPr>
+              <a:t>condimentum</a:t>
+            </a:r>
+            <a:r>
+              <a:rPr lang="en-US" sz="1000" dirty="0">
+                <a:latin typeface="Lucida Sans" charset="0"/>
+                <a:ea typeface="Lucida Sans" charset="0"/>
+                <a:cs typeface="Lucida Sans" charset="0"/>
+              </a:rPr>
+              <a:t> non, gravida sit </a:t>
+            </a:r>
+            <a:r>
+              <a:rPr lang="en-US" sz="1000" dirty="0" err="1">
+                <a:latin typeface="Lucida Sans" charset="0"/>
+                <a:ea typeface="Lucida Sans" charset="0"/>
+                <a:cs typeface="Lucida Sans" charset="0"/>
+              </a:rPr>
+              <a:t>amet</a:t>
+            </a:r>
+            <a:r>
+              <a:rPr lang="en-US" sz="1000" dirty="0">
+                <a:latin typeface="Lucida Sans" charset="0"/>
+                <a:ea typeface="Lucida Sans" charset="0"/>
+                <a:cs typeface="Lucida Sans" charset="0"/>
+              </a:rPr>
+              <a:t> </a:t>
+            </a:r>
+            <a:r>
+              <a:rPr lang="en-US" sz="1000" dirty="0" err="1">
+                <a:latin typeface="Lucida Sans" charset="0"/>
+                <a:ea typeface="Lucida Sans" charset="0"/>
+                <a:cs typeface="Lucida Sans" charset="0"/>
+              </a:rPr>
+              <a:t>felis</a:t>
+            </a:r>
+            <a:r>
+              <a:rPr lang="en-US" sz="1000" dirty="0">
+                <a:latin typeface="Lucida Sans" charset="0"/>
+                <a:ea typeface="Lucida Sans" charset="0"/>
+                <a:cs typeface="Lucida Sans" charset="0"/>
+              </a:rPr>
+              <a:t>. Integer </a:t>
+            </a:r>
+            <a:r>
+              <a:rPr lang="en-US" sz="1000" dirty="0" err="1">
+                <a:latin typeface="Lucida Sans" charset="0"/>
+                <a:ea typeface="Lucida Sans" charset="0"/>
+                <a:cs typeface="Lucida Sans" charset="0"/>
+              </a:rPr>
+              <a:t>vehicula</a:t>
+            </a:r>
+            <a:r>
+              <a:rPr lang="en-US" sz="1000" dirty="0">
+                <a:latin typeface="Lucida Sans" charset="0"/>
+                <a:ea typeface="Lucida Sans" charset="0"/>
+                <a:cs typeface="Lucida Sans" charset="0"/>
+              </a:rPr>
+              <a:t> </a:t>
+            </a:r>
+            <a:r>
+              <a:rPr lang="en-US" sz="1000" dirty="0" err="1">
+                <a:latin typeface="Lucida Sans" charset="0"/>
+                <a:ea typeface="Lucida Sans" charset="0"/>
+                <a:cs typeface="Lucida Sans" charset="0"/>
+              </a:rPr>
+              <a:t>tincidunt</a:t>
+            </a:r>
+            <a:r>
+              <a:rPr lang="en-US" sz="1000" dirty="0">
+                <a:latin typeface="Lucida Sans" charset="0"/>
+                <a:ea typeface="Lucida Sans" charset="0"/>
+                <a:cs typeface="Lucida Sans" charset="0"/>
+              </a:rPr>
+              <a:t> </a:t>
+            </a:r>
+            <a:r>
+              <a:rPr lang="en-US" sz="1000" dirty="0" err="1">
+                <a:latin typeface="Lucida Sans" charset="0"/>
+                <a:ea typeface="Lucida Sans" charset="0"/>
+                <a:cs typeface="Lucida Sans" charset="0"/>
+              </a:rPr>
+              <a:t>luctus</a:t>
+            </a:r>
+            <a:r>
+              <a:rPr lang="en-US" sz="1000" dirty="0">
+                <a:latin typeface="Lucida Sans" charset="0"/>
+                <a:ea typeface="Lucida Sans" charset="0"/>
+                <a:cs typeface="Lucida Sans" charset="0"/>
+              </a:rPr>
+              <a:t>. Lorem ipsum dolor sit </a:t>
+            </a:r>
+            <a:r>
+              <a:rPr lang="en-US" sz="1000" dirty="0" err="1">
+                <a:latin typeface="Lucida Sans" charset="0"/>
+                <a:ea typeface="Lucida Sans" charset="0"/>
+                <a:cs typeface="Lucida Sans" charset="0"/>
+              </a:rPr>
+              <a:t>amet</a:t>
+            </a:r>
+            <a:r>
+              <a:rPr lang="en-US" sz="1000" dirty="0">
+                <a:latin typeface="Lucida Sans" charset="0"/>
+                <a:ea typeface="Lucida Sans" charset="0"/>
+                <a:cs typeface="Lucida Sans" charset="0"/>
+              </a:rPr>
+              <a:t>, </a:t>
+            </a:r>
+            <a:r>
+              <a:rPr lang="en-US" sz="1000" dirty="0" err="1">
+                <a:latin typeface="Lucida Sans" charset="0"/>
+                <a:ea typeface="Lucida Sans" charset="0"/>
+                <a:cs typeface="Lucida Sans" charset="0"/>
+              </a:rPr>
+              <a:t>consectetur</a:t>
+            </a:r>
+            <a:r>
+              <a:rPr lang="en-US" sz="1000" dirty="0">
+                <a:latin typeface="Lucida Sans" charset="0"/>
+                <a:ea typeface="Lucida Sans" charset="0"/>
+                <a:cs typeface="Lucida Sans" charset="0"/>
+              </a:rPr>
+              <a:t> </a:t>
+            </a:r>
+            <a:r>
+              <a:rPr lang="en-US" sz="1000" dirty="0" err="1">
+                <a:latin typeface="Lucida Sans" charset="0"/>
+                <a:ea typeface="Lucida Sans" charset="0"/>
+                <a:cs typeface="Lucida Sans" charset="0"/>
+              </a:rPr>
+              <a:t>adipiscing</a:t>
+            </a:r>
+            <a:r>
+              <a:rPr lang="en-US" sz="1000" dirty="0">
+                <a:latin typeface="Lucida Sans" charset="0"/>
+                <a:ea typeface="Lucida Sans" charset="0"/>
+                <a:cs typeface="Lucida Sans" charset="0"/>
+              </a:rPr>
+              <a:t> </a:t>
+            </a:r>
+            <a:r>
+              <a:rPr lang="en-US" sz="1000" dirty="0" err="1">
+                <a:latin typeface="Lucida Sans" charset="0"/>
+                <a:ea typeface="Lucida Sans" charset="0"/>
+                <a:cs typeface="Lucida Sans" charset="0"/>
+              </a:rPr>
+              <a:t>elit</a:t>
+            </a:r>
+            <a:r>
+              <a:rPr lang="en-US" sz="1000" dirty="0">
+                <a:latin typeface="Lucida Sans" charset="0"/>
+                <a:ea typeface="Lucida Sans" charset="0"/>
+                <a:cs typeface="Lucida Sans" charset="0"/>
+              </a:rPr>
+              <a:t>. In </a:t>
+            </a:r>
+            <a:r>
+              <a:rPr lang="en-US" sz="1000" dirty="0" err="1">
+                <a:latin typeface="Lucida Sans" charset="0"/>
+                <a:ea typeface="Lucida Sans" charset="0"/>
+                <a:cs typeface="Lucida Sans" charset="0"/>
+              </a:rPr>
+              <a:t>ornare</a:t>
+            </a:r>
+            <a:r>
+              <a:rPr lang="en-US" sz="1000" dirty="0">
+                <a:latin typeface="Lucida Sans" charset="0"/>
+                <a:ea typeface="Lucida Sans" charset="0"/>
+                <a:cs typeface="Lucida Sans" charset="0"/>
+              </a:rPr>
+              <a:t> </a:t>
+            </a:r>
+            <a:r>
+              <a:rPr lang="en-US" sz="1000" dirty="0" err="1">
+                <a:latin typeface="Lucida Sans" charset="0"/>
+                <a:ea typeface="Lucida Sans" charset="0"/>
+                <a:cs typeface="Lucida Sans" charset="0"/>
+              </a:rPr>
+              <a:t>lacinia</a:t>
+            </a:r>
+            <a:r>
+              <a:rPr lang="en-US" sz="1000" dirty="0">
+                <a:latin typeface="Lucida Sans" charset="0"/>
+                <a:ea typeface="Lucida Sans" charset="0"/>
+                <a:cs typeface="Lucida Sans" charset="0"/>
+              </a:rPr>
+              <a:t> </a:t>
+            </a:r>
+            <a:r>
+              <a:rPr lang="en-US" sz="1000" dirty="0" err="1">
+                <a:latin typeface="Lucida Sans" charset="0"/>
+                <a:ea typeface="Lucida Sans" charset="0"/>
+                <a:cs typeface="Lucida Sans" charset="0"/>
+              </a:rPr>
+              <a:t>efficitur</a:t>
+            </a:r>
+            <a:r>
+              <a:rPr lang="en-US" sz="1000" dirty="0">
+                <a:latin typeface="Lucida Sans" charset="0"/>
+                <a:ea typeface="Lucida Sans" charset="0"/>
+                <a:cs typeface="Lucida Sans" charset="0"/>
+              </a:rPr>
+              <a:t>. Integer lacus </a:t>
+            </a:r>
+            <a:r>
+              <a:rPr lang="en-US" sz="1000" dirty="0" err="1">
+                <a:latin typeface="Lucida Sans" charset="0"/>
+                <a:ea typeface="Lucida Sans" charset="0"/>
+                <a:cs typeface="Lucida Sans" charset="0"/>
+              </a:rPr>
+              <a:t>augue</a:t>
+            </a:r>
+            <a:r>
+              <a:rPr lang="en-US" sz="1000" dirty="0">
+                <a:latin typeface="Lucida Sans" charset="0"/>
+                <a:ea typeface="Lucida Sans" charset="0"/>
+                <a:cs typeface="Lucida Sans" charset="0"/>
+              </a:rPr>
+              <a:t>, </a:t>
+            </a:r>
+            <a:r>
+              <a:rPr lang="en-US" sz="1000" dirty="0" err="1">
+                <a:latin typeface="Lucida Sans" charset="0"/>
+                <a:ea typeface="Lucida Sans" charset="0"/>
+                <a:cs typeface="Lucida Sans" charset="0"/>
+              </a:rPr>
+              <a:t>rutrum</a:t>
+            </a:r>
+            <a:r>
+              <a:rPr lang="en-US" sz="1000" dirty="0">
+                <a:latin typeface="Lucida Sans" charset="0"/>
+                <a:ea typeface="Lucida Sans" charset="0"/>
+                <a:cs typeface="Lucida Sans" charset="0"/>
+              </a:rPr>
+              <a:t> </a:t>
+            </a:r>
+            <a:r>
+              <a:rPr lang="en-US" sz="1000" dirty="0" err="1">
+                <a:latin typeface="Lucida Sans" charset="0"/>
+                <a:ea typeface="Lucida Sans" charset="0"/>
+                <a:cs typeface="Lucida Sans" charset="0"/>
+              </a:rPr>
+              <a:t>aliquet</a:t>
+            </a:r>
+            <a:r>
+              <a:rPr lang="en-US" sz="1000" dirty="0">
+                <a:latin typeface="Lucida Sans" charset="0"/>
+                <a:ea typeface="Lucida Sans" charset="0"/>
+                <a:cs typeface="Lucida Sans" charset="0"/>
+              </a:rPr>
+              <a:t> </a:t>
+            </a:r>
+            <a:r>
+              <a:rPr lang="en-US" sz="1000" dirty="0" err="1">
+                <a:latin typeface="Lucida Sans" charset="0"/>
+                <a:ea typeface="Lucida Sans" charset="0"/>
+                <a:cs typeface="Lucida Sans" charset="0"/>
+              </a:rPr>
+              <a:t>massa</a:t>
+            </a:r>
+            <a:r>
+              <a:rPr lang="en-US" sz="1000" dirty="0">
+                <a:latin typeface="Lucida Sans" charset="0"/>
+                <a:ea typeface="Lucida Sans" charset="0"/>
+                <a:cs typeface="Lucida Sans" charset="0"/>
+              </a:rPr>
+              <a:t> vitae, </a:t>
+            </a:r>
+            <a:r>
+              <a:rPr lang="en-US" sz="1000" dirty="0" err="1">
+                <a:latin typeface="Lucida Sans" charset="0"/>
+                <a:ea typeface="Lucida Sans" charset="0"/>
+                <a:cs typeface="Lucida Sans" charset="0"/>
+              </a:rPr>
+              <a:t>laoreet</a:t>
+            </a:r>
+            <a:r>
+              <a:rPr lang="en-US" sz="1000" dirty="0">
+                <a:latin typeface="Lucida Sans" charset="0"/>
+                <a:ea typeface="Lucida Sans" charset="0"/>
+                <a:cs typeface="Lucida Sans" charset="0"/>
+              </a:rPr>
+              <a:t> </a:t>
+            </a:r>
+            <a:r>
+              <a:rPr lang="en-US" sz="1000" dirty="0" err="1">
+                <a:latin typeface="Lucida Sans" charset="0"/>
+                <a:ea typeface="Lucida Sans" charset="0"/>
+                <a:cs typeface="Lucida Sans" charset="0"/>
+              </a:rPr>
+              <a:t>ultricies</a:t>
+            </a:r>
+            <a:r>
+              <a:rPr lang="en-US" sz="1000" dirty="0">
+                <a:latin typeface="Lucida Sans" charset="0"/>
+                <a:ea typeface="Lucida Sans" charset="0"/>
+                <a:cs typeface="Lucida Sans" charset="0"/>
+              </a:rPr>
+              <a:t> dolor. </a:t>
+            </a:r>
+            <a:r>
+              <a:rPr lang="en-US" sz="1000" dirty="0" err="1">
+                <a:latin typeface="Lucida Sans" charset="0"/>
+                <a:ea typeface="Lucida Sans" charset="0"/>
+                <a:cs typeface="Lucida Sans" charset="0"/>
+              </a:rPr>
+              <a:t>Sed</a:t>
+            </a:r>
+            <a:r>
+              <a:rPr lang="en-US" sz="1000" dirty="0">
+                <a:latin typeface="Lucida Sans" charset="0"/>
+                <a:ea typeface="Lucida Sans" charset="0"/>
+                <a:cs typeface="Lucida Sans" charset="0"/>
+              </a:rPr>
+              <a:t> </a:t>
+            </a:r>
+            <a:r>
+              <a:rPr lang="en-US" sz="1000" dirty="0" err="1">
+                <a:latin typeface="Lucida Sans" charset="0"/>
+                <a:ea typeface="Lucida Sans" charset="0"/>
+                <a:cs typeface="Lucida Sans" charset="0"/>
+              </a:rPr>
+              <a:t>eros</a:t>
+            </a:r>
+            <a:r>
+              <a:rPr lang="en-US" sz="1000" dirty="0">
+                <a:latin typeface="Lucida Sans" charset="0"/>
+                <a:ea typeface="Lucida Sans" charset="0"/>
+                <a:cs typeface="Lucida Sans" charset="0"/>
+              </a:rPr>
+              <a:t> </a:t>
+            </a:r>
+            <a:r>
+              <a:rPr lang="en-US" sz="1000" dirty="0" err="1">
+                <a:latin typeface="Lucida Sans" charset="0"/>
+                <a:ea typeface="Lucida Sans" charset="0"/>
+                <a:cs typeface="Lucida Sans" charset="0"/>
+              </a:rPr>
+              <a:t>nulla</a:t>
+            </a:r>
+            <a:r>
+              <a:rPr lang="en-US" sz="1000" dirty="0">
+                <a:latin typeface="Lucida Sans" charset="0"/>
+                <a:ea typeface="Lucida Sans" charset="0"/>
+                <a:cs typeface="Lucida Sans" charset="0"/>
+              </a:rPr>
+              <a:t>, gravida maximus </a:t>
+            </a:r>
+            <a:r>
+              <a:rPr lang="en-US" sz="1000" dirty="0" err="1">
+                <a:latin typeface="Lucida Sans" charset="0"/>
+                <a:ea typeface="Lucida Sans" charset="0"/>
+                <a:cs typeface="Lucida Sans" charset="0"/>
+              </a:rPr>
+              <a:t>metus</a:t>
+            </a:r>
+            <a:r>
+              <a:rPr lang="en-US" sz="1000" dirty="0">
+                <a:latin typeface="Lucida Sans" charset="0"/>
+                <a:ea typeface="Lucida Sans" charset="0"/>
+                <a:cs typeface="Lucida Sans" charset="0"/>
+              </a:rPr>
+              <a:t> non, convallis </a:t>
+            </a:r>
+            <a:r>
+              <a:rPr lang="en-US" sz="1000" dirty="0" err="1">
+                <a:latin typeface="Lucida Sans" charset="0"/>
+                <a:ea typeface="Lucida Sans" charset="0"/>
+                <a:cs typeface="Lucida Sans" charset="0"/>
+              </a:rPr>
+              <a:t>varius</a:t>
+            </a:r>
+            <a:r>
+              <a:rPr lang="en-US" sz="1000" dirty="0">
+                <a:latin typeface="Lucida Sans" charset="0"/>
+                <a:ea typeface="Lucida Sans" charset="0"/>
+                <a:cs typeface="Lucida Sans" charset="0"/>
+              </a:rPr>
+              <a:t> </a:t>
+            </a:r>
+            <a:r>
+              <a:rPr lang="en-US" sz="1000" dirty="0" err="1">
+                <a:latin typeface="Lucida Sans" charset="0"/>
+                <a:ea typeface="Lucida Sans" charset="0"/>
+                <a:cs typeface="Lucida Sans" charset="0"/>
+              </a:rPr>
+              <a:t>risus</a:t>
+            </a:r>
+            <a:r>
+              <a:rPr lang="en-US" sz="1000" dirty="0">
+                <a:latin typeface="Lucida Sans" charset="0"/>
+                <a:ea typeface="Lucida Sans" charset="0"/>
+                <a:cs typeface="Lucida Sans" charset="0"/>
+              </a:rPr>
+              <a:t>. Integer </a:t>
+            </a:r>
+            <a:r>
+              <a:rPr lang="en-US" sz="1000" dirty="0" err="1">
+                <a:latin typeface="Lucida Sans" charset="0"/>
+                <a:ea typeface="Lucida Sans" charset="0"/>
+                <a:cs typeface="Lucida Sans" charset="0"/>
+              </a:rPr>
+              <a:t>vulputate</a:t>
+            </a:r>
+            <a:r>
+              <a:rPr lang="en-US" sz="1000" dirty="0">
+                <a:latin typeface="Lucida Sans" charset="0"/>
+                <a:ea typeface="Lucida Sans" charset="0"/>
+                <a:cs typeface="Lucida Sans" charset="0"/>
+              </a:rPr>
+              <a:t> </a:t>
+            </a:r>
+            <a:r>
+              <a:rPr lang="en-US" sz="1000" dirty="0" err="1">
+                <a:latin typeface="Lucida Sans" charset="0"/>
+                <a:ea typeface="Lucida Sans" charset="0"/>
+                <a:cs typeface="Lucida Sans" charset="0"/>
+              </a:rPr>
+              <a:t>laoreet</a:t>
+            </a:r>
+            <a:r>
+              <a:rPr lang="en-US" sz="1000" dirty="0">
+                <a:latin typeface="Lucida Sans" charset="0"/>
+                <a:ea typeface="Lucida Sans" charset="0"/>
+                <a:cs typeface="Lucida Sans" charset="0"/>
+              </a:rPr>
+              <a:t> </a:t>
+            </a:r>
+            <a:r>
+              <a:rPr lang="en-US" sz="1000" dirty="0" err="1">
+                <a:latin typeface="Lucida Sans" charset="0"/>
+                <a:ea typeface="Lucida Sans" charset="0"/>
+                <a:cs typeface="Lucida Sans" charset="0"/>
+              </a:rPr>
+              <a:t>varius</a:t>
+            </a:r>
+            <a:r>
+              <a:rPr lang="en-US" sz="1000" dirty="0">
+                <a:latin typeface="Lucida Sans" charset="0"/>
+                <a:ea typeface="Lucida Sans" charset="0"/>
+                <a:cs typeface="Lucida Sans" charset="0"/>
+              </a:rPr>
+              <a:t>. Nunc </a:t>
+            </a:r>
+            <a:r>
+              <a:rPr lang="en-US" sz="1000" dirty="0" err="1">
+                <a:latin typeface="Lucida Sans" charset="0"/>
+                <a:ea typeface="Lucida Sans" charset="0"/>
+                <a:cs typeface="Lucida Sans" charset="0"/>
+              </a:rPr>
+              <a:t>urna</a:t>
+            </a:r>
+            <a:r>
+              <a:rPr lang="en-US" sz="1000" dirty="0">
+                <a:latin typeface="Lucida Sans" charset="0"/>
+                <a:ea typeface="Lucida Sans" charset="0"/>
+                <a:cs typeface="Lucida Sans" charset="0"/>
+              </a:rPr>
+              <a:t> </a:t>
+            </a:r>
+            <a:r>
+              <a:rPr lang="en-US" sz="1000" dirty="0" err="1">
+                <a:latin typeface="Lucida Sans" charset="0"/>
+                <a:ea typeface="Lucida Sans" charset="0"/>
+                <a:cs typeface="Lucida Sans" charset="0"/>
+              </a:rPr>
+              <a:t>purus</a:t>
+            </a:r>
+            <a:r>
+              <a:rPr lang="en-US" sz="1000" dirty="0">
+                <a:latin typeface="Lucida Sans" charset="0"/>
+                <a:ea typeface="Lucida Sans" charset="0"/>
+                <a:cs typeface="Lucida Sans" charset="0"/>
+              </a:rPr>
+              <a:t>, </a:t>
+            </a:r>
+            <a:r>
+              <a:rPr lang="en-US" sz="1000" dirty="0" err="1">
+                <a:latin typeface="Lucida Sans" charset="0"/>
+                <a:ea typeface="Lucida Sans" charset="0"/>
+                <a:cs typeface="Lucida Sans" charset="0"/>
+              </a:rPr>
+              <a:t>accumsan</a:t>
+            </a:r>
+            <a:r>
+              <a:rPr lang="en-US" sz="1000" dirty="0">
+                <a:latin typeface="Lucida Sans" charset="0"/>
+                <a:ea typeface="Lucida Sans" charset="0"/>
+                <a:cs typeface="Lucida Sans" charset="0"/>
+              </a:rPr>
+              <a:t> et </a:t>
+            </a:r>
+            <a:r>
+              <a:rPr lang="en-US" sz="1000" dirty="0" err="1">
+                <a:latin typeface="Lucida Sans" charset="0"/>
+                <a:ea typeface="Lucida Sans" charset="0"/>
+                <a:cs typeface="Lucida Sans" charset="0"/>
+              </a:rPr>
+              <a:t>luctus</a:t>
+            </a:r>
+            <a:r>
+              <a:rPr lang="en-US" sz="1000" dirty="0">
+                <a:latin typeface="Lucida Sans" charset="0"/>
+                <a:ea typeface="Lucida Sans" charset="0"/>
+                <a:cs typeface="Lucida Sans" charset="0"/>
+              </a:rPr>
+              <a:t> at, </a:t>
+            </a:r>
+            <a:r>
+              <a:rPr lang="en-US" sz="1000" dirty="0" err="1">
+                <a:latin typeface="Lucida Sans" charset="0"/>
+                <a:ea typeface="Lucida Sans" charset="0"/>
+                <a:cs typeface="Lucida Sans" charset="0"/>
+              </a:rPr>
+              <a:t>pretium</a:t>
+            </a:r>
+            <a:r>
+              <a:rPr lang="en-US" sz="1000" dirty="0">
+                <a:latin typeface="Lucida Sans" charset="0"/>
+                <a:ea typeface="Lucida Sans" charset="0"/>
+                <a:cs typeface="Lucida Sans" charset="0"/>
+              </a:rPr>
+              <a:t> </a:t>
+            </a:r>
+            <a:r>
+              <a:rPr lang="en-US" sz="1000" dirty="0" err="1">
+                <a:latin typeface="Lucida Sans" charset="0"/>
+                <a:ea typeface="Lucida Sans" charset="0"/>
+                <a:cs typeface="Lucida Sans" charset="0"/>
+              </a:rPr>
+              <a:t>vel</a:t>
+            </a:r>
+            <a:r>
+              <a:rPr lang="en-US" sz="1000" dirty="0">
+                <a:latin typeface="Lucida Sans" charset="0"/>
+                <a:ea typeface="Lucida Sans" charset="0"/>
+                <a:cs typeface="Lucida Sans" charset="0"/>
+              </a:rPr>
+              <a:t> </a:t>
+            </a:r>
+            <a:r>
+              <a:rPr lang="en-US" sz="1000" dirty="0" err="1">
+                <a:latin typeface="Lucida Sans" charset="0"/>
+                <a:ea typeface="Lucida Sans" charset="0"/>
+                <a:cs typeface="Lucida Sans" charset="0"/>
+              </a:rPr>
+              <a:t>mauris</a:t>
+            </a:r>
+            <a:r>
+              <a:rPr lang="en-US" sz="1000" dirty="0">
+                <a:latin typeface="Lucida Sans" charset="0"/>
+                <a:ea typeface="Lucida Sans" charset="0"/>
+                <a:cs typeface="Lucida Sans" charset="0"/>
+              </a:rPr>
+              <a:t>. </a:t>
+            </a:r>
+            <a:r>
+              <a:rPr lang="en-US" sz="1000" dirty="0" err="1">
+                <a:latin typeface="Lucida Sans" charset="0"/>
+                <a:ea typeface="Lucida Sans" charset="0"/>
+                <a:cs typeface="Lucida Sans" charset="0"/>
+              </a:rPr>
+              <a:t>Vestibulum</a:t>
+            </a:r>
+            <a:r>
+              <a:rPr lang="en-US" sz="1000" dirty="0">
+                <a:latin typeface="Lucida Sans" charset="0"/>
+                <a:ea typeface="Lucida Sans" charset="0"/>
+                <a:cs typeface="Lucida Sans" charset="0"/>
+              </a:rPr>
+              <a:t> a </a:t>
+            </a:r>
+            <a:r>
+              <a:rPr lang="en-US" sz="1000" dirty="0" err="1">
+                <a:latin typeface="Lucida Sans" charset="0"/>
+                <a:ea typeface="Lucida Sans" charset="0"/>
+                <a:cs typeface="Lucida Sans" charset="0"/>
+              </a:rPr>
+              <a:t>justo</a:t>
+            </a:r>
+            <a:r>
+              <a:rPr lang="en-US" sz="1000" dirty="0">
+                <a:latin typeface="Lucida Sans" charset="0"/>
+                <a:ea typeface="Lucida Sans" charset="0"/>
+                <a:cs typeface="Lucida Sans" charset="0"/>
+              </a:rPr>
+              <a:t> </a:t>
+            </a:r>
+            <a:r>
+              <a:rPr lang="en-US" sz="1000" dirty="0" err="1">
+                <a:latin typeface="Lucida Sans" charset="0"/>
+                <a:ea typeface="Lucida Sans" charset="0"/>
+                <a:cs typeface="Lucida Sans" charset="0"/>
+              </a:rPr>
+              <a:t>quis</a:t>
+            </a:r>
+            <a:r>
+              <a:rPr lang="en-US" sz="1000" dirty="0">
+                <a:latin typeface="Lucida Sans" charset="0"/>
+                <a:ea typeface="Lucida Sans" charset="0"/>
+                <a:cs typeface="Lucida Sans" charset="0"/>
+              </a:rPr>
+              <a:t> </a:t>
+            </a:r>
+            <a:r>
+              <a:rPr lang="en-US" sz="1000" dirty="0" err="1">
+                <a:latin typeface="Lucida Sans" charset="0"/>
+                <a:ea typeface="Lucida Sans" charset="0"/>
+                <a:cs typeface="Lucida Sans" charset="0"/>
+              </a:rPr>
+              <a:t>sem</a:t>
+            </a:r>
+            <a:r>
+              <a:rPr lang="en-US" sz="1000" dirty="0">
+                <a:latin typeface="Lucida Sans" charset="0"/>
+                <a:ea typeface="Lucida Sans" charset="0"/>
+                <a:cs typeface="Lucida Sans" charset="0"/>
+              </a:rPr>
+              <a:t> </a:t>
+            </a:r>
+            <a:r>
+              <a:rPr lang="en-US" sz="1000" dirty="0" err="1">
+                <a:latin typeface="Lucida Sans" charset="0"/>
+                <a:ea typeface="Lucida Sans" charset="0"/>
+                <a:cs typeface="Lucida Sans" charset="0"/>
+              </a:rPr>
+              <a:t>blandit</a:t>
+            </a:r>
+            <a:r>
+              <a:rPr lang="en-US" sz="1000" dirty="0">
+                <a:latin typeface="Lucida Sans" charset="0"/>
+                <a:ea typeface="Lucida Sans" charset="0"/>
+                <a:cs typeface="Lucida Sans" charset="0"/>
+              </a:rPr>
+              <a:t> </a:t>
+            </a:r>
+            <a:r>
+              <a:rPr lang="en-US" sz="1000" dirty="0" err="1">
+                <a:latin typeface="Lucida Sans" charset="0"/>
+                <a:ea typeface="Lucida Sans" charset="0"/>
+                <a:cs typeface="Lucida Sans" charset="0"/>
+              </a:rPr>
+              <a:t>eleifend</a:t>
+            </a:r>
+            <a:r>
+              <a:rPr lang="en-US" sz="1000" dirty="0">
+                <a:latin typeface="Lucida Sans" charset="0"/>
+                <a:ea typeface="Lucida Sans" charset="0"/>
+                <a:cs typeface="Lucida Sans" charset="0"/>
+              </a:rPr>
+              <a:t>. </a:t>
+            </a:r>
+            <a:r>
+              <a:rPr lang="en-US" sz="1000" dirty="0" err="1">
+                <a:latin typeface="Lucida Sans" charset="0"/>
+                <a:ea typeface="Lucida Sans" charset="0"/>
+                <a:cs typeface="Lucida Sans" charset="0"/>
+              </a:rPr>
+              <a:t>Vestibulum</a:t>
+            </a:r>
+            <a:r>
+              <a:rPr lang="en-US" sz="1000" dirty="0">
+                <a:latin typeface="Lucida Sans" charset="0"/>
+                <a:ea typeface="Lucida Sans" charset="0"/>
+                <a:cs typeface="Lucida Sans" charset="0"/>
+              </a:rPr>
+              <a:t> </a:t>
+            </a:r>
+            <a:r>
+              <a:rPr lang="en-US" sz="1000" dirty="0" err="1">
+                <a:latin typeface="Lucida Sans" charset="0"/>
+                <a:ea typeface="Lucida Sans" charset="0"/>
+                <a:cs typeface="Lucida Sans" charset="0"/>
+              </a:rPr>
+              <a:t>rutrum</a:t>
+            </a:r>
+            <a:r>
+              <a:rPr lang="en-US" sz="1000" dirty="0">
+                <a:latin typeface="Lucida Sans" charset="0"/>
+                <a:ea typeface="Lucida Sans" charset="0"/>
+                <a:cs typeface="Lucida Sans" charset="0"/>
+              </a:rPr>
+              <a:t> </a:t>
+            </a:r>
+            <a:r>
+              <a:rPr lang="en-US" sz="1000" dirty="0" err="1">
+                <a:latin typeface="Lucida Sans" charset="0"/>
+                <a:ea typeface="Lucida Sans" charset="0"/>
+                <a:cs typeface="Lucida Sans" charset="0"/>
+              </a:rPr>
+              <a:t>accumsan</a:t>
+            </a:r>
+            <a:r>
+              <a:rPr lang="en-US" sz="1000" dirty="0">
+                <a:latin typeface="Lucida Sans" charset="0"/>
+                <a:ea typeface="Lucida Sans" charset="0"/>
+                <a:cs typeface="Lucida Sans" charset="0"/>
+              </a:rPr>
+              <a:t> </a:t>
+            </a:r>
+            <a:r>
+              <a:rPr lang="en-US" sz="1000" dirty="0" err="1">
+                <a:latin typeface="Lucida Sans" charset="0"/>
+                <a:ea typeface="Lucida Sans" charset="0"/>
+                <a:cs typeface="Lucida Sans" charset="0"/>
+              </a:rPr>
+              <a:t>aliquet</a:t>
+            </a:r>
+            <a:r>
+              <a:rPr lang="en-US" sz="1000" dirty="0">
+                <a:latin typeface="Lucida Sans" charset="0"/>
+                <a:ea typeface="Lucida Sans" charset="0"/>
+                <a:cs typeface="Lucida Sans" charset="0"/>
+              </a:rPr>
+              <a:t>.</a:t>
+            </a:r>
+          </a:p>
+          <a:p>
+            <a:r>
+              <a:rPr lang="en-US" sz="1000" dirty="0"/>
+              <a:t/>
+            </a:r>
+            <a:br>
+              <a:rPr lang="en-US" sz="1000" dirty="0"/>
+            </a:br>
+            <a:endParaRPr lang="en-US" sz="1000" dirty="0" smtClean="0">
+              <a:solidFill>
+                <a:schemeClr val="tx1"/>
+              </a:solidFill>
+              <a:latin typeface="Verdana" charset="0"/>
+              <a:ea typeface="Verdana" charset="0"/>
+              <a:cs typeface="Verdana" charset="0"/>
+            </a:endParaRPr>
+          </a:p>
+        </p:txBody>
+      </p:sp>
+      <p:sp>
+        <p:nvSpPr>
+          <p:cNvPr id="10" name="TextBox 9"/>
+          <p:cNvSpPr txBox="1"/>
+          <p:nvPr/>
+        </p:nvSpPr>
+        <p:spPr>
+          <a:xfrm>
+            <a:off x="2792459" y="2518380"/>
+            <a:ext cx="4065541" cy="319755"/>
+          </a:xfrm>
+          <a:prstGeom prst="rect">
+            <a:avLst/>
+          </a:prstGeom>
+          <a:noFill/>
+          <a:ln>
+            <a:noFill/>
+          </a:ln>
+        </p:spPr>
+        <p:style>
+          <a:lnRef idx="2">
+            <a:schemeClr val="accent2"/>
+          </a:lnRef>
+          <a:fillRef idx="1">
+            <a:schemeClr val="lt1"/>
+          </a:fillRef>
+          <a:effectRef idx="0">
+            <a:schemeClr val="accent2"/>
+          </a:effectRef>
+          <a:fontRef idx="minor">
+            <a:schemeClr val="dk1"/>
+          </a:fontRef>
+        </p:style>
+        <p:txBody>
+          <a:bodyPr wrap="square" rtlCol="0">
+            <a:spAutoFit/>
+          </a:bodyPr>
+          <a:lstStyle/>
+          <a:p>
+            <a:r>
+              <a:rPr lang="en-US" sz="1400" b="1" dirty="0" smtClean="0">
+                <a:solidFill>
+                  <a:schemeClr val="tx1"/>
+                </a:solidFill>
+                <a:latin typeface="Verdana" charset="0"/>
+                <a:ea typeface="Verdana" charset="0"/>
+                <a:cs typeface="Verdana" charset="0"/>
+              </a:rPr>
+              <a:t>EDUCATION</a:t>
+            </a:r>
+          </a:p>
+        </p:txBody>
+      </p:sp>
+      <p:grpSp>
+        <p:nvGrpSpPr>
+          <p:cNvPr id="17" name="Group 16"/>
+          <p:cNvGrpSpPr/>
+          <p:nvPr/>
+        </p:nvGrpSpPr>
+        <p:grpSpPr>
+          <a:xfrm>
+            <a:off x="352935" y="366485"/>
+            <a:ext cx="1833204" cy="1828800"/>
+            <a:chOff x="263179" y="185295"/>
+            <a:chExt cx="1833204" cy="1828800"/>
+          </a:xfrm>
+        </p:grpSpPr>
+        <p:sp>
+          <p:nvSpPr>
+            <p:cNvPr id="13" name="Oval 12"/>
+            <p:cNvSpPr/>
+            <p:nvPr/>
+          </p:nvSpPr>
+          <p:spPr>
+            <a:xfrm flipV="1">
+              <a:off x="263179" y="185295"/>
+              <a:ext cx="1828800" cy="1828800"/>
+            </a:xfrm>
+            <a:prstGeom prst="ellipse">
+              <a:avLst/>
+            </a:prstGeom>
+            <a:solidFill>
+              <a:schemeClr val="bg1"/>
+            </a:solidFill>
+            <a:ln>
+              <a:noFill/>
+            </a:ln>
+          </p:spPr>
+          <p:style>
+            <a:lnRef idx="2">
+              <a:schemeClr val="accent1">
+                <a:shade val="50000"/>
+              </a:schemeClr>
+            </a:lnRef>
+            <a:fillRef idx="1">
+              <a:schemeClr val="accent1"/>
+            </a:fillRef>
+            <a:effectRef idx="0">
+              <a:schemeClr val="accent1"/>
+            </a:effectRef>
+            <a:fontRef idx="minor">
+              <a:schemeClr val="lt1"/>
+            </a:fontRef>
+          </p:style>
+          <p:txBody>
+            <a:bodyPr rtlCol="0" anchor="ctr"/>
+            <a:lstStyle/>
+            <a:p>
+              <a:pPr algn="ctr"/>
+              <a:endParaRPr lang="en-US"/>
+            </a:p>
+          </p:txBody>
+        </p:sp>
+        <p:pic>
+          <p:nvPicPr>
+            <p:cNvPr id="12" name="Picture 11"/>
+            <p:cNvPicPr>
+              <a:picLocks noChangeAspect="1"/>
+            </p:cNvPicPr>
+            <p:nvPr/>
+          </p:nvPicPr>
+          <p:blipFill rotWithShape="1">
+            <a:blip r:embed="rId2">
+              <a:extLst>
+                <a:ext uri="{28A0092B-C50C-407E-A947-70E740481C1C}">
+                  <a14:useLocalDpi xmlns:a14="http://schemas.microsoft.com/office/drawing/2010/main" val="0"/>
+                </a:ext>
+              </a:extLst>
+            </a:blip>
+            <a:srcRect l="3324" t="9861" r="5477"/>
+            <a:stretch/>
+          </p:blipFill>
+          <p:spPr>
+            <a:xfrm>
+              <a:off x="263179" y="185295"/>
+              <a:ext cx="1833204" cy="1828800"/>
+            </a:xfrm>
+            <a:prstGeom prst="ellipse">
+              <a:avLst/>
+            </a:prstGeom>
+            <a:ln>
+              <a:noFill/>
+            </a:ln>
+            <a:effectLst/>
+          </p:spPr>
+        </p:pic>
+      </p:grpSp>
+      <p:sp>
+        <p:nvSpPr>
+          <p:cNvPr id="14" name="TextBox 13"/>
+          <p:cNvSpPr txBox="1"/>
+          <p:nvPr/>
+        </p:nvSpPr>
+        <p:spPr>
+          <a:xfrm>
+            <a:off x="-1" y="2244478"/>
+            <a:ext cx="2539077" cy="1323439"/>
+          </a:xfrm>
+          <a:prstGeom prst="rect">
+            <a:avLst/>
+          </a:prstGeom>
+          <a:noFill/>
+          <a:ln>
+            <a:noFill/>
+          </a:ln>
+        </p:spPr>
+        <p:style>
+          <a:lnRef idx="2">
+            <a:schemeClr val="accent2"/>
+          </a:lnRef>
+          <a:fillRef idx="1">
+            <a:schemeClr val="lt1"/>
+          </a:fillRef>
+          <a:effectRef idx="0">
+            <a:schemeClr val="accent2"/>
+          </a:effectRef>
+          <a:fontRef idx="minor">
+            <a:schemeClr val="dk1"/>
+          </a:fontRef>
+        </p:style>
+        <p:txBody>
+          <a:bodyPr wrap="square" rtlCol="0">
+            <a:spAutoFit/>
+          </a:bodyPr>
+          <a:lstStyle/>
+          <a:p>
+            <a:pPr algn="ctr"/>
+            <a:r>
+              <a:rPr lang="en-US" sz="4000" spc="300" dirty="0" smtClean="0">
+                <a:solidFill>
+                  <a:schemeClr val="bg1"/>
+                </a:solidFill>
+                <a:latin typeface="Lucida Sans" charset="0"/>
+                <a:ea typeface="Lucida Sans" charset="0"/>
+                <a:cs typeface="Lucida Sans" charset="0"/>
+              </a:rPr>
+              <a:t>WILL</a:t>
+            </a:r>
+          </a:p>
+          <a:p>
+            <a:pPr algn="ctr"/>
+            <a:r>
+              <a:rPr lang="en-US" sz="4000" spc="300" dirty="0" smtClean="0">
+                <a:solidFill>
+                  <a:schemeClr val="bg1"/>
+                </a:solidFill>
+                <a:latin typeface="Lucida Sans" charset="0"/>
+                <a:ea typeface="Lucida Sans" charset="0"/>
+                <a:cs typeface="Lucida Sans" charset="0"/>
+              </a:rPr>
+              <a:t>WANG</a:t>
+            </a:r>
+          </a:p>
+        </p:txBody>
+      </p:sp>
+      <p:sp>
+        <p:nvSpPr>
+          <p:cNvPr id="18" name="TextBox 17"/>
+          <p:cNvSpPr txBox="1"/>
+          <p:nvPr/>
+        </p:nvSpPr>
+        <p:spPr>
+          <a:xfrm>
+            <a:off x="-24939" y="3501130"/>
+            <a:ext cx="2588952" cy="369332"/>
+          </a:xfrm>
+          <a:prstGeom prst="rect">
+            <a:avLst/>
+          </a:prstGeom>
+          <a:noFill/>
+          <a:ln>
+            <a:noFill/>
+          </a:ln>
+        </p:spPr>
+        <p:style>
+          <a:lnRef idx="2">
+            <a:schemeClr val="accent2"/>
+          </a:lnRef>
+          <a:fillRef idx="1">
+            <a:schemeClr val="lt1"/>
+          </a:fillRef>
+          <a:effectRef idx="0">
+            <a:schemeClr val="accent2"/>
+          </a:effectRef>
+          <a:fontRef idx="minor">
+            <a:schemeClr val="dk1"/>
+          </a:fontRef>
+        </p:style>
+        <p:txBody>
+          <a:bodyPr wrap="square" rtlCol="0">
+            <a:spAutoFit/>
+          </a:bodyPr>
+          <a:lstStyle/>
+          <a:p>
+            <a:pPr algn="ctr"/>
+            <a:r>
+              <a:rPr lang="en-US" dirty="0" smtClean="0">
+                <a:solidFill>
+                  <a:schemeClr val="bg1"/>
+                </a:solidFill>
+                <a:latin typeface="Lucida Sans" charset="0"/>
+                <a:ea typeface="Lucida Sans" charset="0"/>
+                <a:cs typeface="Lucida Sans" charset="0"/>
+              </a:rPr>
+              <a:t>Front End Engineer</a:t>
+            </a:r>
+          </a:p>
+        </p:txBody>
+      </p:sp>
+      <p:sp>
+        <p:nvSpPr>
+          <p:cNvPr id="19" name="Rectangle 18"/>
+          <p:cNvSpPr/>
+          <p:nvPr/>
+        </p:nvSpPr>
+        <p:spPr>
+          <a:xfrm>
+            <a:off x="2792460" y="2806123"/>
+            <a:ext cx="3877729" cy="769441"/>
+          </a:xfrm>
+          <a:prstGeom prst="rect">
+            <a:avLst/>
+          </a:prstGeom>
+        </p:spPr>
+        <p:txBody>
+          <a:bodyPr wrap="square">
+            <a:spAutoFit/>
+          </a:bodyPr>
+          <a:lstStyle/>
+          <a:p>
+            <a:pPr>
+              <a:lnSpc>
+                <a:spcPct val="120000"/>
+              </a:lnSpc>
+            </a:pPr>
+            <a:r>
+              <a:rPr lang="en-US" sz="1000" b="1" dirty="0" smtClean="0">
+                <a:solidFill>
+                  <a:srgbClr val="00B0F0"/>
+                </a:solidFill>
+                <a:latin typeface="Verdana" charset="0"/>
+                <a:ea typeface="Verdana" charset="0"/>
+                <a:cs typeface="Verdana" charset="0"/>
+              </a:rPr>
+              <a:t>UC Berkeley,  Class of 2020</a:t>
+            </a:r>
+          </a:p>
+          <a:p>
+            <a:pPr>
+              <a:lnSpc>
+                <a:spcPct val="120000"/>
+              </a:lnSpc>
+            </a:pPr>
+            <a:r>
+              <a:rPr lang="en-US" sz="1000" dirty="0" smtClean="0">
+                <a:latin typeface="Verdana" charset="0"/>
+                <a:ea typeface="Verdana" charset="0"/>
+                <a:cs typeface="Verdana" charset="0"/>
+              </a:rPr>
+              <a:t>B.S. Electrical Engineering and Computer Science</a:t>
+            </a:r>
+          </a:p>
+          <a:p>
+            <a:r>
+              <a:rPr lang="en-US" sz="1000" dirty="0" smtClean="0">
+                <a:latin typeface="Verdana" charset="0"/>
+                <a:ea typeface="Verdana" charset="0"/>
+                <a:cs typeface="Verdana" charset="0"/>
+              </a:rPr>
+              <a:t>Relevant Courses: CS 61A SCIP, CS 198 Web Design Decal, CS 61B Data Structures (IP)</a:t>
+            </a:r>
+            <a:endParaRPr lang="en-US" sz="1000" dirty="0">
+              <a:latin typeface="Verdana" charset="0"/>
+              <a:ea typeface="Verdana" charset="0"/>
+              <a:cs typeface="Verdana" charset="0"/>
+            </a:endParaRPr>
+          </a:p>
+        </p:txBody>
+      </p:sp>
+      <p:sp>
+        <p:nvSpPr>
+          <p:cNvPr id="20" name="TextBox 19"/>
+          <p:cNvSpPr txBox="1"/>
+          <p:nvPr/>
+        </p:nvSpPr>
+        <p:spPr>
+          <a:xfrm>
+            <a:off x="2792459" y="3662133"/>
+            <a:ext cx="4065541" cy="307777"/>
+          </a:xfrm>
+          <a:prstGeom prst="rect">
+            <a:avLst/>
+          </a:prstGeom>
+          <a:noFill/>
+          <a:ln>
+            <a:noFill/>
+          </a:ln>
+        </p:spPr>
+        <p:style>
+          <a:lnRef idx="2">
+            <a:schemeClr val="accent2"/>
+          </a:lnRef>
+          <a:fillRef idx="1">
+            <a:schemeClr val="lt1"/>
+          </a:fillRef>
+          <a:effectRef idx="0">
+            <a:schemeClr val="accent2"/>
+          </a:effectRef>
+          <a:fontRef idx="minor">
+            <a:schemeClr val="dk1"/>
+          </a:fontRef>
+        </p:style>
+        <p:txBody>
+          <a:bodyPr wrap="square" rtlCol="0">
+            <a:spAutoFit/>
+          </a:bodyPr>
+          <a:lstStyle/>
+          <a:p>
+            <a:r>
+              <a:rPr lang="en-US" sz="1400" b="1" dirty="0" smtClean="0">
+                <a:solidFill>
+                  <a:schemeClr val="tx1"/>
+                </a:solidFill>
+                <a:latin typeface="Verdana" charset="0"/>
+                <a:ea typeface="Verdana" charset="0"/>
+                <a:cs typeface="Verdana" charset="0"/>
+              </a:rPr>
+              <a:t>EXPERIENCE</a:t>
+            </a:r>
+          </a:p>
+        </p:txBody>
+      </p:sp>
+      <p:sp>
+        <p:nvSpPr>
+          <p:cNvPr id="21" name="Rectangle 20"/>
+          <p:cNvSpPr/>
+          <p:nvPr/>
+        </p:nvSpPr>
+        <p:spPr>
+          <a:xfrm>
+            <a:off x="2792459" y="3933586"/>
+            <a:ext cx="3877730" cy="1238801"/>
+          </a:xfrm>
+          <a:prstGeom prst="rect">
+            <a:avLst/>
+          </a:prstGeom>
+        </p:spPr>
+        <p:txBody>
+          <a:bodyPr wrap="square">
+            <a:spAutoFit/>
+          </a:bodyPr>
+          <a:lstStyle/>
+          <a:p>
+            <a:pPr>
+              <a:lnSpc>
+                <a:spcPct val="120000"/>
+              </a:lnSpc>
+            </a:pPr>
+            <a:r>
+              <a:rPr lang="en-US" sz="1000" b="1" dirty="0" smtClean="0">
+                <a:solidFill>
+                  <a:srgbClr val="00B0F0"/>
+                </a:solidFill>
+                <a:latin typeface="Verdana" charset="0"/>
+                <a:ea typeface="Verdana" charset="0"/>
+                <a:cs typeface="Verdana" charset="0"/>
+              </a:rPr>
+              <a:t>Gulfstream Aerospace</a:t>
+            </a:r>
+            <a:endParaRPr lang="en-US" sz="1000" b="1" dirty="0">
+              <a:solidFill>
+                <a:srgbClr val="00B0F0"/>
+              </a:solidFill>
+              <a:latin typeface="Verdana" charset="0"/>
+              <a:ea typeface="Verdana" charset="0"/>
+              <a:cs typeface="Verdana" charset="0"/>
+            </a:endParaRPr>
+          </a:p>
+          <a:p>
+            <a:pPr>
+              <a:lnSpc>
+                <a:spcPct val="120000"/>
+              </a:lnSpc>
+            </a:pPr>
+            <a:r>
+              <a:rPr lang="en-US" sz="1000" dirty="0" smtClean="0">
+                <a:latin typeface="Verdana" charset="0"/>
+                <a:ea typeface="Verdana" charset="0"/>
+                <a:cs typeface="Verdana" charset="0"/>
+              </a:rPr>
+              <a:t>High School Apprentice</a:t>
+            </a:r>
+          </a:p>
+          <a:p>
+            <a:pPr>
+              <a:lnSpc>
+                <a:spcPct val="120000"/>
+              </a:lnSpc>
+              <a:spcBef>
+                <a:spcPts val="300"/>
+              </a:spcBef>
+            </a:pPr>
+            <a:r>
+              <a:rPr lang="en-US" sz="1000" dirty="0">
+                <a:latin typeface="Verdana" charset="0"/>
+                <a:ea typeface="Verdana" charset="0"/>
+                <a:cs typeface="Verdana" charset="0"/>
+              </a:rPr>
+              <a:t>Worked with the mechanical engineering teams on interior design drawings of G550 and G650 aircraft. Responsibilities included intensive use of AutoCAD, CATIA, and Excel.</a:t>
+            </a:r>
+            <a:endParaRPr lang="en-US" sz="1000" b="1" dirty="0">
+              <a:latin typeface="Verdana" charset="0"/>
+              <a:ea typeface="Verdana" charset="0"/>
+              <a:cs typeface="Verdana" charset="0"/>
+            </a:endParaRPr>
+          </a:p>
+        </p:txBody>
+      </p:sp>
+      <p:sp>
+        <p:nvSpPr>
+          <p:cNvPr id="22" name="TextBox 21"/>
+          <p:cNvSpPr txBox="1"/>
+          <p:nvPr/>
+        </p:nvSpPr>
+        <p:spPr>
+          <a:xfrm>
+            <a:off x="2792459" y="5208178"/>
+            <a:ext cx="4065541" cy="307777"/>
+          </a:xfrm>
+          <a:prstGeom prst="rect">
+            <a:avLst/>
+          </a:prstGeom>
+          <a:noFill/>
+          <a:ln>
+            <a:noFill/>
+          </a:ln>
+        </p:spPr>
+        <p:style>
+          <a:lnRef idx="2">
+            <a:schemeClr val="accent2"/>
+          </a:lnRef>
+          <a:fillRef idx="1">
+            <a:schemeClr val="lt1"/>
+          </a:fillRef>
+          <a:effectRef idx="0">
+            <a:schemeClr val="accent2"/>
+          </a:effectRef>
+          <a:fontRef idx="minor">
+            <a:schemeClr val="dk1"/>
+          </a:fontRef>
+        </p:style>
+        <p:txBody>
+          <a:bodyPr wrap="square" rtlCol="0">
+            <a:spAutoFit/>
+          </a:bodyPr>
+          <a:lstStyle/>
+          <a:p>
+            <a:r>
+              <a:rPr lang="en-US" sz="1400" b="1" dirty="0" smtClean="0">
+                <a:solidFill>
+                  <a:schemeClr val="tx1"/>
+                </a:solidFill>
+                <a:latin typeface="Verdana" charset="0"/>
+                <a:ea typeface="Verdana" charset="0"/>
+                <a:cs typeface="Verdana" charset="0"/>
+              </a:rPr>
+              <a:t>PROJECTS</a:t>
+            </a:r>
+          </a:p>
+        </p:txBody>
+      </p:sp>
+      <p:sp>
+        <p:nvSpPr>
+          <p:cNvPr id="23" name="Rectangle 22"/>
+          <p:cNvSpPr/>
+          <p:nvPr/>
+        </p:nvSpPr>
+        <p:spPr>
+          <a:xfrm>
+            <a:off x="2792459" y="5515955"/>
+            <a:ext cx="3877730" cy="1015663"/>
+          </a:xfrm>
+          <a:prstGeom prst="rect">
+            <a:avLst/>
+          </a:prstGeom>
+        </p:spPr>
+        <p:txBody>
+          <a:bodyPr wrap="square">
+            <a:spAutoFit/>
+          </a:bodyPr>
+          <a:lstStyle/>
+          <a:p>
+            <a:pPr>
+              <a:lnSpc>
+                <a:spcPct val="120000"/>
+              </a:lnSpc>
+            </a:pPr>
+            <a:r>
+              <a:rPr lang="en-US" sz="1000" b="1" dirty="0" smtClean="0">
+                <a:solidFill>
+                  <a:srgbClr val="00B0F0"/>
+                </a:solidFill>
+                <a:latin typeface="Lucida Sans" charset="0"/>
+                <a:ea typeface="Lucida Sans" charset="0"/>
+                <a:cs typeface="Lucida Sans" charset="0"/>
+              </a:rPr>
+              <a:t>Scheme Interpreter</a:t>
+            </a:r>
+            <a:endParaRPr lang="en-US" sz="1000" b="1" dirty="0">
+              <a:solidFill>
+                <a:srgbClr val="00B0F0"/>
+              </a:solidFill>
+              <a:latin typeface="Lucida Sans" charset="0"/>
+              <a:ea typeface="Lucida Sans" charset="0"/>
+              <a:cs typeface="Lucida Sans" charset="0"/>
+            </a:endParaRPr>
+          </a:p>
+          <a:p>
+            <a:pPr>
+              <a:lnSpc>
+                <a:spcPct val="120000"/>
+              </a:lnSpc>
+            </a:pPr>
+            <a:r>
+              <a:rPr lang="en-US" sz="1000" dirty="0">
+                <a:latin typeface="Lucida Sans" charset="0"/>
+                <a:ea typeface="Lucida Sans" charset="0"/>
+                <a:cs typeface="Lucida Sans" charset="0"/>
+              </a:rPr>
+              <a:t>Interactive Interpreter that reads and executes user input in Scheme, a dialect of Lisp. Project is written in Python and focuses on Object Orientated Programming and environments.</a:t>
+            </a:r>
+          </a:p>
+        </p:txBody>
+      </p:sp>
+      <p:sp>
+        <p:nvSpPr>
+          <p:cNvPr id="24" name="Rectangle 23"/>
+          <p:cNvSpPr/>
+          <p:nvPr/>
+        </p:nvSpPr>
+        <p:spPr>
+          <a:xfrm>
+            <a:off x="2792459" y="6446852"/>
+            <a:ext cx="3877730" cy="830997"/>
+          </a:xfrm>
+          <a:prstGeom prst="rect">
+            <a:avLst/>
+          </a:prstGeom>
+        </p:spPr>
+        <p:txBody>
+          <a:bodyPr wrap="square">
+            <a:spAutoFit/>
+          </a:bodyPr>
+          <a:lstStyle/>
+          <a:p>
+            <a:pPr>
+              <a:lnSpc>
+                <a:spcPct val="120000"/>
+              </a:lnSpc>
+            </a:pPr>
+            <a:r>
+              <a:rPr lang="en-US" sz="1000" b="1" dirty="0" err="1" smtClean="0">
+                <a:solidFill>
+                  <a:srgbClr val="00B0F0"/>
+                </a:solidFill>
+                <a:latin typeface="Lucida Sans" charset="0"/>
+                <a:ea typeface="Lucida Sans" charset="0"/>
+                <a:cs typeface="Lucida Sans" charset="0"/>
+              </a:rPr>
+              <a:t>pyCalc</a:t>
+            </a:r>
+            <a:endParaRPr lang="en-US" sz="1000" b="1" dirty="0">
+              <a:solidFill>
+                <a:srgbClr val="00B0F0"/>
+              </a:solidFill>
+              <a:latin typeface="Lucida Sans" charset="0"/>
+              <a:ea typeface="Lucida Sans" charset="0"/>
+              <a:cs typeface="Lucida Sans" charset="0"/>
+            </a:endParaRPr>
+          </a:p>
+          <a:p>
+            <a:pPr>
+              <a:lnSpc>
+                <a:spcPct val="120000"/>
+              </a:lnSpc>
+            </a:pPr>
+            <a:r>
+              <a:rPr lang="en-US" sz="1000" dirty="0">
+                <a:latin typeface="Lucida Sans" charset="0"/>
+                <a:ea typeface="Lucida Sans" charset="0"/>
+                <a:cs typeface="Lucida Sans" charset="0"/>
+              </a:rPr>
+              <a:t>Python based graphing calculator that reads, evaluates, and graphs user input. Emphasis on Read-</a:t>
+            </a:r>
+            <a:r>
+              <a:rPr lang="en-US" sz="1000" dirty="0" err="1">
+                <a:latin typeface="Lucida Sans" charset="0"/>
+                <a:ea typeface="Lucida Sans" charset="0"/>
+                <a:cs typeface="Lucida Sans" charset="0"/>
+              </a:rPr>
+              <a:t>Evalv</a:t>
+            </a:r>
+            <a:r>
+              <a:rPr lang="en-US" sz="1000" dirty="0">
+                <a:latin typeface="Lucida Sans" charset="0"/>
+                <a:ea typeface="Lucida Sans" charset="0"/>
+                <a:cs typeface="Lucida Sans" charset="0"/>
+              </a:rPr>
+              <a:t>-Print Loops (REPL) and tree objects.</a:t>
+            </a:r>
+            <a:endParaRPr lang="en-US" sz="1000" dirty="0">
+              <a:latin typeface="Lucida Sans" charset="0"/>
+              <a:ea typeface="Lucida Sans" charset="0"/>
+              <a:cs typeface="Lucida Sans" charset="0"/>
+            </a:endParaRPr>
+          </a:p>
+        </p:txBody>
+      </p:sp>
+      <p:sp>
+        <p:nvSpPr>
+          <p:cNvPr id="25" name="Rectangle 24"/>
+          <p:cNvSpPr/>
+          <p:nvPr/>
+        </p:nvSpPr>
+        <p:spPr>
+          <a:xfrm>
+            <a:off x="2792459" y="7247145"/>
+            <a:ext cx="3877730" cy="830997"/>
+          </a:xfrm>
+          <a:prstGeom prst="rect">
+            <a:avLst/>
+          </a:prstGeom>
+        </p:spPr>
+        <p:txBody>
+          <a:bodyPr wrap="square">
+            <a:spAutoFit/>
+          </a:bodyPr>
+          <a:lstStyle/>
+          <a:p>
+            <a:pPr>
+              <a:lnSpc>
+                <a:spcPct val="120000"/>
+              </a:lnSpc>
+            </a:pPr>
+            <a:r>
+              <a:rPr lang="en-US" sz="1000" b="1" dirty="0" err="1" smtClean="0">
+                <a:solidFill>
+                  <a:srgbClr val="00B0F0"/>
+                </a:solidFill>
+                <a:latin typeface="Lucida Sans" charset="0"/>
+                <a:ea typeface="Lucida Sans" charset="0"/>
+                <a:cs typeface="Lucida Sans" charset="0"/>
+              </a:rPr>
+              <a:t>hantaowang.me</a:t>
+            </a:r>
+            <a:endParaRPr lang="en-US" sz="1000" b="1" dirty="0">
+              <a:solidFill>
+                <a:srgbClr val="00B0F0"/>
+              </a:solidFill>
+              <a:latin typeface="Lucida Sans" charset="0"/>
+              <a:ea typeface="Lucida Sans" charset="0"/>
+              <a:cs typeface="Lucida Sans" charset="0"/>
+            </a:endParaRPr>
+          </a:p>
+          <a:p>
+            <a:pPr>
+              <a:lnSpc>
+                <a:spcPct val="120000"/>
+              </a:lnSpc>
+            </a:pPr>
+            <a:r>
+              <a:rPr lang="en-US" sz="1000" dirty="0" smtClean="0">
+                <a:latin typeface="Lucida Sans" charset="0"/>
+                <a:ea typeface="Lucida Sans" charset="0"/>
+                <a:cs typeface="Lucida Sans" charset="0"/>
+              </a:rPr>
+              <a:t>Personal website </a:t>
+            </a:r>
+            <a:r>
+              <a:rPr lang="en-US" sz="1000" dirty="0">
+                <a:latin typeface="Lucida Sans" charset="0"/>
+                <a:ea typeface="Lucida Sans" charset="0"/>
+                <a:cs typeface="Lucida Sans" charset="0"/>
+              </a:rPr>
+              <a:t>written in HTML, CSS, and </a:t>
+            </a:r>
+            <a:r>
+              <a:rPr lang="en-US" sz="1000" dirty="0" err="1" smtClean="0">
+                <a:latin typeface="Lucida Sans" charset="0"/>
+                <a:ea typeface="Lucida Sans" charset="0"/>
+                <a:cs typeface="Lucida Sans" charset="0"/>
+              </a:rPr>
+              <a:t>Javascript</a:t>
+            </a:r>
+            <a:r>
+              <a:rPr lang="en-US" sz="1000" dirty="0" smtClean="0">
+                <a:latin typeface="Lucida Sans" charset="0"/>
+                <a:ea typeface="Lucida Sans" charset="0"/>
+                <a:cs typeface="Lucida Sans" charset="0"/>
+              </a:rPr>
+              <a:t>. Currently in the process of migrating to a server built with Express in </a:t>
+            </a:r>
+            <a:r>
+              <a:rPr lang="en-US" sz="1000" dirty="0" err="1" smtClean="0">
+                <a:latin typeface="Lucida Sans" charset="0"/>
+                <a:ea typeface="Lucida Sans" charset="0"/>
+                <a:cs typeface="Lucida Sans" charset="0"/>
+              </a:rPr>
+              <a:t>Node.JS</a:t>
+            </a:r>
+            <a:r>
+              <a:rPr lang="en-US" sz="1000" dirty="0" smtClean="0">
+                <a:latin typeface="Lucida Sans" charset="0"/>
+                <a:ea typeface="Lucida Sans" charset="0"/>
+                <a:cs typeface="Lucida Sans" charset="0"/>
+              </a:rPr>
+              <a:t>. </a:t>
+            </a:r>
+            <a:endParaRPr lang="en-US" sz="1000" dirty="0">
+              <a:latin typeface="Lucida Sans" charset="0"/>
+              <a:ea typeface="Lucida Sans" charset="0"/>
+              <a:cs typeface="Lucida Sans" charset="0"/>
+            </a:endParaRPr>
+          </a:p>
+        </p:txBody>
+      </p:sp>
+      <p:sp>
+        <p:nvSpPr>
+          <p:cNvPr id="26" name="Rectangle 25"/>
+          <p:cNvSpPr/>
+          <p:nvPr/>
+        </p:nvSpPr>
+        <p:spPr>
+          <a:xfrm>
+            <a:off x="2792459" y="8041972"/>
+            <a:ext cx="3877730" cy="1015663"/>
+          </a:xfrm>
+          <a:prstGeom prst="rect">
+            <a:avLst/>
+          </a:prstGeom>
+        </p:spPr>
+        <p:txBody>
+          <a:bodyPr wrap="square">
+            <a:spAutoFit/>
+          </a:bodyPr>
+          <a:lstStyle/>
+          <a:p>
+            <a:pPr>
+              <a:lnSpc>
+                <a:spcPct val="120000"/>
+              </a:lnSpc>
+            </a:pPr>
+            <a:r>
+              <a:rPr lang="en-US" sz="1000" b="1" dirty="0" err="1">
+                <a:solidFill>
+                  <a:srgbClr val="00B0F0"/>
+                </a:solidFill>
+                <a:latin typeface="Lucida Sans" charset="0"/>
+                <a:ea typeface="Lucida Sans" charset="0"/>
+                <a:cs typeface="Lucida Sans" charset="0"/>
+              </a:rPr>
+              <a:t>ucbmft.com</a:t>
+            </a:r>
+            <a:endParaRPr lang="en-US" sz="1000" b="1" dirty="0">
+              <a:solidFill>
+                <a:srgbClr val="00B0F0"/>
+              </a:solidFill>
+              <a:latin typeface="Lucida Sans" charset="0"/>
+              <a:ea typeface="Lucida Sans" charset="0"/>
+              <a:cs typeface="Lucida Sans" charset="0"/>
+            </a:endParaRPr>
+          </a:p>
+          <a:p>
+            <a:pPr>
+              <a:lnSpc>
+                <a:spcPct val="120000"/>
+              </a:lnSpc>
+            </a:pPr>
+            <a:r>
+              <a:rPr lang="en-US" sz="1000" dirty="0">
+                <a:latin typeface="Lucida Sans" charset="0"/>
+                <a:ea typeface="Lucida Sans" charset="0"/>
+                <a:cs typeface="Lucida Sans" charset="0"/>
+              </a:rPr>
+              <a:t>Analysis of the posts, users, and trends of the </a:t>
+            </a:r>
+            <a:r>
+              <a:rPr lang="en-US" sz="1000" dirty="0">
+                <a:latin typeface="Lucida Sans" charset="0"/>
+                <a:ea typeface="Lucida Sans" charset="0"/>
+                <a:cs typeface="Lucida Sans" charset="0"/>
+              </a:rPr>
+              <a:t>cultural </a:t>
+            </a:r>
+            <a:r>
+              <a:rPr lang="en-US" sz="1000" dirty="0">
+                <a:latin typeface="Lucida Sans" charset="0"/>
+                <a:ea typeface="Lucida Sans" charset="0"/>
+                <a:cs typeface="Lucida Sans" charset="0"/>
+              </a:rPr>
+              <a:t>phenomenon that is UC Berkeley Memes of Edgy Teens. </a:t>
+            </a:r>
+            <a:r>
+              <a:rPr lang="en-US" sz="1000" dirty="0">
+                <a:latin typeface="Lucida Sans" charset="0"/>
+                <a:ea typeface="Lucida Sans" charset="0"/>
+                <a:cs typeface="Lucida Sans" charset="0"/>
+              </a:rPr>
+              <a:t>Uses Facebook’s </a:t>
+            </a:r>
+            <a:r>
+              <a:rPr lang="en-US" sz="1000" dirty="0">
+                <a:latin typeface="Lucida Sans" charset="0"/>
+                <a:ea typeface="Lucida Sans" charset="0"/>
+                <a:cs typeface="Lucida Sans" charset="0"/>
+              </a:rPr>
+              <a:t>G</a:t>
+            </a:r>
+            <a:r>
+              <a:rPr lang="en-US" sz="1000" dirty="0">
+                <a:latin typeface="Lucida Sans" charset="0"/>
+                <a:ea typeface="Lucida Sans" charset="0"/>
+                <a:cs typeface="Lucida Sans" charset="0"/>
+              </a:rPr>
+              <a:t>raph API and written in Python. </a:t>
+            </a:r>
+            <a:r>
+              <a:rPr lang="en-US" sz="1000" dirty="0" smtClean="0">
+                <a:latin typeface="Lucida Sans" charset="0"/>
+                <a:ea typeface="Lucida Sans" charset="0"/>
+                <a:cs typeface="Lucida Sans" charset="0"/>
+              </a:rPr>
+              <a:t>Website current in progress with a backend built with </a:t>
+            </a:r>
+            <a:r>
+              <a:rPr lang="en-US" sz="1000" dirty="0" err="1" smtClean="0">
+                <a:latin typeface="Lucida Sans" charset="0"/>
+                <a:ea typeface="Lucida Sans" charset="0"/>
+                <a:cs typeface="Lucida Sans" charset="0"/>
+              </a:rPr>
+              <a:t>Node.JS</a:t>
+            </a:r>
+            <a:r>
+              <a:rPr lang="en-US" sz="1000" dirty="0" smtClean="0">
+                <a:latin typeface="Lucida Sans" charset="0"/>
+                <a:ea typeface="Lucida Sans" charset="0"/>
+                <a:cs typeface="Lucida Sans" charset="0"/>
+              </a:rPr>
+              <a:t>.</a:t>
+            </a:r>
+            <a:endParaRPr lang="en-US" sz="1000" dirty="0">
+              <a:latin typeface="Lucida Sans" charset="0"/>
+              <a:ea typeface="Lucida Sans" charset="0"/>
+              <a:cs typeface="Lucida Sans" charset="0"/>
+            </a:endParaRPr>
+          </a:p>
+        </p:txBody>
+      </p:sp>
+      <p:sp>
+        <p:nvSpPr>
+          <p:cNvPr id="27" name="TextBox 26"/>
+          <p:cNvSpPr txBox="1"/>
+          <p:nvPr/>
+        </p:nvSpPr>
+        <p:spPr>
+          <a:xfrm>
+            <a:off x="35132" y="4070431"/>
+            <a:ext cx="2518937" cy="369332"/>
+          </a:xfrm>
+          <a:prstGeom prst="rect">
+            <a:avLst/>
+          </a:prstGeom>
+          <a:noFill/>
+          <a:ln>
+            <a:noFill/>
+          </a:ln>
+        </p:spPr>
+        <p:style>
+          <a:lnRef idx="2">
+            <a:schemeClr val="accent2"/>
+          </a:lnRef>
+          <a:fillRef idx="1">
+            <a:schemeClr val="lt1"/>
+          </a:fillRef>
+          <a:effectRef idx="0">
+            <a:schemeClr val="accent2"/>
+          </a:effectRef>
+          <a:fontRef idx="minor">
+            <a:schemeClr val="dk1"/>
+          </a:fontRef>
+        </p:style>
+        <p:txBody>
+          <a:bodyPr wrap="square" rtlCol="0">
+            <a:spAutoFit/>
+          </a:bodyPr>
+          <a:lstStyle/>
+          <a:p>
+            <a:pPr algn="ctr"/>
+            <a:r>
+              <a:rPr lang="en-US" b="1" dirty="0" smtClean="0">
+                <a:solidFill>
+                  <a:schemeClr val="bg1"/>
+                </a:solidFill>
+                <a:latin typeface="Verdana" charset="0"/>
+                <a:ea typeface="Verdana" charset="0"/>
+                <a:cs typeface="Verdana" charset="0"/>
+              </a:rPr>
+              <a:t>SKILLS</a:t>
+            </a:r>
+            <a:endParaRPr lang="en-US" sz="1400" b="1" dirty="0" smtClean="0">
+              <a:solidFill>
+                <a:schemeClr val="bg1"/>
+              </a:solidFill>
+              <a:latin typeface="Verdana" charset="0"/>
+              <a:ea typeface="Verdana" charset="0"/>
+              <a:cs typeface="Verdana" charset="0"/>
+            </a:endParaRPr>
+          </a:p>
+        </p:txBody>
+      </p:sp>
+      <p:sp>
+        <p:nvSpPr>
+          <p:cNvPr id="29" name="TextBox 28"/>
+          <p:cNvSpPr txBox="1"/>
+          <p:nvPr/>
+        </p:nvSpPr>
+        <p:spPr>
+          <a:xfrm>
+            <a:off x="-1" y="4391582"/>
+            <a:ext cx="2564013" cy="2677656"/>
+          </a:xfrm>
+          <a:prstGeom prst="rect">
+            <a:avLst/>
+          </a:prstGeom>
+          <a:noFill/>
+          <a:ln>
+            <a:noFill/>
+          </a:ln>
+        </p:spPr>
+        <p:style>
+          <a:lnRef idx="2">
+            <a:schemeClr val="accent2"/>
+          </a:lnRef>
+          <a:fillRef idx="1">
+            <a:schemeClr val="lt1"/>
+          </a:fillRef>
+          <a:effectRef idx="0">
+            <a:schemeClr val="accent2"/>
+          </a:effectRef>
+          <a:fontRef idx="minor">
+            <a:schemeClr val="dk1"/>
+          </a:fontRef>
+        </p:style>
+        <p:txBody>
+          <a:bodyPr wrap="square" rtlCol="0">
+            <a:spAutoFit/>
+          </a:bodyPr>
+          <a:lstStyle/>
+          <a:p>
+            <a:pPr algn="ctr"/>
+            <a:r>
+              <a:rPr lang="en-US" sz="1400" dirty="0" smtClean="0">
+                <a:solidFill>
+                  <a:schemeClr val="bg1"/>
+                </a:solidFill>
+                <a:latin typeface="Lucida Sans" charset="0"/>
+                <a:ea typeface="Lucida Sans" charset="0"/>
+                <a:cs typeface="Lucida Sans" charset="0"/>
+              </a:rPr>
+              <a:t>Python</a:t>
+            </a:r>
+          </a:p>
+          <a:p>
+            <a:pPr algn="ctr"/>
+            <a:r>
+              <a:rPr lang="en-US" sz="1400" dirty="0" smtClean="0">
+                <a:solidFill>
+                  <a:schemeClr val="bg1"/>
+                </a:solidFill>
+                <a:latin typeface="Lucida Sans" charset="0"/>
+                <a:ea typeface="Lucida Sans" charset="0"/>
+                <a:cs typeface="Lucida Sans" charset="0"/>
+              </a:rPr>
+              <a:t>Java</a:t>
+            </a:r>
+          </a:p>
+          <a:p>
+            <a:pPr algn="ctr"/>
+            <a:r>
+              <a:rPr lang="en-US" sz="1400" dirty="0" smtClean="0">
+                <a:solidFill>
+                  <a:schemeClr val="bg1"/>
+                </a:solidFill>
+                <a:latin typeface="Lucida Sans" charset="0"/>
+                <a:ea typeface="Lucida Sans" charset="0"/>
+                <a:cs typeface="Lucida Sans" charset="0"/>
+              </a:rPr>
+              <a:t>HTML / CSS</a:t>
+            </a:r>
+          </a:p>
+          <a:p>
+            <a:pPr algn="ctr"/>
+            <a:r>
+              <a:rPr lang="en-US" sz="1400" dirty="0" err="1" smtClean="0">
+                <a:solidFill>
+                  <a:schemeClr val="bg1"/>
+                </a:solidFill>
+                <a:latin typeface="Lucida Sans" charset="0"/>
+                <a:ea typeface="Lucida Sans" charset="0"/>
+                <a:cs typeface="Lucida Sans" charset="0"/>
+              </a:rPr>
+              <a:t>Javascript</a:t>
+            </a:r>
+            <a:endParaRPr lang="en-US" sz="1400" dirty="0" smtClean="0">
+              <a:solidFill>
+                <a:schemeClr val="bg1"/>
+              </a:solidFill>
+              <a:latin typeface="Lucida Sans" charset="0"/>
+              <a:ea typeface="Lucida Sans" charset="0"/>
+              <a:cs typeface="Lucida Sans" charset="0"/>
+            </a:endParaRPr>
+          </a:p>
+          <a:p>
+            <a:pPr algn="ctr"/>
+            <a:r>
+              <a:rPr lang="en-US" sz="1400" dirty="0" smtClean="0">
+                <a:solidFill>
+                  <a:schemeClr val="bg1"/>
+                </a:solidFill>
+                <a:latin typeface="Lucida Sans" charset="0"/>
+                <a:ea typeface="Lucida Sans" charset="0"/>
+                <a:cs typeface="Lucida Sans" charset="0"/>
+              </a:rPr>
+              <a:t>Scheme</a:t>
+            </a:r>
+          </a:p>
+          <a:p>
+            <a:pPr algn="ctr"/>
+            <a:r>
+              <a:rPr lang="en-US" sz="1400" dirty="0" smtClean="0">
+                <a:solidFill>
+                  <a:schemeClr val="bg1"/>
+                </a:solidFill>
+                <a:latin typeface="Lucida Sans" charset="0"/>
+                <a:ea typeface="Lucida Sans" charset="0"/>
+                <a:cs typeface="Lucida Sans" charset="0"/>
+              </a:rPr>
+              <a:t>MySQL</a:t>
+            </a:r>
+          </a:p>
+          <a:p>
+            <a:pPr algn="ctr"/>
+            <a:r>
+              <a:rPr lang="en-US" sz="1400" dirty="0" smtClean="0">
+                <a:solidFill>
+                  <a:schemeClr val="bg1"/>
+                </a:solidFill>
+                <a:latin typeface="Lucida Sans" charset="0"/>
+                <a:ea typeface="Lucida Sans" charset="0"/>
+                <a:cs typeface="Lucida Sans" charset="0"/>
+              </a:rPr>
+              <a:t>Ruby</a:t>
+            </a:r>
+          </a:p>
+          <a:p>
+            <a:pPr algn="ctr"/>
+            <a:endParaRPr lang="en-US" sz="1400" dirty="0">
+              <a:solidFill>
+                <a:schemeClr val="bg1"/>
+              </a:solidFill>
+              <a:latin typeface="Lucida Sans" charset="0"/>
+              <a:ea typeface="Lucida Sans" charset="0"/>
+              <a:cs typeface="Lucida Sans" charset="0"/>
+            </a:endParaRPr>
+          </a:p>
+          <a:p>
+            <a:pPr algn="ctr"/>
+            <a:r>
+              <a:rPr lang="en-US" sz="1400" dirty="0" smtClean="0">
+                <a:solidFill>
+                  <a:schemeClr val="bg1"/>
+                </a:solidFill>
+                <a:latin typeface="Lucida Sans" charset="0"/>
+                <a:ea typeface="Lucida Sans" charset="0"/>
+                <a:cs typeface="Lucida Sans" charset="0"/>
+              </a:rPr>
+              <a:t>AutoCAD</a:t>
+            </a:r>
+          </a:p>
+          <a:p>
+            <a:pPr algn="ctr"/>
+            <a:r>
+              <a:rPr lang="en-US" sz="1400" dirty="0" smtClean="0">
+                <a:solidFill>
+                  <a:schemeClr val="bg1"/>
+                </a:solidFill>
+                <a:latin typeface="Lucida Sans" charset="0"/>
+                <a:ea typeface="Lucida Sans" charset="0"/>
+                <a:cs typeface="Lucida Sans" charset="0"/>
+              </a:rPr>
+              <a:t>Inventor</a:t>
+            </a:r>
+          </a:p>
+          <a:p>
+            <a:pPr algn="ctr"/>
+            <a:r>
+              <a:rPr lang="en-US" sz="1400" dirty="0" err="1" smtClean="0">
+                <a:solidFill>
+                  <a:schemeClr val="bg1"/>
+                </a:solidFill>
+                <a:latin typeface="Lucida Sans" charset="0"/>
+                <a:ea typeface="Lucida Sans" charset="0"/>
+                <a:cs typeface="Lucida Sans" charset="0"/>
+              </a:rPr>
+              <a:t>Solidworks</a:t>
+            </a:r>
+            <a:endParaRPr lang="en-US" sz="1400" dirty="0" smtClean="0">
+              <a:solidFill>
+                <a:schemeClr val="bg1"/>
+              </a:solidFill>
+              <a:latin typeface="Lucida Sans" charset="0"/>
+              <a:ea typeface="Lucida Sans" charset="0"/>
+              <a:cs typeface="Lucida Sans" charset="0"/>
+            </a:endParaRPr>
+          </a:p>
+          <a:p>
+            <a:pPr algn="ctr"/>
+            <a:r>
+              <a:rPr lang="en-US" sz="1400" dirty="0" smtClean="0">
+                <a:solidFill>
+                  <a:schemeClr val="bg1"/>
+                </a:solidFill>
+                <a:latin typeface="Lucida Sans" charset="0"/>
+                <a:ea typeface="Lucida Sans" charset="0"/>
+                <a:cs typeface="Lucida Sans" charset="0"/>
+              </a:rPr>
+              <a:t>Final Cut Pro</a:t>
+            </a:r>
+          </a:p>
+        </p:txBody>
+      </p:sp>
+      <p:sp>
+        <p:nvSpPr>
+          <p:cNvPr id="30" name="TextBox 29"/>
+          <p:cNvSpPr txBox="1"/>
+          <p:nvPr/>
+        </p:nvSpPr>
+        <p:spPr>
+          <a:xfrm>
+            <a:off x="0" y="7570529"/>
+            <a:ext cx="2539074" cy="1384995"/>
+          </a:xfrm>
+          <a:prstGeom prst="rect">
+            <a:avLst/>
+          </a:prstGeom>
+          <a:noFill/>
+          <a:ln>
+            <a:noFill/>
+          </a:ln>
+        </p:spPr>
+        <p:style>
+          <a:lnRef idx="2">
+            <a:schemeClr val="accent2"/>
+          </a:lnRef>
+          <a:fillRef idx="1">
+            <a:schemeClr val="lt1"/>
+          </a:fillRef>
+          <a:effectRef idx="0">
+            <a:schemeClr val="accent2"/>
+          </a:effectRef>
+          <a:fontRef idx="minor">
+            <a:schemeClr val="dk1"/>
+          </a:fontRef>
+        </p:style>
+        <p:txBody>
+          <a:bodyPr wrap="square" rtlCol="0">
+            <a:spAutoFit/>
+          </a:bodyPr>
+          <a:lstStyle/>
+          <a:p>
+            <a:pPr algn="ctr">
+              <a:lnSpc>
+                <a:spcPct val="150000"/>
+              </a:lnSpc>
+            </a:pPr>
+            <a:r>
+              <a:rPr lang="en-US" sz="1400" dirty="0" err="1" smtClean="0">
+                <a:solidFill>
+                  <a:schemeClr val="bg1"/>
+                </a:solidFill>
+                <a:latin typeface="Lucida Sans" charset="0"/>
+                <a:ea typeface="Lucida Sans" charset="0"/>
+                <a:cs typeface="Lucida Sans" charset="0"/>
+              </a:rPr>
+              <a:t>hantaowang.me</a:t>
+            </a:r>
+            <a:endParaRPr lang="en-US" sz="1400" dirty="0" smtClean="0">
+              <a:solidFill>
+                <a:schemeClr val="bg1"/>
+              </a:solidFill>
+              <a:latin typeface="Lucida Sans" charset="0"/>
+              <a:ea typeface="Lucida Sans" charset="0"/>
+              <a:cs typeface="Lucida Sans" charset="0"/>
+            </a:endParaRPr>
+          </a:p>
+          <a:p>
+            <a:pPr algn="ctr">
+              <a:lnSpc>
+                <a:spcPct val="150000"/>
+              </a:lnSpc>
+            </a:pPr>
+            <a:r>
+              <a:rPr lang="en-US" sz="1400" dirty="0" smtClean="0">
+                <a:solidFill>
+                  <a:schemeClr val="bg1"/>
+                </a:solidFill>
+                <a:latin typeface="Lucida Sans" charset="0"/>
+                <a:ea typeface="Lucida Sans" charset="0"/>
+                <a:cs typeface="Lucida Sans" charset="0"/>
+              </a:rPr>
+              <a:t>hwang97@berkeley.edu</a:t>
+            </a:r>
+          </a:p>
+          <a:p>
+            <a:pPr algn="ctr">
+              <a:lnSpc>
+                <a:spcPct val="150000"/>
+              </a:lnSpc>
+            </a:pPr>
+            <a:r>
+              <a:rPr lang="en-US" sz="1400" dirty="0" err="1" smtClean="0">
+                <a:solidFill>
+                  <a:schemeClr val="bg1"/>
+                </a:solidFill>
+                <a:latin typeface="Lucida Sans" charset="0"/>
+                <a:ea typeface="Lucida Sans" charset="0"/>
+                <a:cs typeface="Lucida Sans" charset="0"/>
+              </a:rPr>
+              <a:t>github.com</a:t>
+            </a:r>
+            <a:r>
+              <a:rPr lang="en-US" sz="1400" dirty="0" smtClean="0">
+                <a:solidFill>
+                  <a:schemeClr val="bg1"/>
+                </a:solidFill>
+                <a:latin typeface="Lucida Sans" charset="0"/>
+                <a:ea typeface="Lucida Sans" charset="0"/>
+                <a:cs typeface="Lucida Sans" charset="0"/>
+              </a:rPr>
+              <a:t>/</a:t>
+            </a:r>
+            <a:r>
+              <a:rPr lang="en-US" sz="1400" dirty="0" err="1" smtClean="0">
+                <a:solidFill>
+                  <a:schemeClr val="bg1"/>
+                </a:solidFill>
+                <a:latin typeface="Lucida Sans" charset="0"/>
+                <a:ea typeface="Lucida Sans" charset="0"/>
+                <a:cs typeface="Lucida Sans" charset="0"/>
+              </a:rPr>
+              <a:t>hantaowang</a:t>
+            </a:r>
+            <a:endParaRPr lang="en-US" sz="1400" dirty="0" smtClean="0">
+              <a:solidFill>
+                <a:schemeClr val="bg1"/>
+              </a:solidFill>
+              <a:latin typeface="Lucida Sans" charset="0"/>
+              <a:ea typeface="Lucida Sans" charset="0"/>
+              <a:cs typeface="Lucida Sans" charset="0"/>
+            </a:endParaRPr>
+          </a:p>
+          <a:p>
+            <a:pPr algn="ctr">
+              <a:lnSpc>
+                <a:spcPct val="150000"/>
+              </a:lnSpc>
+            </a:pPr>
+            <a:r>
+              <a:rPr lang="en-US" sz="1400" dirty="0" smtClean="0">
+                <a:solidFill>
+                  <a:schemeClr val="bg1"/>
+                </a:solidFill>
+                <a:latin typeface="Lucida Sans" charset="0"/>
+                <a:ea typeface="Lucida Sans" charset="0"/>
+                <a:cs typeface="Lucida Sans" charset="0"/>
+              </a:rPr>
+              <a:t>(310) 293 - 4575</a:t>
+            </a:r>
+          </a:p>
+        </p:txBody>
+      </p:sp>
+      <p:sp>
+        <p:nvSpPr>
+          <p:cNvPr id="31" name="TextBox 30"/>
+          <p:cNvSpPr txBox="1"/>
+          <p:nvPr/>
+        </p:nvSpPr>
+        <p:spPr>
+          <a:xfrm>
+            <a:off x="-4478" y="7297559"/>
+            <a:ext cx="2518937" cy="369332"/>
+          </a:xfrm>
+          <a:prstGeom prst="rect">
+            <a:avLst/>
+          </a:prstGeom>
+          <a:noFill/>
+          <a:ln>
+            <a:noFill/>
+          </a:ln>
+        </p:spPr>
+        <p:style>
+          <a:lnRef idx="2">
+            <a:schemeClr val="accent2"/>
+          </a:lnRef>
+          <a:fillRef idx="1">
+            <a:schemeClr val="lt1"/>
+          </a:fillRef>
+          <a:effectRef idx="0">
+            <a:schemeClr val="accent2"/>
+          </a:effectRef>
+          <a:fontRef idx="minor">
+            <a:schemeClr val="dk1"/>
+          </a:fontRef>
+        </p:style>
+        <p:txBody>
+          <a:bodyPr wrap="square" rtlCol="0">
+            <a:spAutoFit/>
+          </a:bodyPr>
+          <a:lstStyle/>
+          <a:p>
+            <a:pPr algn="ctr"/>
+            <a:r>
+              <a:rPr lang="en-US" b="1" dirty="0" smtClean="0">
+                <a:solidFill>
+                  <a:schemeClr val="bg1"/>
+                </a:solidFill>
+                <a:latin typeface="Verdana" charset="0"/>
+                <a:ea typeface="Verdana" charset="0"/>
+                <a:cs typeface="Verdana" charset="0"/>
+              </a:rPr>
+              <a:t>CONTACT</a:t>
+            </a:r>
+            <a:endParaRPr lang="en-US" sz="1400" b="1" dirty="0" smtClean="0">
+              <a:solidFill>
+                <a:schemeClr val="bg1"/>
+              </a:solidFill>
+              <a:latin typeface="Verdana" charset="0"/>
+              <a:ea typeface="Verdana" charset="0"/>
+              <a:cs typeface="Verdana" charset="0"/>
+            </a:endParaRPr>
+          </a:p>
+        </p:txBody>
+      </p:sp>
+    </p:spTree>
+    <p:extLst>
+      <p:ext uri="{BB962C8B-B14F-4D97-AF65-F5344CB8AC3E}">
+        <p14:creationId xmlns:p14="http://schemas.microsoft.com/office/powerpoint/2010/main" val="1376722915"/>
       </p:ext>
     </p:extLst>
   </p:cSld>

--- a/files/resume.pptx
+++ b/files/resume.pptx
@@ -198,7 +198,7 @@
           <a:p>
             <a:fld id="{5EE9A4F7-1A22-1744-9935-DCEFD2F601E8}" type="datetimeFigureOut">
               <a:rPr lang="en-US" smtClean="0"/>
-              <a:t>2/4/17</a:t>
+              <a:t>2/5/17</a:t>
             </a:fld>
             <a:endParaRPr lang="en-US"/>
           </a:p>
@@ -681,7 +681,7 @@
           <a:p>
             <a:fld id="{0AE1F7CC-2E77-F54C-B79D-D1014779F13F}" type="datetimeFigureOut">
               <a:rPr lang="en-US" smtClean="0"/>
-              <a:t>2/4/17</a:t>
+              <a:t>2/5/17</a:t>
             </a:fld>
             <a:endParaRPr lang="en-US"/>
           </a:p>
@@ -846,7 +846,7 @@
           <a:p>
             <a:fld id="{0AE1F7CC-2E77-F54C-B79D-D1014779F13F}" type="datetimeFigureOut">
               <a:rPr lang="en-US" smtClean="0"/>
-              <a:t>2/4/17</a:t>
+              <a:t>2/5/17</a:t>
             </a:fld>
             <a:endParaRPr lang="en-US"/>
           </a:p>
@@ -1021,7 +1021,7 @@
           <a:p>
             <a:fld id="{0AE1F7CC-2E77-F54C-B79D-D1014779F13F}" type="datetimeFigureOut">
               <a:rPr lang="en-US" smtClean="0"/>
-              <a:t>2/4/17</a:t>
+              <a:t>2/5/17</a:t>
             </a:fld>
             <a:endParaRPr lang="en-US"/>
           </a:p>
@@ -1186,7 +1186,7 @@
           <a:p>
             <a:fld id="{0AE1F7CC-2E77-F54C-B79D-D1014779F13F}" type="datetimeFigureOut">
               <a:rPr lang="en-US" smtClean="0"/>
-              <a:t>2/4/17</a:t>
+              <a:t>2/5/17</a:t>
             </a:fld>
             <a:endParaRPr lang="en-US"/>
           </a:p>
@@ -1425,7 +1425,7 @@
           <a:p>
             <a:fld id="{0AE1F7CC-2E77-F54C-B79D-D1014779F13F}" type="datetimeFigureOut">
               <a:rPr lang="en-US" smtClean="0"/>
-              <a:t>2/4/17</a:t>
+              <a:t>2/5/17</a:t>
             </a:fld>
             <a:endParaRPr lang="en-US"/>
           </a:p>
@@ -1652,7 +1652,7 @@
           <a:p>
             <a:fld id="{0AE1F7CC-2E77-F54C-B79D-D1014779F13F}" type="datetimeFigureOut">
               <a:rPr lang="en-US" smtClean="0"/>
-              <a:t>2/4/17</a:t>
+              <a:t>2/5/17</a:t>
             </a:fld>
             <a:endParaRPr lang="en-US"/>
           </a:p>
@@ -2014,7 +2014,7 @@
           <a:p>
             <a:fld id="{0AE1F7CC-2E77-F54C-B79D-D1014779F13F}" type="datetimeFigureOut">
               <a:rPr lang="en-US" smtClean="0"/>
-              <a:t>2/4/17</a:t>
+              <a:t>2/5/17</a:t>
             </a:fld>
             <a:endParaRPr lang="en-US"/>
           </a:p>
@@ -2127,7 +2127,7 @@
           <a:p>
             <a:fld id="{0AE1F7CC-2E77-F54C-B79D-D1014779F13F}" type="datetimeFigureOut">
               <a:rPr lang="en-US" smtClean="0"/>
-              <a:t>2/4/17</a:t>
+              <a:t>2/5/17</a:t>
             </a:fld>
             <a:endParaRPr lang="en-US"/>
           </a:p>
@@ -2217,7 +2217,7 @@
           <a:p>
             <a:fld id="{0AE1F7CC-2E77-F54C-B79D-D1014779F13F}" type="datetimeFigureOut">
               <a:rPr lang="en-US" smtClean="0"/>
-              <a:t>2/4/17</a:t>
+              <a:t>2/5/17</a:t>
             </a:fld>
             <a:endParaRPr lang="en-US"/>
           </a:p>
@@ -2489,7 +2489,7 @@
           <a:p>
             <a:fld id="{0AE1F7CC-2E77-F54C-B79D-D1014779F13F}" type="datetimeFigureOut">
               <a:rPr lang="en-US" smtClean="0"/>
-              <a:t>2/4/17</a:t>
+              <a:t>2/5/17</a:t>
             </a:fld>
             <a:endParaRPr lang="en-US"/>
           </a:p>
@@ -2741,7 +2741,7 @@
           <a:p>
             <a:fld id="{0AE1F7CC-2E77-F54C-B79D-D1014779F13F}" type="datetimeFigureOut">
               <a:rPr lang="en-US" smtClean="0"/>
-              <a:t>2/4/17</a:t>
+              <a:t>2/5/17</a:t>
             </a:fld>
             <a:endParaRPr lang="en-US"/>
           </a:p>
@@ -2949,7 +2949,7 @@
           <a:p>
             <a:fld id="{0AE1F7CC-2E77-F54C-B79D-D1014779F13F}" type="datetimeFigureOut">
               <a:rPr lang="en-US" smtClean="0"/>
-              <a:t>2/4/17</a:t>
+              <a:t>2/5/17</a:t>
             </a:fld>
             <a:endParaRPr lang="en-US"/>
           </a:p>
@@ -5266,7 +5266,7 @@
         </p:nvSpPr>
         <p:spPr>
           <a:xfrm rot="5400000">
-            <a:off x="-3289992" y="3289993"/>
+            <a:off x="-3302464" y="3289993"/>
             <a:ext cx="9143999" cy="2564014"/>
           </a:xfrm>
           <a:prstGeom prst="rect">
@@ -5310,1043 +5310,132 @@
           </a:p>
         </p:txBody>
       </p:sp>
-      <p:sp>
-        <p:nvSpPr>
-          <p:cNvPr id="8" name="TextBox 7"/>
-          <p:cNvSpPr txBox="1"/>
+      <p:grpSp>
+        <p:nvGrpSpPr>
+          <p:cNvPr id="5" name="Group 4"/>
+          <p:cNvGrpSpPr/>
           <p:nvPr/>
-        </p:nvSpPr>
-        <p:spPr>
+        </p:nvGrpSpPr>
+        <p:grpSpPr>
           <a:xfrm>
-            <a:off x="2792459" y="212597"/>
-            <a:ext cx="4065541" cy="307777"/>
+            <a:off x="2789700" y="61956"/>
+            <a:ext cx="4068300" cy="1261546"/>
+            <a:chOff x="2789700" y="212597"/>
+            <a:chExt cx="4068300" cy="1261546"/>
           </a:xfrm>
-          <a:prstGeom prst="rect">
-            <a:avLst/>
-          </a:prstGeom>
-          <a:noFill/>
-          <a:ln>
+        </p:grpSpPr>
+        <p:sp>
+          <p:nvSpPr>
+            <p:cNvPr id="8" name="TextBox 7"/>
+            <p:cNvSpPr txBox="1"/>
+            <p:nvPr/>
+          </p:nvSpPr>
+          <p:spPr>
+            <a:xfrm>
+              <a:off x="2792459" y="212597"/>
+              <a:ext cx="4065541" cy="307777"/>
+            </a:xfrm>
+            <a:prstGeom prst="rect">
+              <a:avLst/>
+            </a:prstGeom>
             <a:noFill/>
-          </a:ln>
-        </p:spPr>
-        <p:style>
-          <a:lnRef idx="2">
-            <a:schemeClr val="accent2"/>
-          </a:lnRef>
-          <a:fillRef idx="1">
-            <a:schemeClr val="lt1"/>
-          </a:fillRef>
-          <a:effectRef idx="0">
-            <a:schemeClr val="accent2"/>
-          </a:effectRef>
-          <a:fontRef idx="minor">
-            <a:schemeClr val="dk1"/>
-          </a:fontRef>
-        </p:style>
-        <p:txBody>
-          <a:bodyPr wrap="square" rtlCol="0">
-            <a:spAutoFit/>
-          </a:bodyPr>
-          <a:lstStyle/>
-          <a:p>
-            <a:r>
-              <a:rPr lang="en-US" sz="1400" b="1" dirty="0" smtClean="0">
+            <a:ln>
+              <a:noFill/>
+            </a:ln>
+          </p:spPr>
+          <p:style>
+            <a:lnRef idx="2">
+              <a:schemeClr val="accent2"/>
+            </a:lnRef>
+            <a:fillRef idx="1">
+              <a:schemeClr val="lt1"/>
+            </a:fillRef>
+            <a:effectRef idx="0">
+              <a:schemeClr val="accent2"/>
+            </a:effectRef>
+            <a:fontRef idx="minor">
+              <a:schemeClr val="dk1"/>
+            </a:fontRef>
+          </p:style>
+          <p:txBody>
+            <a:bodyPr wrap="square" rtlCol="0">
+              <a:spAutoFit/>
+            </a:bodyPr>
+            <a:lstStyle/>
+            <a:p>
+              <a:r>
+                <a:rPr lang="en-US" sz="1400" b="1" dirty="0" smtClean="0">
+                  <a:solidFill>
+                    <a:schemeClr val="tx1"/>
+                  </a:solidFill>
+                  <a:latin typeface="Verdana" charset="0"/>
+                  <a:ea typeface="Verdana" charset="0"/>
+                  <a:cs typeface="Verdana" charset="0"/>
+                </a:rPr>
+                <a:t>ABOUT ME</a:t>
+              </a:r>
+            </a:p>
+          </p:txBody>
+        </p:sp>
+        <p:sp>
+          <p:nvSpPr>
+            <p:cNvPr id="9" name="TextBox 8"/>
+            <p:cNvSpPr txBox="1"/>
+            <p:nvPr/>
+          </p:nvSpPr>
+          <p:spPr>
+            <a:xfrm>
+              <a:off x="2789700" y="458480"/>
+              <a:ext cx="3877728" cy="1015663"/>
+            </a:xfrm>
+            <a:prstGeom prst="rect">
+              <a:avLst/>
+            </a:prstGeom>
+            <a:noFill/>
+            <a:ln>
+              <a:noFill/>
+            </a:ln>
+          </p:spPr>
+          <p:style>
+            <a:lnRef idx="2">
+              <a:schemeClr val="accent2"/>
+            </a:lnRef>
+            <a:fillRef idx="1">
+              <a:schemeClr val="lt1"/>
+            </a:fillRef>
+            <a:effectRef idx="0">
+              <a:schemeClr val="accent2"/>
+            </a:effectRef>
+            <a:fontRef idx="minor">
+              <a:schemeClr val="dk1"/>
+            </a:fontRef>
+          </p:style>
+          <p:txBody>
+            <a:bodyPr wrap="square" rtlCol="0">
+              <a:spAutoFit/>
+            </a:bodyPr>
+            <a:lstStyle/>
+            <a:p>
+              <a:r>
+                <a:rPr lang="en-US" sz="1000" dirty="0" smtClean="0">
+                  <a:latin typeface="Lucida Sans" charset="0"/>
+                  <a:ea typeface="Lucida Sans" charset="0"/>
+                  <a:cs typeface="Lucida Sans" charset="0"/>
+                </a:rPr>
+                <a:t>I am a first year undergraduate at UC Berkeley looking for a position in front end web development. I am interested in creating and designing a friendly and impactful user experience. I have previous experience working in medium to large groups on planning and executing long term, detail oriented projects.</a:t>
+              </a:r>
+              <a:endParaRPr lang="en-US" sz="1000" dirty="0" smtClean="0">
                 <a:solidFill>
                   <a:schemeClr val="tx1"/>
                 </a:solidFill>
                 <a:latin typeface="Verdana" charset="0"/>
                 <a:ea typeface="Verdana" charset="0"/>
                 <a:cs typeface="Verdana" charset="0"/>
-              </a:rPr>
-              <a:t>ABOUT ME</a:t>
-            </a:r>
-          </a:p>
-        </p:txBody>
-      </p:sp>
-      <p:sp>
-        <p:nvSpPr>
-          <p:cNvPr id="9" name="TextBox 8"/>
-          <p:cNvSpPr txBox="1"/>
-          <p:nvPr/>
-        </p:nvSpPr>
-        <p:spPr>
-          <a:xfrm>
-            <a:off x="2792461" y="520374"/>
-            <a:ext cx="3877728" cy="1938992"/>
-          </a:xfrm>
-          <a:prstGeom prst="rect">
-            <a:avLst/>
-          </a:prstGeom>
-          <a:noFill/>
-          <a:ln>
-            <a:noFill/>
-          </a:ln>
-        </p:spPr>
-        <p:style>
-          <a:lnRef idx="2">
-            <a:schemeClr val="accent2"/>
-          </a:lnRef>
-          <a:fillRef idx="1">
-            <a:schemeClr val="lt1"/>
-          </a:fillRef>
-          <a:effectRef idx="0">
-            <a:schemeClr val="accent2"/>
-          </a:effectRef>
-          <a:fontRef idx="minor">
-            <a:schemeClr val="dk1"/>
-          </a:fontRef>
-        </p:style>
-        <p:txBody>
-          <a:bodyPr wrap="square" rtlCol="0">
-            <a:spAutoFit/>
-          </a:bodyPr>
-          <a:lstStyle/>
-          <a:p>
-            <a:r>
-              <a:rPr lang="en-US" sz="1000" dirty="0">
-                <a:latin typeface="Lucida Sans" charset="0"/>
-                <a:ea typeface="Lucida Sans" charset="0"/>
-                <a:cs typeface="Lucida Sans" charset="0"/>
-              </a:rPr>
-              <a:t>Lorem ipsum dolor sit </a:t>
-            </a:r>
-            <a:r>
-              <a:rPr lang="en-US" sz="1000" dirty="0" err="1">
-                <a:latin typeface="Lucida Sans" charset="0"/>
-                <a:ea typeface="Lucida Sans" charset="0"/>
-                <a:cs typeface="Lucida Sans" charset="0"/>
-              </a:rPr>
-              <a:t>amet</a:t>
-            </a:r>
-            <a:r>
-              <a:rPr lang="en-US" sz="1000" dirty="0">
-                <a:latin typeface="Lucida Sans" charset="0"/>
-                <a:ea typeface="Lucida Sans" charset="0"/>
-                <a:cs typeface="Lucida Sans" charset="0"/>
-              </a:rPr>
-              <a:t>, </a:t>
-            </a:r>
-            <a:r>
-              <a:rPr lang="en-US" sz="1000" dirty="0" err="1">
-                <a:latin typeface="Lucida Sans" charset="0"/>
-                <a:ea typeface="Lucida Sans" charset="0"/>
-                <a:cs typeface="Lucida Sans" charset="0"/>
-              </a:rPr>
-              <a:t>consectetur</a:t>
-            </a:r>
-            <a:r>
-              <a:rPr lang="en-US" sz="1000" dirty="0">
-                <a:latin typeface="Lucida Sans" charset="0"/>
-                <a:ea typeface="Lucida Sans" charset="0"/>
-                <a:cs typeface="Lucida Sans" charset="0"/>
-              </a:rPr>
-              <a:t> </a:t>
-            </a:r>
-            <a:r>
-              <a:rPr lang="en-US" sz="1000" dirty="0" err="1">
-                <a:latin typeface="Lucida Sans" charset="0"/>
-                <a:ea typeface="Lucida Sans" charset="0"/>
-                <a:cs typeface="Lucida Sans" charset="0"/>
-              </a:rPr>
-              <a:t>adipiscing</a:t>
-            </a:r>
-            <a:r>
-              <a:rPr lang="en-US" sz="1000" dirty="0">
-                <a:latin typeface="Lucida Sans" charset="0"/>
-                <a:ea typeface="Lucida Sans" charset="0"/>
-                <a:cs typeface="Lucida Sans" charset="0"/>
-              </a:rPr>
-              <a:t> </a:t>
-            </a:r>
-            <a:r>
-              <a:rPr lang="en-US" sz="1000" dirty="0" err="1">
-                <a:latin typeface="Lucida Sans" charset="0"/>
-                <a:ea typeface="Lucida Sans" charset="0"/>
-                <a:cs typeface="Lucida Sans" charset="0"/>
-              </a:rPr>
-              <a:t>elit</a:t>
-            </a:r>
-            <a:r>
-              <a:rPr lang="en-US" sz="1000" dirty="0">
-                <a:latin typeface="Lucida Sans" charset="0"/>
-                <a:ea typeface="Lucida Sans" charset="0"/>
-                <a:cs typeface="Lucida Sans" charset="0"/>
-              </a:rPr>
-              <a:t>. </a:t>
-            </a:r>
-            <a:r>
-              <a:rPr lang="en-US" sz="1000" dirty="0" err="1">
-                <a:latin typeface="Lucida Sans" charset="0"/>
-                <a:ea typeface="Lucida Sans" charset="0"/>
-                <a:cs typeface="Lucida Sans" charset="0"/>
-              </a:rPr>
-              <a:t>Sed</a:t>
-            </a:r>
-            <a:r>
-              <a:rPr lang="en-US" sz="1000" dirty="0">
-                <a:latin typeface="Lucida Sans" charset="0"/>
-                <a:ea typeface="Lucida Sans" charset="0"/>
-                <a:cs typeface="Lucida Sans" charset="0"/>
-              </a:rPr>
-              <a:t> </a:t>
-            </a:r>
-            <a:r>
-              <a:rPr lang="en-US" sz="1000" dirty="0" err="1">
-                <a:latin typeface="Lucida Sans" charset="0"/>
-                <a:ea typeface="Lucida Sans" charset="0"/>
-                <a:cs typeface="Lucida Sans" charset="0"/>
-              </a:rPr>
-              <a:t>neque</a:t>
-            </a:r>
-            <a:r>
-              <a:rPr lang="en-US" sz="1000" dirty="0">
-                <a:latin typeface="Lucida Sans" charset="0"/>
-                <a:ea typeface="Lucida Sans" charset="0"/>
-                <a:cs typeface="Lucida Sans" charset="0"/>
-              </a:rPr>
-              <a:t> </a:t>
-            </a:r>
-            <a:r>
-              <a:rPr lang="en-US" sz="1000" dirty="0" err="1">
-                <a:latin typeface="Lucida Sans" charset="0"/>
-                <a:ea typeface="Lucida Sans" charset="0"/>
-                <a:cs typeface="Lucida Sans" charset="0"/>
-              </a:rPr>
-              <a:t>tortor</a:t>
-            </a:r>
-            <a:r>
-              <a:rPr lang="en-US" sz="1000" dirty="0">
-                <a:latin typeface="Lucida Sans" charset="0"/>
-                <a:ea typeface="Lucida Sans" charset="0"/>
-                <a:cs typeface="Lucida Sans" charset="0"/>
-              </a:rPr>
-              <a:t>, </a:t>
-            </a:r>
-            <a:r>
-              <a:rPr lang="en-US" sz="1000" dirty="0" err="1">
-                <a:latin typeface="Lucida Sans" charset="0"/>
-                <a:ea typeface="Lucida Sans" charset="0"/>
-                <a:cs typeface="Lucida Sans" charset="0"/>
-              </a:rPr>
-              <a:t>lobortis</a:t>
-            </a:r>
-            <a:r>
-              <a:rPr lang="en-US" sz="1000" dirty="0">
-                <a:latin typeface="Lucida Sans" charset="0"/>
-                <a:ea typeface="Lucida Sans" charset="0"/>
-                <a:cs typeface="Lucida Sans" charset="0"/>
-              </a:rPr>
-              <a:t> </a:t>
-            </a:r>
-            <a:r>
-              <a:rPr lang="en-US" sz="1000" dirty="0" err="1">
-                <a:latin typeface="Lucida Sans" charset="0"/>
-                <a:ea typeface="Lucida Sans" charset="0"/>
-                <a:cs typeface="Lucida Sans" charset="0"/>
-              </a:rPr>
-              <a:t>ut</a:t>
-            </a:r>
-            <a:r>
-              <a:rPr lang="en-US" sz="1000" dirty="0">
-                <a:latin typeface="Lucida Sans" charset="0"/>
-                <a:ea typeface="Lucida Sans" charset="0"/>
-                <a:cs typeface="Lucida Sans" charset="0"/>
-              </a:rPr>
-              <a:t> </a:t>
-            </a:r>
-            <a:r>
-              <a:rPr lang="en-US" sz="1000" dirty="0" err="1">
-                <a:latin typeface="Lucida Sans" charset="0"/>
-                <a:ea typeface="Lucida Sans" charset="0"/>
-                <a:cs typeface="Lucida Sans" charset="0"/>
-              </a:rPr>
-              <a:t>condimentum</a:t>
-            </a:r>
-            <a:r>
-              <a:rPr lang="en-US" sz="1000" dirty="0">
-                <a:latin typeface="Lucida Sans" charset="0"/>
-                <a:ea typeface="Lucida Sans" charset="0"/>
-                <a:cs typeface="Lucida Sans" charset="0"/>
-              </a:rPr>
-              <a:t> non, gravida sit </a:t>
-            </a:r>
-            <a:r>
-              <a:rPr lang="en-US" sz="1000" dirty="0" err="1">
-                <a:latin typeface="Lucida Sans" charset="0"/>
-                <a:ea typeface="Lucida Sans" charset="0"/>
-                <a:cs typeface="Lucida Sans" charset="0"/>
-              </a:rPr>
-              <a:t>amet</a:t>
-            </a:r>
-            <a:r>
-              <a:rPr lang="en-US" sz="1000" dirty="0">
-                <a:latin typeface="Lucida Sans" charset="0"/>
-                <a:ea typeface="Lucida Sans" charset="0"/>
-                <a:cs typeface="Lucida Sans" charset="0"/>
-              </a:rPr>
-              <a:t> </a:t>
-            </a:r>
-            <a:r>
-              <a:rPr lang="en-US" sz="1000" dirty="0" err="1">
-                <a:latin typeface="Lucida Sans" charset="0"/>
-                <a:ea typeface="Lucida Sans" charset="0"/>
-                <a:cs typeface="Lucida Sans" charset="0"/>
-              </a:rPr>
-              <a:t>felis</a:t>
-            </a:r>
-            <a:r>
-              <a:rPr lang="en-US" sz="1000" dirty="0">
-                <a:latin typeface="Lucida Sans" charset="0"/>
-                <a:ea typeface="Lucida Sans" charset="0"/>
-                <a:cs typeface="Lucida Sans" charset="0"/>
-              </a:rPr>
-              <a:t>. Integer </a:t>
-            </a:r>
-            <a:r>
-              <a:rPr lang="en-US" sz="1000" dirty="0" err="1">
-                <a:latin typeface="Lucida Sans" charset="0"/>
-                <a:ea typeface="Lucida Sans" charset="0"/>
-                <a:cs typeface="Lucida Sans" charset="0"/>
-              </a:rPr>
-              <a:t>vehicula</a:t>
-            </a:r>
-            <a:r>
-              <a:rPr lang="en-US" sz="1000" dirty="0">
-                <a:latin typeface="Lucida Sans" charset="0"/>
-                <a:ea typeface="Lucida Sans" charset="0"/>
-                <a:cs typeface="Lucida Sans" charset="0"/>
-              </a:rPr>
-              <a:t> </a:t>
-            </a:r>
-            <a:r>
-              <a:rPr lang="en-US" sz="1000" dirty="0" err="1">
-                <a:latin typeface="Lucida Sans" charset="0"/>
-                <a:ea typeface="Lucida Sans" charset="0"/>
-                <a:cs typeface="Lucida Sans" charset="0"/>
-              </a:rPr>
-              <a:t>tincidunt</a:t>
-            </a:r>
-            <a:r>
-              <a:rPr lang="en-US" sz="1000" dirty="0">
-                <a:latin typeface="Lucida Sans" charset="0"/>
-                <a:ea typeface="Lucida Sans" charset="0"/>
-                <a:cs typeface="Lucida Sans" charset="0"/>
-              </a:rPr>
-              <a:t> </a:t>
-            </a:r>
-            <a:r>
-              <a:rPr lang="en-US" sz="1000" dirty="0" err="1">
-                <a:latin typeface="Lucida Sans" charset="0"/>
-                <a:ea typeface="Lucida Sans" charset="0"/>
-                <a:cs typeface="Lucida Sans" charset="0"/>
-              </a:rPr>
-              <a:t>luctus</a:t>
-            </a:r>
-            <a:r>
-              <a:rPr lang="en-US" sz="1000" dirty="0">
-                <a:latin typeface="Lucida Sans" charset="0"/>
-                <a:ea typeface="Lucida Sans" charset="0"/>
-                <a:cs typeface="Lucida Sans" charset="0"/>
-              </a:rPr>
-              <a:t>. Lorem ipsum dolor sit </a:t>
-            </a:r>
-            <a:r>
-              <a:rPr lang="en-US" sz="1000" dirty="0" err="1">
-                <a:latin typeface="Lucida Sans" charset="0"/>
-                <a:ea typeface="Lucida Sans" charset="0"/>
-                <a:cs typeface="Lucida Sans" charset="0"/>
-              </a:rPr>
-              <a:t>amet</a:t>
-            </a:r>
-            <a:r>
-              <a:rPr lang="en-US" sz="1000" dirty="0">
-                <a:latin typeface="Lucida Sans" charset="0"/>
-                <a:ea typeface="Lucida Sans" charset="0"/>
-                <a:cs typeface="Lucida Sans" charset="0"/>
-              </a:rPr>
-              <a:t>, </a:t>
-            </a:r>
-            <a:r>
-              <a:rPr lang="en-US" sz="1000" dirty="0" err="1">
-                <a:latin typeface="Lucida Sans" charset="0"/>
-                <a:ea typeface="Lucida Sans" charset="0"/>
-                <a:cs typeface="Lucida Sans" charset="0"/>
-              </a:rPr>
-              <a:t>consectetur</a:t>
-            </a:r>
-            <a:r>
-              <a:rPr lang="en-US" sz="1000" dirty="0">
-                <a:latin typeface="Lucida Sans" charset="0"/>
-                <a:ea typeface="Lucida Sans" charset="0"/>
-                <a:cs typeface="Lucida Sans" charset="0"/>
-              </a:rPr>
-              <a:t> </a:t>
-            </a:r>
-            <a:r>
-              <a:rPr lang="en-US" sz="1000" dirty="0" err="1">
-                <a:latin typeface="Lucida Sans" charset="0"/>
-                <a:ea typeface="Lucida Sans" charset="0"/>
-                <a:cs typeface="Lucida Sans" charset="0"/>
-              </a:rPr>
-              <a:t>adipiscing</a:t>
-            </a:r>
-            <a:r>
-              <a:rPr lang="en-US" sz="1000" dirty="0">
-                <a:latin typeface="Lucida Sans" charset="0"/>
-                <a:ea typeface="Lucida Sans" charset="0"/>
-                <a:cs typeface="Lucida Sans" charset="0"/>
-              </a:rPr>
-              <a:t> </a:t>
-            </a:r>
-            <a:r>
-              <a:rPr lang="en-US" sz="1000" dirty="0" err="1">
-                <a:latin typeface="Lucida Sans" charset="0"/>
-                <a:ea typeface="Lucida Sans" charset="0"/>
-                <a:cs typeface="Lucida Sans" charset="0"/>
-              </a:rPr>
-              <a:t>elit</a:t>
-            </a:r>
-            <a:r>
-              <a:rPr lang="en-US" sz="1000" dirty="0">
-                <a:latin typeface="Lucida Sans" charset="0"/>
-                <a:ea typeface="Lucida Sans" charset="0"/>
-                <a:cs typeface="Lucida Sans" charset="0"/>
-              </a:rPr>
-              <a:t>. In </a:t>
-            </a:r>
-            <a:r>
-              <a:rPr lang="en-US" sz="1000" dirty="0" err="1">
-                <a:latin typeface="Lucida Sans" charset="0"/>
-                <a:ea typeface="Lucida Sans" charset="0"/>
-                <a:cs typeface="Lucida Sans" charset="0"/>
-              </a:rPr>
-              <a:t>ornare</a:t>
-            </a:r>
-            <a:r>
-              <a:rPr lang="en-US" sz="1000" dirty="0">
-                <a:latin typeface="Lucida Sans" charset="0"/>
-                <a:ea typeface="Lucida Sans" charset="0"/>
-                <a:cs typeface="Lucida Sans" charset="0"/>
-              </a:rPr>
-              <a:t> </a:t>
-            </a:r>
-            <a:r>
-              <a:rPr lang="en-US" sz="1000" dirty="0" err="1">
-                <a:latin typeface="Lucida Sans" charset="0"/>
-                <a:ea typeface="Lucida Sans" charset="0"/>
-                <a:cs typeface="Lucida Sans" charset="0"/>
-              </a:rPr>
-              <a:t>lacinia</a:t>
-            </a:r>
-            <a:r>
-              <a:rPr lang="en-US" sz="1000" dirty="0">
-                <a:latin typeface="Lucida Sans" charset="0"/>
-                <a:ea typeface="Lucida Sans" charset="0"/>
-                <a:cs typeface="Lucida Sans" charset="0"/>
-              </a:rPr>
-              <a:t> </a:t>
-            </a:r>
-            <a:r>
-              <a:rPr lang="en-US" sz="1000" dirty="0" err="1">
-                <a:latin typeface="Lucida Sans" charset="0"/>
-                <a:ea typeface="Lucida Sans" charset="0"/>
-                <a:cs typeface="Lucida Sans" charset="0"/>
-              </a:rPr>
-              <a:t>efficitur</a:t>
-            </a:r>
-            <a:r>
-              <a:rPr lang="en-US" sz="1000" dirty="0">
-                <a:latin typeface="Lucida Sans" charset="0"/>
-                <a:ea typeface="Lucida Sans" charset="0"/>
-                <a:cs typeface="Lucida Sans" charset="0"/>
-              </a:rPr>
-              <a:t>. Integer lacus </a:t>
-            </a:r>
-            <a:r>
-              <a:rPr lang="en-US" sz="1000" dirty="0" err="1">
-                <a:latin typeface="Lucida Sans" charset="0"/>
-                <a:ea typeface="Lucida Sans" charset="0"/>
-                <a:cs typeface="Lucida Sans" charset="0"/>
-              </a:rPr>
-              <a:t>augue</a:t>
-            </a:r>
-            <a:r>
-              <a:rPr lang="en-US" sz="1000" dirty="0">
-                <a:latin typeface="Lucida Sans" charset="0"/>
-                <a:ea typeface="Lucida Sans" charset="0"/>
-                <a:cs typeface="Lucida Sans" charset="0"/>
-              </a:rPr>
-              <a:t>, </a:t>
-            </a:r>
-            <a:r>
-              <a:rPr lang="en-US" sz="1000" dirty="0" err="1">
-                <a:latin typeface="Lucida Sans" charset="0"/>
-                <a:ea typeface="Lucida Sans" charset="0"/>
-                <a:cs typeface="Lucida Sans" charset="0"/>
-              </a:rPr>
-              <a:t>rutrum</a:t>
-            </a:r>
-            <a:r>
-              <a:rPr lang="en-US" sz="1000" dirty="0">
-                <a:latin typeface="Lucida Sans" charset="0"/>
-                <a:ea typeface="Lucida Sans" charset="0"/>
-                <a:cs typeface="Lucida Sans" charset="0"/>
-              </a:rPr>
-              <a:t> </a:t>
-            </a:r>
-            <a:r>
-              <a:rPr lang="en-US" sz="1000" dirty="0" err="1">
-                <a:latin typeface="Lucida Sans" charset="0"/>
-                <a:ea typeface="Lucida Sans" charset="0"/>
-                <a:cs typeface="Lucida Sans" charset="0"/>
-              </a:rPr>
-              <a:t>aliquet</a:t>
-            </a:r>
-            <a:r>
-              <a:rPr lang="en-US" sz="1000" dirty="0">
-                <a:latin typeface="Lucida Sans" charset="0"/>
-                <a:ea typeface="Lucida Sans" charset="0"/>
-                <a:cs typeface="Lucida Sans" charset="0"/>
-              </a:rPr>
-              <a:t> </a:t>
-            </a:r>
-            <a:r>
-              <a:rPr lang="en-US" sz="1000" dirty="0" err="1">
-                <a:latin typeface="Lucida Sans" charset="0"/>
-                <a:ea typeface="Lucida Sans" charset="0"/>
-                <a:cs typeface="Lucida Sans" charset="0"/>
-              </a:rPr>
-              <a:t>massa</a:t>
-            </a:r>
-            <a:r>
-              <a:rPr lang="en-US" sz="1000" dirty="0">
-                <a:latin typeface="Lucida Sans" charset="0"/>
-                <a:ea typeface="Lucida Sans" charset="0"/>
-                <a:cs typeface="Lucida Sans" charset="0"/>
-              </a:rPr>
-              <a:t> vitae, </a:t>
-            </a:r>
-            <a:r>
-              <a:rPr lang="en-US" sz="1000" dirty="0" err="1">
-                <a:latin typeface="Lucida Sans" charset="0"/>
-                <a:ea typeface="Lucida Sans" charset="0"/>
-                <a:cs typeface="Lucida Sans" charset="0"/>
-              </a:rPr>
-              <a:t>laoreet</a:t>
-            </a:r>
-            <a:r>
-              <a:rPr lang="en-US" sz="1000" dirty="0">
-                <a:latin typeface="Lucida Sans" charset="0"/>
-                <a:ea typeface="Lucida Sans" charset="0"/>
-                <a:cs typeface="Lucida Sans" charset="0"/>
-              </a:rPr>
-              <a:t> </a:t>
-            </a:r>
-            <a:r>
-              <a:rPr lang="en-US" sz="1000" dirty="0" err="1">
-                <a:latin typeface="Lucida Sans" charset="0"/>
-                <a:ea typeface="Lucida Sans" charset="0"/>
-                <a:cs typeface="Lucida Sans" charset="0"/>
-              </a:rPr>
-              <a:t>ultricies</a:t>
-            </a:r>
-            <a:r>
-              <a:rPr lang="en-US" sz="1000" dirty="0">
-                <a:latin typeface="Lucida Sans" charset="0"/>
-                <a:ea typeface="Lucida Sans" charset="0"/>
-                <a:cs typeface="Lucida Sans" charset="0"/>
-              </a:rPr>
-              <a:t> dolor. </a:t>
-            </a:r>
-            <a:r>
-              <a:rPr lang="en-US" sz="1000" dirty="0" err="1">
-                <a:latin typeface="Lucida Sans" charset="0"/>
-                <a:ea typeface="Lucida Sans" charset="0"/>
-                <a:cs typeface="Lucida Sans" charset="0"/>
-              </a:rPr>
-              <a:t>Sed</a:t>
-            </a:r>
-            <a:r>
-              <a:rPr lang="en-US" sz="1000" dirty="0">
-                <a:latin typeface="Lucida Sans" charset="0"/>
-                <a:ea typeface="Lucida Sans" charset="0"/>
-                <a:cs typeface="Lucida Sans" charset="0"/>
-              </a:rPr>
-              <a:t> </a:t>
-            </a:r>
-            <a:r>
-              <a:rPr lang="en-US" sz="1000" dirty="0" err="1">
-                <a:latin typeface="Lucida Sans" charset="0"/>
-                <a:ea typeface="Lucida Sans" charset="0"/>
-                <a:cs typeface="Lucida Sans" charset="0"/>
-              </a:rPr>
-              <a:t>eros</a:t>
-            </a:r>
-            <a:r>
-              <a:rPr lang="en-US" sz="1000" dirty="0">
-                <a:latin typeface="Lucida Sans" charset="0"/>
-                <a:ea typeface="Lucida Sans" charset="0"/>
-                <a:cs typeface="Lucida Sans" charset="0"/>
-              </a:rPr>
-              <a:t> </a:t>
-            </a:r>
-            <a:r>
-              <a:rPr lang="en-US" sz="1000" dirty="0" err="1">
-                <a:latin typeface="Lucida Sans" charset="0"/>
-                <a:ea typeface="Lucida Sans" charset="0"/>
-                <a:cs typeface="Lucida Sans" charset="0"/>
-              </a:rPr>
-              <a:t>nulla</a:t>
-            </a:r>
-            <a:r>
-              <a:rPr lang="en-US" sz="1000" dirty="0">
-                <a:latin typeface="Lucida Sans" charset="0"/>
-                <a:ea typeface="Lucida Sans" charset="0"/>
-                <a:cs typeface="Lucida Sans" charset="0"/>
-              </a:rPr>
-              <a:t>, gravida maximus </a:t>
-            </a:r>
-            <a:r>
-              <a:rPr lang="en-US" sz="1000" dirty="0" err="1">
-                <a:latin typeface="Lucida Sans" charset="0"/>
-                <a:ea typeface="Lucida Sans" charset="0"/>
-                <a:cs typeface="Lucida Sans" charset="0"/>
-              </a:rPr>
-              <a:t>metus</a:t>
-            </a:r>
-            <a:r>
-              <a:rPr lang="en-US" sz="1000" dirty="0">
-                <a:latin typeface="Lucida Sans" charset="0"/>
-                <a:ea typeface="Lucida Sans" charset="0"/>
-                <a:cs typeface="Lucida Sans" charset="0"/>
-              </a:rPr>
-              <a:t> non, convallis </a:t>
-            </a:r>
-            <a:r>
-              <a:rPr lang="en-US" sz="1000" dirty="0" err="1">
-                <a:latin typeface="Lucida Sans" charset="0"/>
-                <a:ea typeface="Lucida Sans" charset="0"/>
-                <a:cs typeface="Lucida Sans" charset="0"/>
-              </a:rPr>
-              <a:t>varius</a:t>
-            </a:r>
-            <a:r>
-              <a:rPr lang="en-US" sz="1000" dirty="0">
-                <a:latin typeface="Lucida Sans" charset="0"/>
-                <a:ea typeface="Lucida Sans" charset="0"/>
-                <a:cs typeface="Lucida Sans" charset="0"/>
-              </a:rPr>
-              <a:t> </a:t>
-            </a:r>
-            <a:r>
-              <a:rPr lang="en-US" sz="1000" dirty="0" err="1">
-                <a:latin typeface="Lucida Sans" charset="0"/>
-                <a:ea typeface="Lucida Sans" charset="0"/>
-                <a:cs typeface="Lucida Sans" charset="0"/>
-              </a:rPr>
-              <a:t>risus</a:t>
-            </a:r>
-            <a:r>
-              <a:rPr lang="en-US" sz="1000" dirty="0">
-                <a:latin typeface="Lucida Sans" charset="0"/>
-                <a:ea typeface="Lucida Sans" charset="0"/>
-                <a:cs typeface="Lucida Sans" charset="0"/>
-              </a:rPr>
-              <a:t>. Integer </a:t>
-            </a:r>
-            <a:r>
-              <a:rPr lang="en-US" sz="1000" dirty="0" err="1">
-                <a:latin typeface="Lucida Sans" charset="0"/>
-                <a:ea typeface="Lucida Sans" charset="0"/>
-                <a:cs typeface="Lucida Sans" charset="0"/>
-              </a:rPr>
-              <a:t>vulputate</a:t>
-            </a:r>
-            <a:r>
-              <a:rPr lang="en-US" sz="1000" dirty="0">
-                <a:latin typeface="Lucida Sans" charset="0"/>
-                <a:ea typeface="Lucida Sans" charset="0"/>
-                <a:cs typeface="Lucida Sans" charset="0"/>
-              </a:rPr>
-              <a:t> </a:t>
-            </a:r>
-            <a:r>
-              <a:rPr lang="en-US" sz="1000" dirty="0" err="1">
-                <a:latin typeface="Lucida Sans" charset="0"/>
-                <a:ea typeface="Lucida Sans" charset="0"/>
-                <a:cs typeface="Lucida Sans" charset="0"/>
-              </a:rPr>
-              <a:t>laoreet</a:t>
-            </a:r>
-            <a:r>
-              <a:rPr lang="en-US" sz="1000" dirty="0">
-                <a:latin typeface="Lucida Sans" charset="0"/>
-                <a:ea typeface="Lucida Sans" charset="0"/>
-                <a:cs typeface="Lucida Sans" charset="0"/>
-              </a:rPr>
-              <a:t> </a:t>
-            </a:r>
-            <a:r>
-              <a:rPr lang="en-US" sz="1000" dirty="0" err="1">
-                <a:latin typeface="Lucida Sans" charset="0"/>
-                <a:ea typeface="Lucida Sans" charset="0"/>
-                <a:cs typeface="Lucida Sans" charset="0"/>
-              </a:rPr>
-              <a:t>varius</a:t>
-            </a:r>
-            <a:r>
-              <a:rPr lang="en-US" sz="1000" dirty="0">
-                <a:latin typeface="Lucida Sans" charset="0"/>
-                <a:ea typeface="Lucida Sans" charset="0"/>
-                <a:cs typeface="Lucida Sans" charset="0"/>
-              </a:rPr>
-              <a:t>. Nunc </a:t>
-            </a:r>
-            <a:r>
-              <a:rPr lang="en-US" sz="1000" dirty="0" err="1">
-                <a:latin typeface="Lucida Sans" charset="0"/>
-                <a:ea typeface="Lucida Sans" charset="0"/>
-                <a:cs typeface="Lucida Sans" charset="0"/>
-              </a:rPr>
-              <a:t>urna</a:t>
-            </a:r>
-            <a:r>
-              <a:rPr lang="en-US" sz="1000" dirty="0">
-                <a:latin typeface="Lucida Sans" charset="0"/>
-                <a:ea typeface="Lucida Sans" charset="0"/>
-                <a:cs typeface="Lucida Sans" charset="0"/>
-              </a:rPr>
-              <a:t> </a:t>
-            </a:r>
-            <a:r>
-              <a:rPr lang="en-US" sz="1000" dirty="0" err="1">
-                <a:latin typeface="Lucida Sans" charset="0"/>
-                <a:ea typeface="Lucida Sans" charset="0"/>
-                <a:cs typeface="Lucida Sans" charset="0"/>
-              </a:rPr>
-              <a:t>purus</a:t>
-            </a:r>
-            <a:r>
-              <a:rPr lang="en-US" sz="1000" dirty="0">
-                <a:latin typeface="Lucida Sans" charset="0"/>
-                <a:ea typeface="Lucida Sans" charset="0"/>
-                <a:cs typeface="Lucida Sans" charset="0"/>
-              </a:rPr>
-              <a:t>, </a:t>
-            </a:r>
-            <a:r>
-              <a:rPr lang="en-US" sz="1000" dirty="0" err="1">
-                <a:latin typeface="Lucida Sans" charset="0"/>
-                <a:ea typeface="Lucida Sans" charset="0"/>
-                <a:cs typeface="Lucida Sans" charset="0"/>
-              </a:rPr>
-              <a:t>accumsan</a:t>
-            </a:r>
-            <a:r>
-              <a:rPr lang="en-US" sz="1000" dirty="0">
-                <a:latin typeface="Lucida Sans" charset="0"/>
-                <a:ea typeface="Lucida Sans" charset="0"/>
-                <a:cs typeface="Lucida Sans" charset="0"/>
-              </a:rPr>
-              <a:t> et </a:t>
-            </a:r>
-            <a:r>
-              <a:rPr lang="en-US" sz="1000" dirty="0" err="1">
-                <a:latin typeface="Lucida Sans" charset="0"/>
-                <a:ea typeface="Lucida Sans" charset="0"/>
-                <a:cs typeface="Lucida Sans" charset="0"/>
-              </a:rPr>
-              <a:t>luctus</a:t>
-            </a:r>
-            <a:r>
-              <a:rPr lang="en-US" sz="1000" dirty="0">
-                <a:latin typeface="Lucida Sans" charset="0"/>
-                <a:ea typeface="Lucida Sans" charset="0"/>
-                <a:cs typeface="Lucida Sans" charset="0"/>
-              </a:rPr>
-              <a:t> at, </a:t>
-            </a:r>
-            <a:r>
-              <a:rPr lang="en-US" sz="1000" dirty="0" err="1">
-                <a:latin typeface="Lucida Sans" charset="0"/>
-                <a:ea typeface="Lucida Sans" charset="0"/>
-                <a:cs typeface="Lucida Sans" charset="0"/>
-              </a:rPr>
-              <a:t>pretium</a:t>
-            </a:r>
-            <a:r>
-              <a:rPr lang="en-US" sz="1000" dirty="0">
-                <a:latin typeface="Lucida Sans" charset="0"/>
-                <a:ea typeface="Lucida Sans" charset="0"/>
-                <a:cs typeface="Lucida Sans" charset="0"/>
-              </a:rPr>
-              <a:t> </a:t>
-            </a:r>
-            <a:r>
-              <a:rPr lang="en-US" sz="1000" dirty="0" err="1">
-                <a:latin typeface="Lucida Sans" charset="0"/>
-                <a:ea typeface="Lucida Sans" charset="0"/>
-                <a:cs typeface="Lucida Sans" charset="0"/>
-              </a:rPr>
-              <a:t>vel</a:t>
-            </a:r>
-            <a:r>
-              <a:rPr lang="en-US" sz="1000" dirty="0">
-                <a:latin typeface="Lucida Sans" charset="0"/>
-                <a:ea typeface="Lucida Sans" charset="0"/>
-                <a:cs typeface="Lucida Sans" charset="0"/>
-              </a:rPr>
-              <a:t> </a:t>
-            </a:r>
-            <a:r>
-              <a:rPr lang="en-US" sz="1000" dirty="0" err="1">
-                <a:latin typeface="Lucida Sans" charset="0"/>
-                <a:ea typeface="Lucida Sans" charset="0"/>
-                <a:cs typeface="Lucida Sans" charset="0"/>
-              </a:rPr>
-              <a:t>mauris</a:t>
-            </a:r>
-            <a:r>
-              <a:rPr lang="en-US" sz="1000" dirty="0">
-                <a:latin typeface="Lucida Sans" charset="0"/>
-                <a:ea typeface="Lucida Sans" charset="0"/>
-                <a:cs typeface="Lucida Sans" charset="0"/>
-              </a:rPr>
-              <a:t>. </a:t>
-            </a:r>
-            <a:r>
-              <a:rPr lang="en-US" sz="1000" dirty="0" err="1">
-                <a:latin typeface="Lucida Sans" charset="0"/>
-                <a:ea typeface="Lucida Sans" charset="0"/>
-                <a:cs typeface="Lucida Sans" charset="0"/>
-              </a:rPr>
-              <a:t>Vestibulum</a:t>
-            </a:r>
-            <a:r>
-              <a:rPr lang="en-US" sz="1000" dirty="0">
-                <a:latin typeface="Lucida Sans" charset="0"/>
-                <a:ea typeface="Lucida Sans" charset="0"/>
-                <a:cs typeface="Lucida Sans" charset="0"/>
-              </a:rPr>
-              <a:t> a </a:t>
-            </a:r>
-            <a:r>
-              <a:rPr lang="en-US" sz="1000" dirty="0" err="1">
-                <a:latin typeface="Lucida Sans" charset="0"/>
-                <a:ea typeface="Lucida Sans" charset="0"/>
-                <a:cs typeface="Lucida Sans" charset="0"/>
-              </a:rPr>
-              <a:t>justo</a:t>
-            </a:r>
-            <a:r>
-              <a:rPr lang="en-US" sz="1000" dirty="0">
-                <a:latin typeface="Lucida Sans" charset="0"/>
-                <a:ea typeface="Lucida Sans" charset="0"/>
-                <a:cs typeface="Lucida Sans" charset="0"/>
-              </a:rPr>
-              <a:t> </a:t>
-            </a:r>
-            <a:r>
-              <a:rPr lang="en-US" sz="1000" dirty="0" err="1">
-                <a:latin typeface="Lucida Sans" charset="0"/>
-                <a:ea typeface="Lucida Sans" charset="0"/>
-                <a:cs typeface="Lucida Sans" charset="0"/>
-              </a:rPr>
-              <a:t>quis</a:t>
-            </a:r>
-            <a:r>
-              <a:rPr lang="en-US" sz="1000" dirty="0">
-                <a:latin typeface="Lucida Sans" charset="0"/>
-                <a:ea typeface="Lucida Sans" charset="0"/>
-                <a:cs typeface="Lucida Sans" charset="0"/>
-              </a:rPr>
-              <a:t> </a:t>
-            </a:r>
-            <a:r>
-              <a:rPr lang="en-US" sz="1000" dirty="0" err="1">
-                <a:latin typeface="Lucida Sans" charset="0"/>
-                <a:ea typeface="Lucida Sans" charset="0"/>
-                <a:cs typeface="Lucida Sans" charset="0"/>
-              </a:rPr>
-              <a:t>sem</a:t>
-            </a:r>
-            <a:r>
-              <a:rPr lang="en-US" sz="1000" dirty="0">
-                <a:latin typeface="Lucida Sans" charset="0"/>
-                <a:ea typeface="Lucida Sans" charset="0"/>
-                <a:cs typeface="Lucida Sans" charset="0"/>
-              </a:rPr>
-              <a:t> </a:t>
-            </a:r>
-            <a:r>
-              <a:rPr lang="en-US" sz="1000" dirty="0" err="1">
-                <a:latin typeface="Lucida Sans" charset="0"/>
-                <a:ea typeface="Lucida Sans" charset="0"/>
-                <a:cs typeface="Lucida Sans" charset="0"/>
-              </a:rPr>
-              <a:t>blandit</a:t>
-            </a:r>
-            <a:r>
-              <a:rPr lang="en-US" sz="1000" dirty="0">
-                <a:latin typeface="Lucida Sans" charset="0"/>
-                <a:ea typeface="Lucida Sans" charset="0"/>
-                <a:cs typeface="Lucida Sans" charset="0"/>
-              </a:rPr>
-              <a:t> </a:t>
-            </a:r>
-            <a:r>
-              <a:rPr lang="en-US" sz="1000" dirty="0" err="1">
-                <a:latin typeface="Lucida Sans" charset="0"/>
-                <a:ea typeface="Lucida Sans" charset="0"/>
-                <a:cs typeface="Lucida Sans" charset="0"/>
-              </a:rPr>
-              <a:t>eleifend</a:t>
-            </a:r>
-            <a:r>
-              <a:rPr lang="en-US" sz="1000" dirty="0">
-                <a:latin typeface="Lucida Sans" charset="0"/>
-                <a:ea typeface="Lucida Sans" charset="0"/>
-                <a:cs typeface="Lucida Sans" charset="0"/>
-              </a:rPr>
-              <a:t>. </a:t>
-            </a:r>
-            <a:r>
-              <a:rPr lang="en-US" sz="1000" dirty="0" err="1">
-                <a:latin typeface="Lucida Sans" charset="0"/>
-                <a:ea typeface="Lucida Sans" charset="0"/>
-                <a:cs typeface="Lucida Sans" charset="0"/>
-              </a:rPr>
-              <a:t>Vestibulum</a:t>
-            </a:r>
-            <a:r>
-              <a:rPr lang="en-US" sz="1000" dirty="0">
-                <a:latin typeface="Lucida Sans" charset="0"/>
-                <a:ea typeface="Lucida Sans" charset="0"/>
-                <a:cs typeface="Lucida Sans" charset="0"/>
-              </a:rPr>
-              <a:t> </a:t>
-            </a:r>
-            <a:r>
-              <a:rPr lang="en-US" sz="1000" dirty="0" err="1">
-                <a:latin typeface="Lucida Sans" charset="0"/>
-                <a:ea typeface="Lucida Sans" charset="0"/>
-                <a:cs typeface="Lucida Sans" charset="0"/>
-              </a:rPr>
-              <a:t>rutrum</a:t>
-            </a:r>
-            <a:r>
-              <a:rPr lang="en-US" sz="1000" dirty="0">
-                <a:latin typeface="Lucida Sans" charset="0"/>
-                <a:ea typeface="Lucida Sans" charset="0"/>
-                <a:cs typeface="Lucida Sans" charset="0"/>
-              </a:rPr>
-              <a:t> </a:t>
-            </a:r>
-            <a:r>
-              <a:rPr lang="en-US" sz="1000" dirty="0" err="1">
-                <a:latin typeface="Lucida Sans" charset="0"/>
-                <a:ea typeface="Lucida Sans" charset="0"/>
-                <a:cs typeface="Lucida Sans" charset="0"/>
-              </a:rPr>
-              <a:t>accumsan</a:t>
-            </a:r>
-            <a:r>
-              <a:rPr lang="en-US" sz="1000" dirty="0">
-                <a:latin typeface="Lucida Sans" charset="0"/>
-                <a:ea typeface="Lucida Sans" charset="0"/>
-                <a:cs typeface="Lucida Sans" charset="0"/>
-              </a:rPr>
-              <a:t> </a:t>
-            </a:r>
-            <a:r>
-              <a:rPr lang="en-US" sz="1000" dirty="0" err="1">
-                <a:latin typeface="Lucida Sans" charset="0"/>
-                <a:ea typeface="Lucida Sans" charset="0"/>
-                <a:cs typeface="Lucida Sans" charset="0"/>
-              </a:rPr>
-              <a:t>aliquet</a:t>
-            </a:r>
-            <a:r>
-              <a:rPr lang="en-US" sz="1000" dirty="0">
-                <a:latin typeface="Lucida Sans" charset="0"/>
-                <a:ea typeface="Lucida Sans" charset="0"/>
-                <a:cs typeface="Lucida Sans" charset="0"/>
-              </a:rPr>
-              <a:t>.</a:t>
-            </a:r>
-          </a:p>
-          <a:p>
-            <a:r>
-              <a:rPr lang="en-US" sz="1000" dirty="0"/>
-              <a:t/>
-            </a:r>
-            <a:br>
-              <a:rPr lang="en-US" sz="1000" dirty="0"/>
-            </a:br>
-            <a:endParaRPr lang="en-US" sz="1000" dirty="0" smtClean="0">
-              <a:solidFill>
-                <a:schemeClr val="tx1"/>
-              </a:solidFill>
-              <a:latin typeface="Verdana" charset="0"/>
-              <a:ea typeface="Verdana" charset="0"/>
-              <a:cs typeface="Verdana" charset="0"/>
-            </a:endParaRPr>
-          </a:p>
-        </p:txBody>
-      </p:sp>
-      <p:sp>
-        <p:nvSpPr>
-          <p:cNvPr id="10" name="TextBox 9"/>
-          <p:cNvSpPr txBox="1"/>
-          <p:nvPr/>
-        </p:nvSpPr>
-        <p:spPr>
-          <a:xfrm>
-            <a:off x="2792459" y="2518380"/>
-            <a:ext cx="4065541" cy="319755"/>
-          </a:xfrm>
-          <a:prstGeom prst="rect">
-            <a:avLst/>
-          </a:prstGeom>
-          <a:noFill/>
-          <a:ln>
-            <a:noFill/>
-          </a:ln>
-        </p:spPr>
-        <p:style>
-          <a:lnRef idx="2">
-            <a:schemeClr val="accent2"/>
-          </a:lnRef>
-          <a:fillRef idx="1">
-            <a:schemeClr val="lt1"/>
-          </a:fillRef>
-          <a:effectRef idx="0">
-            <a:schemeClr val="accent2"/>
-          </a:effectRef>
-          <a:fontRef idx="minor">
-            <a:schemeClr val="dk1"/>
-          </a:fontRef>
-        </p:style>
-        <p:txBody>
-          <a:bodyPr wrap="square" rtlCol="0">
-            <a:spAutoFit/>
-          </a:bodyPr>
-          <a:lstStyle/>
-          <a:p>
-            <a:r>
-              <a:rPr lang="en-US" sz="1400" b="1" dirty="0" smtClean="0">
-                <a:solidFill>
-                  <a:schemeClr val="tx1"/>
-                </a:solidFill>
-                <a:latin typeface="Verdana" charset="0"/>
-                <a:ea typeface="Verdana" charset="0"/>
-                <a:cs typeface="Verdana" charset="0"/>
-              </a:rPr>
-              <a:t>EDUCATION</a:t>
-            </a:r>
-          </a:p>
-        </p:txBody>
-      </p:sp>
+              </a:endParaRPr>
+            </a:p>
+          </p:txBody>
+        </p:sp>
+      </p:grpSp>
       <p:grpSp>
         <p:nvGrpSpPr>
           <p:cNvPr id="17" name="Group 16"/>
@@ -6558,91 +5647,947 @@
                 <a:ea typeface="Lucida Sans" charset="0"/>
                 <a:cs typeface="Lucida Sans" charset="0"/>
               </a:rPr>
-              <a:t>Front End Engineer</a:t>
-            </a:r>
-          </a:p>
-        </p:txBody>
-      </p:sp>
-      <p:sp>
-        <p:nvSpPr>
-          <p:cNvPr id="19" name="Rectangle 18"/>
-          <p:cNvSpPr/>
+              <a:t>Front End </a:t>
+            </a:r>
+            <a:r>
+              <a:rPr lang="en-US" dirty="0" smtClean="0">
+                <a:solidFill>
+                  <a:schemeClr val="bg1"/>
+                </a:solidFill>
+                <a:latin typeface="Lucida Sans" charset="0"/>
+                <a:ea typeface="Lucida Sans" charset="0"/>
+                <a:cs typeface="Lucida Sans" charset="0"/>
+              </a:rPr>
+              <a:t>Developer</a:t>
+            </a:r>
+            <a:endParaRPr lang="en-US" dirty="0" smtClean="0">
+              <a:solidFill>
+                <a:schemeClr val="bg1"/>
+              </a:solidFill>
+              <a:latin typeface="Lucida Sans" charset="0"/>
+              <a:ea typeface="Lucida Sans" charset="0"/>
+              <a:cs typeface="Lucida Sans" charset="0"/>
+            </a:endParaRPr>
+          </a:p>
+        </p:txBody>
+      </p:sp>
+      <p:grpSp>
+        <p:nvGrpSpPr>
+          <p:cNvPr id="4" name="Group 3"/>
+          <p:cNvGrpSpPr/>
           <p:nvPr/>
-        </p:nvSpPr>
-        <p:spPr>
+        </p:nvGrpSpPr>
+        <p:grpSpPr>
           <a:xfrm>
-            <a:off x="2792460" y="2806123"/>
-            <a:ext cx="3877729" cy="769441"/>
+            <a:off x="2792459" y="1325862"/>
+            <a:ext cx="4065541" cy="1778292"/>
+            <a:chOff x="2792459" y="2518380"/>
+            <a:chExt cx="4065541" cy="1778292"/>
           </a:xfrm>
-          <a:prstGeom prst="rect">
-            <a:avLst/>
-          </a:prstGeom>
-        </p:spPr>
-        <p:txBody>
-          <a:bodyPr wrap="square">
-            <a:spAutoFit/>
-          </a:bodyPr>
-          <a:lstStyle/>
-          <a:p>
-            <a:pPr>
-              <a:lnSpc>
-                <a:spcPct val="120000"/>
-              </a:lnSpc>
-            </a:pPr>
-            <a:r>
-              <a:rPr lang="en-US" sz="1000" b="1" dirty="0" smtClean="0">
+        </p:grpSpPr>
+        <p:sp>
+          <p:nvSpPr>
+            <p:cNvPr id="10" name="TextBox 9"/>
+            <p:cNvSpPr txBox="1"/>
+            <p:nvPr/>
+          </p:nvSpPr>
+          <p:spPr>
+            <a:xfrm>
+              <a:off x="2792459" y="2518380"/>
+              <a:ext cx="4065541" cy="319755"/>
+            </a:xfrm>
+            <a:prstGeom prst="rect">
+              <a:avLst/>
+            </a:prstGeom>
+            <a:noFill/>
+            <a:ln>
+              <a:noFill/>
+            </a:ln>
+          </p:spPr>
+          <p:style>
+            <a:lnRef idx="2">
+              <a:schemeClr val="accent2"/>
+            </a:lnRef>
+            <a:fillRef idx="1">
+              <a:schemeClr val="lt1"/>
+            </a:fillRef>
+            <a:effectRef idx="0">
+              <a:schemeClr val="accent2"/>
+            </a:effectRef>
+            <a:fontRef idx="minor">
+              <a:schemeClr val="dk1"/>
+            </a:fontRef>
+          </p:style>
+          <p:txBody>
+            <a:bodyPr wrap="square" rtlCol="0">
+              <a:spAutoFit/>
+            </a:bodyPr>
+            <a:lstStyle/>
+            <a:p>
+              <a:r>
+                <a:rPr lang="en-US" sz="1400" b="1" dirty="0" smtClean="0">
+                  <a:solidFill>
+                    <a:schemeClr val="tx1"/>
+                  </a:solidFill>
+                  <a:latin typeface="Verdana" charset="0"/>
+                  <a:ea typeface="Verdana" charset="0"/>
+                  <a:cs typeface="Verdana" charset="0"/>
+                </a:rPr>
+                <a:t>EDUCATION</a:t>
+              </a:r>
+            </a:p>
+          </p:txBody>
+        </p:sp>
+        <p:sp>
+          <p:nvSpPr>
+            <p:cNvPr id="19" name="Rectangle 18"/>
+            <p:cNvSpPr/>
+            <p:nvPr/>
+          </p:nvSpPr>
+          <p:spPr>
+            <a:xfrm>
+              <a:off x="2792459" y="2770613"/>
+              <a:ext cx="3877729" cy="1526059"/>
+            </a:xfrm>
+            <a:prstGeom prst="rect">
+              <a:avLst/>
+            </a:prstGeom>
+          </p:spPr>
+          <p:txBody>
+            <a:bodyPr wrap="square">
+              <a:spAutoFit/>
+            </a:bodyPr>
+            <a:lstStyle/>
+            <a:p>
+              <a:pPr>
+                <a:lnSpc>
+                  <a:spcPct val="120000"/>
+                </a:lnSpc>
+              </a:pPr>
+              <a:r>
+                <a:rPr lang="en-US" sz="1000" b="1" dirty="0" smtClean="0">
+                  <a:solidFill>
+                    <a:srgbClr val="00B0F0"/>
+                  </a:solidFill>
+                  <a:latin typeface="Verdana" charset="0"/>
+                  <a:ea typeface="Verdana" charset="0"/>
+                  <a:cs typeface="Verdana" charset="0"/>
+                </a:rPr>
+                <a:t>UC Berkeley,  Class of 2020</a:t>
+              </a:r>
+            </a:p>
+            <a:p>
+              <a:pPr>
+                <a:lnSpc>
+                  <a:spcPct val="120000"/>
+                </a:lnSpc>
+              </a:pPr>
+              <a:r>
+                <a:rPr lang="en-US" sz="1000" dirty="0" smtClean="0">
+                  <a:latin typeface="Verdana" charset="0"/>
+                  <a:ea typeface="Verdana" charset="0"/>
+                  <a:cs typeface="Verdana" charset="0"/>
+                </a:rPr>
+                <a:t>B.S. Electrical Engineering and Computer Science</a:t>
+              </a:r>
+            </a:p>
+            <a:p>
+              <a:r>
+                <a:rPr lang="en-US" sz="1000" dirty="0" smtClean="0">
+                  <a:latin typeface="Verdana" charset="0"/>
+                  <a:ea typeface="Verdana" charset="0"/>
+                  <a:cs typeface="Verdana" charset="0"/>
+                </a:rPr>
+                <a:t>Relevant Courses: CS 61A SCIP, CS 198 Web Design Decal, CS 61B Data Structures (IP</a:t>
+              </a:r>
+              <a:r>
+                <a:rPr lang="en-US" sz="1000" dirty="0" smtClean="0">
+                  <a:latin typeface="Verdana" charset="0"/>
+                  <a:ea typeface="Verdana" charset="0"/>
+                  <a:cs typeface="Verdana" charset="0"/>
+                </a:rPr>
+                <a:t>)</a:t>
+              </a:r>
+            </a:p>
+            <a:p>
+              <a:pPr>
+                <a:spcBef>
+                  <a:spcPts val="500"/>
+                </a:spcBef>
+              </a:pPr>
+              <a:r>
+                <a:rPr lang="en-US" sz="1000" b="1" dirty="0" smtClean="0">
+                  <a:solidFill>
+                    <a:srgbClr val="00B0F0"/>
+                  </a:solidFill>
+                  <a:latin typeface="Verdana" charset="0"/>
+                  <a:ea typeface="Verdana" charset="0"/>
+                  <a:cs typeface="Verdana" charset="0"/>
+                </a:rPr>
+                <a:t>CSU Dominguez Hills</a:t>
+              </a:r>
+            </a:p>
+            <a:p>
+              <a:pPr>
+                <a:lnSpc>
+                  <a:spcPct val="150000"/>
+                </a:lnSpc>
+              </a:pPr>
+              <a:r>
+                <a:rPr lang="en-US" sz="1000" dirty="0" smtClean="0">
+                  <a:latin typeface="Verdana" charset="0"/>
+                  <a:ea typeface="Verdana" charset="0"/>
+                  <a:cs typeface="Verdana" charset="0"/>
+                </a:rPr>
+                <a:t>High School Concurrent Enrollment</a:t>
+              </a:r>
+              <a:endParaRPr lang="en-US" sz="1000" dirty="0">
+                <a:latin typeface="Verdana" charset="0"/>
+                <a:ea typeface="Verdana" charset="0"/>
+                <a:cs typeface="Verdana" charset="0"/>
+              </a:endParaRPr>
+            </a:p>
+            <a:p>
+              <a:r>
+                <a:rPr lang="en-US" sz="1000" dirty="0">
+                  <a:latin typeface="Verdana" charset="0"/>
+                  <a:ea typeface="Verdana" charset="0"/>
+                  <a:cs typeface="Verdana" charset="0"/>
+                </a:rPr>
+                <a:t>Relevant </a:t>
+              </a:r>
+              <a:r>
+                <a:rPr lang="en-US" sz="1000" dirty="0" smtClean="0">
+                  <a:latin typeface="Verdana" charset="0"/>
+                  <a:ea typeface="Verdana" charset="0"/>
+                  <a:cs typeface="Verdana" charset="0"/>
+                </a:rPr>
+                <a:t>Courses: CS 116 Intro to Computer Hardware &amp; Tools, FIN 360 Business Finance</a:t>
+              </a:r>
+              <a:endParaRPr lang="en-US" sz="1000" dirty="0">
+                <a:latin typeface="Verdana" charset="0"/>
+                <a:ea typeface="Verdana" charset="0"/>
+                <a:cs typeface="Verdana" charset="0"/>
+              </a:endParaRPr>
+            </a:p>
+          </p:txBody>
+        </p:sp>
+      </p:grpSp>
+      <p:grpSp>
+        <p:nvGrpSpPr>
+          <p:cNvPr id="6" name="Group 5"/>
+          <p:cNvGrpSpPr/>
+          <p:nvPr/>
+        </p:nvGrpSpPr>
+        <p:grpSpPr>
+          <a:xfrm>
+            <a:off x="2792459" y="3108874"/>
+            <a:ext cx="4065541" cy="2372028"/>
+            <a:chOff x="2792459" y="3662133"/>
+            <a:chExt cx="4065541" cy="2372028"/>
+          </a:xfrm>
+        </p:grpSpPr>
+        <p:sp>
+          <p:nvSpPr>
+            <p:cNvPr id="20" name="TextBox 19"/>
+            <p:cNvSpPr txBox="1"/>
+            <p:nvPr/>
+          </p:nvSpPr>
+          <p:spPr>
+            <a:xfrm>
+              <a:off x="2792459" y="3662133"/>
+              <a:ext cx="4065541" cy="307777"/>
+            </a:xfrm>
+            <a:prstGeom prst="rect">
+              <a:avLst/>
+            </a:prstGeom>
+            <a:noFill/>
+            <a:ln>
+              <a:noFill/>
+            </a:ln>
+          </p:spPr>
+          <p:style>
+            <a:lnRef idx="2">
+              <a:schemeClr val="accent2"/>
+            </a:lnRef>
+            <a:fillRef idx="1">
+              <a:schemeClr val="lt1"/>
+            </a:fillRef>
+            <a:effectRef idx="0">
+              <a:schemeClr val="accent2"/>
+            </a:effectRef>
+            <a:fontRef idx="minor">
+              <a:schemeClr val="dk1"/>
+            </a:fontRef>
+          </p:style>
+          <p:txBody>
+            <a:bodyPr wrap="square" rtlCol="0">
+              <a:spAutoFit/>
+            </a:bodyPr>
+            <a:lstStyle/>
+            <a:p>
+              <a:r>
+                <a:rPr lang="en-US" sz="1400" b="1" dirty="0" smtClean="0">
+                  <a:solidFill>
+                    <a:schemeClr val="tx1"/>
+                  </a:solidFill>
+                  <a:latin typeface="Verdana" charset="0"/>
+                  <a:ea typeface="Verdana" charset="0"/>
+                  <a:cs typeface="Verdana" charset="0"/>
+                </a:rPr>
+                <a:t>EXPERIENCE</a:t>
+              </a:r>
+            </a:p>
+          </p:txBody>
+        </p:sp>
+        <p:sp>
+          <p:nvSpPr>
+            <p:cNvPr id="21" name="Rectangle 20"/>
+            <p:cNvSpPr/>
+            <p:nvPr/>
+          </p:nvSpPr>
+          <p:spPr>
+            <a:xfrm>
+              <a:off x="2792459" y="3933586"/>
+              <a:ext cx="3877730" cy="2100575"/>
+            </a:xfrm>
+            <a:prstGeom prst="rect">
+              <a:avLst/>
+            </a:prstGeom>
+          </p:spPr>
+          <p:txBody>
+            <a:bodyPr wrap="square">
+              <a:spAutoFit/>
+            </a:bodyPr>
+            <a:lstStyle/>
+            <a:p>
+              <a:pPr>
+                <a:lnSpc>
+                  <a:spcPct val="120000"/>
+                </a:lnSpc>
+              </a:pPr>
+              <a:r>
+                <a:rPr lang="en-US" sz="1000" b="1" dirty="0" smtClean="0">
+                  <a:solidFill>
+                    <a:srgbClr val="00B0F0"/>
+                  </a:solidFill>
+                  <a:latin typeface="Verdana" charset="0"/>
+                  <a:ea typeface="Verdana" charset="0"/>
+                  <a:cs typeface="Verdana" charset="0"/>
+                </a:rPr>
+                <a:t>Gulfstream </a:t>
+              </a:r>
+              <a:r>
+                <a:rPr lang="en-US" sz="1000" b="1" dirty="0" smtClean="0">
+                  <a:solidFill>
+                    <a:srgbClr val="00B0F0"/>
+                  </a:solidFill>
+                  <a:latin typeface="Verdana" charset="0"/>
+                  <a:ea typeface="Verdana" charset="0"/>
+                  <a:cs typeface="Verdana" charset="0"/>
+                </a:rPr>
+                <a:t>Aerospace</a:t>
+              </a:r>
+            </a:p>
+            <a:p>
+              <a:pPr>
+                <a:lnSpc>
+                  <a:spcPct val="120000"/>
+                </a:lnSpc>
+              </a:pPr>
+              <a:r>
+                <a:rPr lang="en-US" sz="1000" dirty="0" smtClean="0">
+                  <a:latin typeface="Verdana" charset="0"/>
+                  <a:ea typeface="Verdana" charset="0"/>
+                  <a:cs typeface="Verdana" charset="0"/>
+                </a:rPr>
+                <a:t>High School Apprentice, Aug 2015 </a:t>
+              </a:r>
+              <a:r>
+                <a:rPr lang="mr-IN" sz="1000" dirty="0" smtClean="0">
+                  <a:latin typeface="Verdana" charset="0"/>
+                  <a:ea typeface="Verdana" charset="0"/>
+                  <a:cs typeface="Verdana" charset="0"/>
+                </a:rPr>
+                <a:t>–</a:t>
+              </a:r>
+              <a:r>
+                <a:rPr lang="en-US" sz="1000" dirty="0" smtClean="0">
+                  <a:latin typeface="Verdana" charset="0"/>
+                  <a:ea typeface="Verdana" charset="0"/>
+                  <a:cs typeface="Verdana" charset="0"/>
+                </a:rPr>
+                <a:t> June 2016</a:t>
+              </a:r>
+            </a:p>
+            <a:p>
+              <a:pPr>
+                <a:lnSpc>
+                  <a:spcPct val="120000"/>
+                </a:lnSpc>
+                <a:spcBef>
+                  <a:spcPts val="300"/>
+                </a:spcBef>
+              </a:pPr>
+              <a:r>
+                <a:rPr lang="en-US" sz="1000" dirty="0" smtClean="0">
+                  <a:latin typeface="Verdana" charset="0"/>
+                  <a:ea typeface="Verdana" charset="0"/>
+                  <a:cs typeface="Verdana" charset="0"/>
+                </a:rPr>
+                <a:t>Worked </a:t>
+              </a:r>
+              <a:r>
+                <a:rPr lang="en-US" sz="1000" dirty="0">
+                  <a:latin typeface="Verdana" charset="0"/>
+                  <a:ea typeface="Verdana" charset="0"/>
+                  <a:cs typeface="Verdana" charset="0"/>
+                </a:rPr>
+                <a:t>with the mechanical engineering teams on interior design drawings of G550 and G650 aircraft. Responsibilities included intensive use of AutoCAD, CATIA, and Excel</a:t>
+              </a:r>
+              <a:r>
+                <a:rPr lang="en-US" sz="1000" dirty="0" smtClean="0">
+                  <a:latin typeface="Verdana" charset="0"/>
+                  <a:ea typeface="Verdana" charset="0"/>
+                  <a:cs typeface="Verdana" charset="0"/>
+                </a:rPr>
+                <a:t>.</a:t>
+              </a:r>
+            </a:p>
+            <a:p>
+              <a:pPr>
+                <a:lnSpc>
+                  <a:spcPct val="120000"/>
+                </a:lnSpc>
+                <a:spcBef>
+                  <a:spcPts val="300"/>
+                </a:spcBef>
+              </a:pPr>
+              <a:r>
+                <a:rPr lang="en-US" sz="1000" dirty="0" smtClean="0">
+                  <a:latin typeface="Verdana" charset="0"/>
+                  <a:ea typeface="Verdana" charset="0"/>
+                  <a:cs typeface="Verdana" charset="0"/>
+                </a:rPr>
+                <a:t>Honors: Mach 3 Excellence Award</a:t>
+              </a:r>
+              <a:endParaRPr lang="en-US" sz="1000" dirty="0" smtClean="0">
+                <a:latin typeface="Verdana" charset="0"/>
+                <a:ea typeface="Verdana" charset="0"/>
+                <a:cs typeface="Verdana" charset="0"/>
+              </a:endParaRPr>
+            </a:p>
+            <a:p>
+              <a:pPr>
+                <a:lnSpc>
+                  <a:spcPct val="150000"/>
+                </a:lnSpc>
+              </a:pPr>
+              <a:r>
+                <a:rPr lang="en-US" sz="1000" b="1" dirty="0" err="1" smtClean="0">
+                  <a:solidFill>
+                    <a:srgbClr val="00B0F0"/>
+                  </a:solidFill>
+                  <a:latin typeface="Verdana" charset="0"/>
+                  <a:ea typeface="Verdana" charset="0"/>
+                  <a:cs typeface="Verdana" charset="0"/>
+                </a:rPr>
+                <a:t>Experium</a:t>
+              </a:r>
+              <a:r>
+                <a:rPr lang="en-US" sz="1000" b="1" dirty="0" smtClean="0">
+                  <a:solidFill>
+                    <a:srgbClr val="00B0F0"/>
+                  </a:solidFill>
+                  <a:latin typeface="Verdana" charset="0"/>
+                  <a:ea typeface="Verdana" charset="0"/>
+                  <a:cs typeface="Verdana" charset="0"/>
+                </a:rPr>
+                <a:t> Science Academy</a:t>
+              </a:r>
+              <a:endParaRPr lang="en-US" sz="1000" b="1" dirty="0">
                 <a:solidFill>
                   <a:srgbClr val="00B0F0"/>
                 </a:solidFill>
                 <a:latin typeface="Verdana" charset="0"/>
                 <a:ea typeface="Verdana" charset="0"/>
                 <a:cs typeface="Verdana" charset="0"/>
-              </a:rPr>
-              <a:t>UC Berkeley,  Class of 2020</a:t>
-            </a:r>
-          </a:p>
-          <a:p>
-            <a:pPr>
-              <a:lnSpc>
-                <a:spcPct val="120000"/>
-              </a:lnSpc>
-            </a:pPr>
-            <a:r>
-              <a:rPr lang="en-US" sz="1000" dirty="0" smtClean="0">
+              </a:endParaRPr>
+            </a:p>
+            <a:p>
+              <a:pPr>
+                <a:lnSpc>
+                  <a:spcPct val="120000"/>
+                </a:lnSpc>
+              </a:pPr>
+              <a:r>
+                <a:rPr lang="en-US" sz="1000" dirty="0" smtClean="0">
+                  <a:latin typeface="Verdana" charset="0"/>
+                  <a:ea typeface="Verdana" charset="0"/>
+                  <a:cs typeface="Verdana" charset="0"/>
+                </a:rPr>
+                <a:t>Laboratory Technician, June 2014 </a:t>
+              </a:r>
+              <a:r>
+                <a:rPr lang="mr-IN" sz="1000" dirty="0" smtClean="0">
+                  <a:latin typeface="Verdana" charset="0"/>
+                  <a:ea typeface="Verdana" charset="0"/>
+                  <a:cs typeface="Verdana" charset="0"/>
+                </a:rPr>
+                <a:t>–</a:t>
+              </a:r>
+              <a:r>
+                <a:rPr lang="en-US" sz="1000" dirty="0" smtClean="0">
+                  <a:latin typeface="Verdana" charset="0"/>
+                  <a:ea typeface="Verdana" charset="0"/>
+                  <a:cs typeface="Verdana" charset="0"/>
+                </a:rPr>
+                <a:t> Aug 2015</a:t>
+              </a:r>
+              <a:endParaRPr lang="en-US" sz="1000" dirty="0">
                 <a:latin typeface="Verdana" charset="0"/>
                 <a:ea typeface="Verdana" charset="0"/>
                 <a:cs typeface="Verdana" charset="0"/>
-              </a:rPr>
-              <a:t>B.S. Electrical Engineering and Computer Science</a:t>
-            </a:r>
-          </a:p>
-          <a:p>
-            <a:r>
-              <a:rPr lang="en-US" sz="1000" dirty="0" smtClean="0">
+              </a:endParaRPr>
+            </a:p>
+            <a:p>
+              <a:pPr>
+                <a:lnSpc>
+                  <a:spcPct val="120000"/>
+                </a:lnSpc>
+                <a:spcBef>
+                  <a:spcPts val="300"/>
+                </a:spcBef>
+              </a:pPr>
+              <a:endParaRPr lang="en-US" sz="1000" b="1" dirty="0">
                 <a:latin typeface="Verdana" charset="0"/>
                 <a:ea typeface="Verdana" charset="0"/>
                 <a:cs typeface="Verdana" charset="0"/>
-              </a:rPr>
-              <a:t>Relevant Courses: CS 61A SCIP, CS 198 Web Design Decal, CS 61B Data Structures (IP)</a:t>
-            </a:r>
-            <a:endParaRPr lang="en-US" sz="1000" dirty="0">
-              <a:latin typeface="Verdana" charset="0"/>
-              <a:ea typeface="Verdana" charset="0"/>
-              <a:cs typeface="Verdana" charset="0"/>
-            </a:endParaRPr>
-          </a:p>
-        </p:txBody>
-      </p:sp>
-      <p:sp>
-        <p:nvSpPr>
-          <p:cNvPr id="20" name="TextBox 19"/>
+              </a:endParaRPr>
+            </a:p>
+          </p:txBody>
+        </p:sp>
+      </p:grpSp>
+      <p:grpSp>
+        <p:nvGrpSpPr>
+          <p:cNvPr id="3" name="Group 2"/>
+          <p:cNvGrpSpPr/>
+          <p:nvPr/>
+        </p:nvGrpSpPr>
+        <p:grpSpPr>
+          <a:xfrm>
+            <a:off x="2792459" y="5245209"/>
+            <a:ext cx="4065541" cy="3812426"/>
+            <a:chOff x="2792459" y="5245209"/>
+            <a:chExt cx="4065541" cy="3812426"/>
+          </a:xfrm>
+        </p:grpSpPr>
+        <p:sp>
+          <p:nvSpPr>
+            <p:cNvPr id="22" name="TextBox 21"/>
+            <p:cNvSpPr txBox="1"/>
+            <p:nvPr/>
+          </p:nvSpPr>
+          <p:spPr>
+            <a:xfrm>
+              <a:off x="2792459" y="5245209"/>
+              <a:ext cx="4065541" cy="307777"/>
+            </a:xfrm>
+            <a:prstGeom prst="rect">
+              <a:avLst/>
+            </a:prstGeom>
+            <a:noFill/>
+            <a:ln>
+              <a:noFill/>
+            </a:ln>
+          </p:spPr>
+          <p:style>
+            <a:lnRef idx="2">
+              <a:schemeClr val="accent2"/>
+            </a:lnRef>
+            <a:fillRef idx="1">
+              <a:schemeClr val="lt1"/>
+            </a:fillRef>
+            <a:effectRef idx="0">
+              <a:schemeClr val="accent2"/>
+            </a:effectRef>
+            <a:fontRef idx="minor">
+              <a:schemeClr val="dk1"/>
+            </a:fontRef>
+          </p:style>
+          <p:txBody>
+            <a:bodyPr wrap="square" rtlCol="0">
+              <a:spAutoFit/>
+            </a:bodyPr>
+            <a:lstStyle/>
+            <a:p>
+              <a:r>
+                <a:rPr lang="en-US" sz="1400" b="1" dirty="0" smtClean="0">
+                  <a:solidFill>
+                    <a:schemeClr val="tx1"/>
+                  </a:solidFill>
+                  <a:latin typeface="Verdana" charset="0"/>
+                  <a:ea typeface="Verdana" charset="0"/>
+                  <a:cs typeface="Verdana" charset="0"/>
+                </a:rPr>
+                <a:t>PROJECTS</a:t>
+              </a:r>
+            </a:p>
+          </p:txBody>
+        </p:sp>
+        <p:sp>
+          <p:nvSpPr>
+            <p:cNvPr id="23" name="Rectangle 22"/>
+            <p:cNvSpPr/>
+            <p:nvPr/>
+          </p:nvSpPr>
+          <p:spPr>
+            <a:xfrm>
+              <a:off x="2792459" y="5515955"/>
+              <a:ext cx="3877730" cy="1015663"/>
+            </a:xfrm>
+            <a:prstGeom prst="rect">
+              <a:avLst/>
+            </a:prstGeom>
+          </p:spPr>
+          <p:txBody>
+            <a:bodyPr wrap="square">
+              <a:spAutoFit/>
+            </a:bodyPr>
+            <a:lstStyle/>
+            <a:p>
+              <a:pPr>
+                <a:lnSpc>
+                  <a:spcPct val="120000"/>
+                </a:lnSpc>
+              </a:pPr>
+              <a:r>
+                <a:rPr lang="en-US" sz="1000" b="1" dirty="0" smtClean="0">
+                  <a:solidFill>
+                    <a:srgbClr val="00B0F0"/>
+                  </a:solidFill>
+                  <a:latin typeface="Lucida Sans" charset="0"/>
+                  <a:ea typeface="Lucida Sans" charset="0"/>
+                  <a:cs typeface="Lucida Sans" charset="0"/>
+                </a:rPr>
+                <a:t>Scheme Interpreter</a:t>
+              </a:r>
+              <a:endParaRPr lang="en-US" sz="1000" b="1" dirty="0">
+                <a:solidFill>
+                  <a:srgbClr val="00B0F0"/>
+                </a:solidFill>
+                <a:latin typeface="Lucida Sans" charset="0"/>
+                <a:ea typeface="Lucida Sans" charset="0"/>
+                <a:cs typeface="Lucida Sans" charset="0"/>
+              </a:endParaRPr>
+            </a:p>
+            <a:p>
+              <a:pPr>
+                <a:lnSpc>
+                  <a:spcPct val="120000"/>
+                </a:lnSpc>
+              </a:pPr>
+              <a:r>
+                <a:rPr lang="en-US" sz="1000" dirty="0">
+                  <a:latin typeface="Lucida Sans" charset="0"/>
+                  <a:ea typeface="Lucida Sans" charset="0"/>
+                  <a:cs typeface="Lucida Sans" charset="0"/>
+                </a:rPr>
+                <a:t>Interactive Interpreter that reads and executes user input in Scheme, a dialect of Lisp. Project is written in Python and focuses on Object Orientated Programming and environments.</a:t>
+              </a:r>
+            </a:p>
+          </p:txBody>
+        </p:sp>
+        <p:sp>
+          <p:nvSpPr>
+            <p:cNvPr id="24" name="Rectangle 23"/>
+            <p:cNvSpPr/>
+            <p:nvPr/>
+          </p:nvSpPr>
+          <p:spPr>
+            <a:xfrm>
+              <a:off x="2792459" y="6446852"/>
+              <a:ext cx="3877730" cy="830997"/>
+            </a:xfrm>
+            <a:prstGeom prst="rect">
+              <a:avLst/>
+            </a:prstGeom>
+          </p:spPr>
+          <p:txBody>
+            <a:bodyPr wrap="square">
+              <a:spAutoFit/>
+            </a:bodyPr>
+            <a:lstStyle/>
+            <a:p>
+              <a:pPr>
+                <a:lnSpc>
+                  <a:spcPct val="120000"/>
+                </a:lnSpc>
+              </a:pPr>
+              <a:r>
+                <a:rPr lang="en-US" sz="1000" b="1" dirty="0" err="1" smtClean="0">
+                  <a:solidFill>
+                    <a:srgbClr val="00B0F0"/>
+                  </a:solidFill>
+                  <a:latin typeface="Lucida Sans" charset="0"/>
+                  <a:ea typeface="Lucida Sans" charset="0"/>
+                  <a:cs typeface="Lucida Sans" charset="0"/>
+                </a:rPr>
+                <a:t>pyCalc</a:t>
+              </a:r>
+              <a:endParaRPr lang="en-US" sz="1000" b="1" dirty="0">
+                <a:solidFill>
+                  <a:srgbClr val="00B0F0"/>
+                </a:solidFill>
+                <a:latin typeface="Lucida Sans" charset="0"/>
+                <a:ea typeface="Lucida Sans" charset="0"/>
+                <a:cs typeface="Lucida Sans" charset="0"/>
+              </a:endParaRPr>
+            </a:p>
+            <a:p>
+              <a:pPr>
+                <a:lnSpc>
+                  <a:spcPct val="120000"/>
+                </a:lnSpc>
+              </a:pPr>
+              <a:r>
+                <a:rPr lang="en-US" sz="1000" dirty="0">
+                  <a:latin typeface="Lucida Sans" charset="0"/>
+                  <a:ea typeface="Lucida Sans" charset="0"/>
+                  <a:cs typeface="Lucida Sans" charset="0"/>
+                </a:rPr>
+                <a:t>Python based graphing calculator that reads, evaluates, and graphs user input. Emphasis on Read-</a:t>
+              </a:r>
+              <a:r>
+                <a:rPr lang="en-US" sz="1000" dirty="0" err="1">
+                  <a:latin typeface="Lucida Sans" charset="0"/>
+                  <a:ea typeface="Lucida Sans" charset="0"/>
+                  <a:cs typeface="Lucida Sans" charset="0"/>
+                </a:rPr>
+                <a:t>Evalv</a:t>
+              </a:r>
+              <a:r>
+                <a:rPr lang="en-US" sz="1000" dirty="0">
+                  <a:latin typeface="Lucida Sans" charset="0"/>
+                  <a:ea typeface="Lucida Sans" charset="0"/>
+                  <a:cs typeface="Lucida Sans" charset="0"/>
+                </a:rPr>
+                <a:t>-Print Loops (REPL) and tree objects.</a:t>
+              </a:r>
+            </a:p>
+          </p:txBody>
+        </p:sp>
+        <p:sp>
+          <p:nvSpPr>
+            <p:cNvPr id="25" name="Rectangle 24"/>
+            <p:cNvSpPr/>
+            <p:nvPr/>
+          </p:nvSpPr>
+          <p:spPr>
+            <a:xfrm>
+              <a:off x="2792459" y="7247145"/>
+              <a:ext cx="3877730" cy="830997"/>
+            </a:xfrm>
+            <a:prstGeom prst="rect">
+              <a:avLst/>
+            </a:prstGeom>
+          </p:spPr>
+          <p:txBody>
+            <a:bodyPr wrap="square">
+              <a:spAutoFit/>
+            </a:bodyPr>
+            <a:lstStyle/>
+            <a:p>
+              <a:pPr>
+                <a:lnSpc>
+                  <a:spcPct val="120000"/>
+                </a:lnSpc>
+              </a:pPr>
+              <a:r>
+                <a:rPr lang="en-US" sz="1000" b="1" dirty="0" err="1" smtClean="0">
+                  <a:solidFill>
+                    <a:srgbClr val="00B0F0"/>
+                  </a:solidFill>
+                  <a:latin typeface="Lucida Sans" charset="0"/>
+                  <a:ea typeface="Lucida Sans" charset="0"/>
+                  <a:cs typeface="Lucida Sans" charset="0"/>
+                </a:rPr>
+                <a:t>hantaowang.me</a:t>
+              </a:r>
+              <a:endParaRPr lang="en-US" sz="1000" b="1" dirty="0">
+                <a:solidFill>
+                  <a:srgbClr val="00B0F0"/>
+                </a:solidFill>
+                <a:latin typeface="Lucida Sans" charset="0"/>
+                <a:ea typeface="Lucida Sans" charset="0"/>
+                <a:cs typeface="Lucida Sans" charset="0"/>
+              </a:endParaRPr>
+            </a:p>
+            <a:p>
+              <a:pPr>
+                <a:lnSpc>
+                  <a:spcPct val="120000"/>
+                </a:lnSpc>
+              </a:pPr>
+              <a:r>
+                <a:rPr lang="en-US" sz="1000" dirty="0" smtClean="0">
+                  <a:latin typeface="Lucida Sans" charset="0"/>
+                  <a:ea typeface="Lucida Sans" charset="0"/>
+                  <a:cs typeface="Lucida Sans" charset="0"/>
+                </a:rPr>
+                <a:t>Personal website </a:t>
+              </a:r>
+              <a:r>
+                <a:rPr lang="en-US" sz="1000" dirty="0">
+                  <a:latin typeface="Lucida Sans" charset="0"/>
+                  <a:ea typeface="Lucida Sans" charset="0"/>
+                  <a:cs typeface="Lucida Sans" charset="0"/>
+                </a:rPr>
+                <a:t>written in HTML, CSS, and </a:t>
+              </a:r>
+              <a:r>
+                <a:rPr lang="en-US" sz="1000" dirty="0" err="1" smtClean="0">
+                  <a:latin typeface="Lucida Sans" charset="0"/>
+                  <a:ea typeface="Lucida Sans" charset="0"/>
+                  <a:cs typeface="Lucida Sans" charset="0"/>
+                </a:rPr>
+                <a:t>Javascript</a:t>
+              </a:r>
+              <a:r>
+                <a:rPr lang="en-US" sz="1000" dirty="0" smtClean="0">
+                  <a:latin typeface="Lucida Sans" charset="0"/>
+                  <a:ea typeface="Lucida Sans" charset="0"/>
+                  <a:cs typeface="Lucida Sans" charset="0"/>
+                </a:rPr>
+                <a:t>. Currently in the process of migrating to a server built with Express in </a:t>
+              </a:r>
+              <a:r>
+                <a:rPr lang="en-US" sz="1000" dirty="0" err="1" smtClean="0">
+                  <a:latin typeface="Lucida Sans" charset="0"/>
+                  <a:ea typeface="Lucida Sans" charset="0"/>
+                  <a:cs typeface="Lucida Sans" charset="0"/>
+                </a:rPr>
+                <a:t>Node.JS</a:t>
+              </a:r>
+              <a:r>
+                <a:rPr lang="en-US" sz="1000" dirty="0" smtClean="0">
+                  <a:latin typeface="Lucida Sans" charset="0"/>
+                  <a:ea typeface="Lucida Sans" charset="0"/>
+                  <a:cs typeface="Lucida Sans" charset="0"/>
+                </a:rPr>
+                <a:t>. </a:t>
+              </a:r>
+              <a:endParaRPr lang="en-US" sz="1000" dirty="0">
+                <a:latin typeface="Lucida Sans" charset="0"/>
+                <a:ea typeface="Lucida Sans" charset="0"/>
+                <a:cs typeface="Lucida Sans" charset="0"/>
+              </a:endParaRPr>
+            </a:p>
+          </p:txBody>
+        </p:sp>
+        <p:sp>
+          <p:nvSpPr>
+            <p:cNvPr id="26" name="Rectangle 25"/>
+            <p:cNvSpPr/>
+            <p:nvPr/>
+          </p:nvSpPr>
+          <p:spPr>
+            <a:xfrm>
+              <a:off x="2792459" y="8041972"/>
+              <a:ext cx="3877730" cy="1015663"/>
+            </a:xfrm>
+            <a:prstGeom prst="rect">
+              <a:avLst/>
+            </a:prstGeom>
+          </p:spPr>
+          <p:txBody>
+            <a:bodyPr wrap="square">
+              <a:spAutoFit/>
+            </a:bodyPr>
+            <a:lstStyle/>
+            <a:p>
+              <a:pPr>
+                <a:lnSpc>
+                  <a:spcPct val="120000"/>
+                </a:lnSpc>
+              </a:pPr>
+              <a:r>
+                <a:rPr lang="en-US" sz="1000" b="1" dirty="0" err="1">
+                  <a:solidFill>
+                    <a:srgbClr val="00B0F0"/>
+                  </a:solidFill>
+                  <a:latin typeface="Lucida Sans" charset="0"/>
+                  <a:ea typeface="Lucida Sans" charset="0"/>
+                  <a:cs typeface="Lucida Sans" charset="0"/>
+                </a:rPr>
+                <a:t>ucbmft.com</a:t>
+              </a:r>
+              <a:endParaRPr lang="en-US" sz="1000" b="1" dirty="0">
+                <a:solidFill>
+                  <a:srgbClr val="00B0F0"/>
+                </a:solidFill>
+                <a:latin typeface="Lucida Sans" charset="0"/>
+                <a:ea typeface="Lucida Sans" charset="0"/>
+                <a:cs typeface="Lucida Sans" charset="0"/>
+              </a:endParaRPr>
+            </a:p>
+            <a:p>
+              <a:pPr>
+                <a:lnSpc>
+                  <a:spcPct val="120000"/>
+                </a:lnSpc>
+              </a:pPr>
+              <a:r>
+                <a:rPr lang="en-US" sz="1000" dirty="0">
+                  <a:latin typeface="Lucida Sans" charset="0"/>
+                  <a:ea typeface="Lucida Sans" charset="0"/>
+                  <a:cs typeface="Lucida Sans" charset="0"/>
+                </a:rPr>
+                <a:t>Analysis of the posts, users, and trends of the cultural phenomenon that is UC Berkeley Memes of Edgy Teens. Uses Facebook’s Graph API and written in Python. </a:t>
+              </a:r>
+              <a:r>
+                <a:rPr lang="en-US" sz="1000" dirty="0" smtClean="0">
+                  <a:latin typeface="Lucida Sans" charset="0"/>
+                  <a:ea typeface="Lucida Sans" charset="0"/>
+                  <a:cs typeface="Lucida Sans" charset="0"/>
+                </a:rPr>
+                <a:t>Website current in progress with a backend built with </a:t>
+              </a:r>
+              <a:r>
+                <a:rPr lang="en-US" sz="1000" dirty="0" err="1" smtClean="0">
+                  <a:latin typeface="Lucida Sans" charset="0"/>
+                  <a:ea typeface="Lucida Sans" charset="0"/>
+                  <a:cs typeface="Lucida Sans" charset="0"/>
+                </a:rPr>
+                <a:t>Node.JS</a:t>
+              </a:r>
+              <a:r>
+                <a:rPr lang="en-US" sz="1000" dirty="0" smtClean="0">
+                  <a:latin typeface="Lucida Sans" charset="0"/>
+                  <a:ea typeface="Lucida Sans" charset="0"/>
+                  <a:cs typeface="Lucida Sans" charset="0"/>
+                </a:rPr>
+                <a:t>.</a:t>
+              </a:r>
+              <a:endParaRPr lang="en-US" sz="1000" dirty="0">
+                <a:latin typeface="Lucida Sans" charset="0"/>
+                <a:ea typeface="Lucida Sans" charset="0"/>
+                <a:cs typeface="Lucida Sans" charset="0"/>
+              </a:endParaRPr>
+            </a:p>
+          </p:txBody>
+        </p:sp>
+      </p:grpSp>
+      <p:sp>
+        <p:nvSpPr>
+          <p:cNvPr id="30" name="TextBox 29"/>
           <p:cNvSpPr txBox="1"/>
           <p:nvPr/>
         </p:nvSpPr>
         <p:spPr>
           <a:xfrm>
-            <a:off x="2792459" y="3662133"/>
-            <a:ext cx="4065541" cy="307777"/>
+            <a:off x="-14548" y="7814835"/>
+            <a:ext cx="2553623" cy="1212640"/>
           </a:xfrm>
           <a:prstGeom prst="rect">
             <a:avLst/>
@@ -6672,116 +6617,127 @@
           </a:bodyPr>
           <a:lstStyle/>
           <a:p>
-            <a:r>
-              <a:rPr lang="en-US" sz="1400" b="1" dirty="0" smtClean="0">
+            <a:pPr algn="ctr">
+              <a:lnSpc>
+                <a:spcPct val="130000"/>
+              </a:lnSpc>
+            </a:pPr>
+            <a:r>
+              <a:rPr lang="en-US" sz="1400" dirty="0" err="1" smtClean="0">
                 <a:solidFill>
-                  <a:schemeClr val="tx1"/>
+                  <a:schemeClr val="bg1"/>
                 </a:solidFill>
-                <a:latin typeface="Verdana" charset="0"/>
-                <a:ea typeface="Verdana" charset="0"/>
-                <a:cs typeface="Verdana" charset="0"/>
-              </a:rPr>
-              <a:t>EXPERIENCE</a:t>
-            </a:r>
-          </a:p>
-        </p:txBody>
-      </p:sp>
-      <p:sp>
-        <p:nvSpPr>
-          <p:cNvPr id="21" name="Rectangle 20"/>
-          <p:cNvSpPr/>
+                <a:latin typeface="Lucida Sans" charset="0"/>
+                <a:ea typeface="Lucida Sans" charset="0"/>
+                <a:cs typeface="Lucida Sans" charset="0"/>
+              </a:rPr>
+              <a:t>hantaowang.me</a:t>
+            </a:r>
+            <a:endParaRPr lang="en-US" sz="1400" dirty="0" smtClean="0">
+              <a:solidFill>
+                <a:schemeClr val="bg1"/>
+              </a:solidFill>
+              <a:latin typeface="Lucida Sans" charset="0"/>
+              <a:ea typeface="Lucida Sans" charset="0"/>
+              <a:cs typeface="Lucida Sans" charset="0"/>
+            </a:endParaRPr>
+          </a:p>
+          <a:p>
+            <a:pPr algn="ctr">
+              <a:lnSpc>
+                <a:spcPct val="130000"/>
+              </a:lnSpc>
+            </a:pPr>
+            <a:r>
+              <a:rPr lang="en-US" sz="1400" dirty="0" smtClean="0">
+                <a:solidFill>
+                  <a:schemeClr val="bg1"/>
+                </a:solidFill>
+                <a:latin typeface="Lucida Sans" charset="0"/>
+                <a:ea typeface="Lucida Sans" charset="0"/>
+                <a:cs typeface="Lucida Sans" charset="0"/>
+              </a:rPr>
+              <a:t>hwang97@berkeley.edu</a:t>
+            </a:r>
+          </a:p>
+          <a:p>
+            <a:pPr algn="ctr">
+              <a:lnSpc>
+                <a:spcPct val="130000"/>
+              </a:lnSpc>
+            </a:pPr>
+            <a:r>
+              <a:rPr lang="en-US" sz="1400" dirty="0" err="1" smtClean="0">
+                <a:solidFill>
+                  <a:schemeClr val="bg1"/>
+                </a:solidFill>
+                <a:latin typeface="Lucida Sans" charset="0"/>
+                <a:ea typeface="Lucida Sans" charset="0"/>
+                <a:cs typeface="Lucida Sans" charset="0"/>
+              </a:rPr>
+              <a:t>github.com</a:t>
+            </a:r>
+            <a:r>
+              <a:rPr lang="en-US" sz="1400" dirty="0" smtClean="0">
+                <a:solidFill>
+                  <a:schemeClr val="bg1"/>
+                </a:solidFill>
+                <a:latin typeface="Lucida Sans" charset="0"/>
+                <a:ea typeface="Lucida Sans" charset="0"/>
+                <a:cs typeface="Lucida Sans" charset="0"/>
+              </a:rPr>
+              <a:t>/</a:t>
+            </a:r>
+            <a:r>
+              <a:rPr lang="en-US" sz="1400" dirty="0" err="1" smtClean="0">
+                <a:solidFill>
+                  <a:schemeClr val="bg1"/>
+                </a:solidFill>
+                <a:latin typeface="Lucida Sans" charset="0"/>
+                <a:ea typeface="Lucida Sans" charset="0"/>
+                <a:cs typeface="Lucida Sans" charset="0"/>
+              </a:rPr>
+              <a:t>hantaowang</a:t>
+            </a:r>
+            <a:endParaRPr lang="en-US" sz="1400" dirty="0" smtClean="0">
+              <a:solidFill>
+                <a:schemeClr val="bg1"/>
+              </a:solidFill>
+              <a:latin typeface="Lucida Sans" charset="0"/>
+              <a:ea typeface="Lucida Sans" charset="0"/>
+              <a:cs typeface="Lucida Sans" charset="0"/>
+            </a:endParaRPr>
+          </a:p>
+          <a:p>
+            <a:pPr algn="ctr">
+              <a:lnSpc>
+                <a:spcPct val="130000"/>
+              </a:lnSpc>
+            </a:pPr>
+            <a:r>
+              <a:rPr lang="en-US" sz="1400" dirty="0" smtClean="0">
+                <a:solidFill>
+                  <a:schemeClr val="bg1"/>
+                </a:solidFill>
+                <a:latin typeface="Lucida Sans" charset="0"/>
+                <a:ea typeface="Lucida Sans" charset="0"/>
+                <a:cs typeface="Lucida Sans" charset="0"/>
+              </a:rPr>
+              <a:t>(310) 293 - 4575</a:t>
+            </a:r>
+          </a:p>
+        </p:txBody>
+      </p:sp>
+      <p:sp>
+        <p:nvSpPr>
+          <p:cNvPr id="31" name="TextBox 30"/>
+          <p:cNvSpPr txBox="1"/>
           <p:nvPr/>
         </p:nvSpPr>
         <p:spPr>
           <a:xfrm>
-            <a:off x="2792459" y="3933586"/>
-            <a:ext cx="3877730" cy="1238801"/>
-          </a:xfrm>
-          <a:prstGeom prst="rect">
-            <a:avLst/>
-          </a:prstGeom>
-        </p:spPr>
-        <p:txBody>
-          <a:bodyPr wrap="square">
-            <a:spAutoFit/>
-          </a:bodyPr>
-          <a:lstStyle/>
-          <a:p>
-            <a:pPr>
-              <a:lnSpc>
-                <a:spcPct val="120000"/>
-              </a:lnSpc>
-            </a:pPr>
-            <a:r>
-              <a:rPr lang="en-US" sz="1000" b="1" dirty="0" smtClean="0">
-                <a:solidFill>
-                  <a:srgbClr val="00B0F0"/>
-                </a:solidFill>
-                <a:latin typeface="Verdana" charset="0"/>
-                <a:ea typeface="Verdana" charset="0"/>
-                <a:cs typeface="Verdana" charset="0"/>
-              </a:rPr>
-              <a:t>Gulfstream Aerospace</a:t>
-            </a:r>
-            <a:endParaRPr lang="en-US" sz="1000" b="1" dirty="0">
-              <a:solidFill>
-                <a:srgbClr val="00B0F0"/>
-              </a:solidFill>
-              <a:latin typeface="Verdana" charset="0"/>
-              <a:ea typeface="Verdana" charset="0"/>
-              <a:cs typeface="Verdana" charset="0"/>
-            </a:endParaRPr>
-          </a:p>
-          <a:p>
-            <a:pPr>
-              <a:lnSpc>
-                <a:spcPct val="120000"/>
-              </a:lnSpc>
-            </a:pPr>
-            <a:r>
-              <a:rPr lang="en-US" sz="1000" dirty="0" smtClean="0">
-                <a:latin typeface="Verdana" charset="0"/>
-                <a:ea typeface="Verdana" charset="0"/>
-                <a:cs typeface="Verdana" charset="0"/>
-              </a:rPr>
-              <a:t>High School Apprentice</a:t>
-            </a:r>
-          </a:p>
-          <a:p>
-            <a:pPr>
-              <a:lnSpc>
-                <a:spcPct val="120000"/>
-              </a:lnSpc>
-              <a:spcBef>
-                <a:spcPts val="300"/>
-              </a:spcBef>
-            </a:pPr>
-            <a:r>
-              <a:rPr lang="en-US" sz="1000" dirty="0">
-                <a:latin typeface="Verdana" charset="0"/>
-                <a:ea typeface="Verdana" charset="0"/>
-                <a:cs typeface="Verdana" charset="0"/>
-              </a:rPr>
-              <a:t>Worked with the mechanical engineering teams on interior design drawings of G550 and G650 aircraft. Responsibilities included intensive use of AutoCAD, CATIA, and Excel.</a:t>
-            </a:r>
-            <a:endParaRPr lang="en-US" sz="1000" b="1" dirty="0">
-              <a:latin typeface="Verdana" charset="0"/>
-              <a:ea typeface="Verdana" charset="0"/>
-              <a:cs typeface="Verdana" charset="0"/>
-            </a:endParaRPr>
-          </a:p>
-        </p:txBody>
-      </p:sp>
-      <p:sp>
-        <p:nvSpPr>
-          <p:cNvPr id="22" name="TextBox 21"/>
-          <p:cNvSpPr txBox="1"/>
-          <p:nvPr/>
-        </p:nvSpPr>
-        <p:spPr>
-          <a:xfrm>
-            <a:off x="2792459" y="5208178"/>
-            <a:ext cx="4065541" cy="307777"/>
+            <a:off x="0" y="7512290"/>
+            <a:ext cx="2564013" cy="369332"/>
           </a:xfrm>
           <a:prstGeom prst="rect">
             <a:avLst/>
@@ -6811,446 +6767,6 @@
           </a:bodyPr>
           <a:lstStyle/>
           <a:p>
-            <a:r>
-              <a:rPr lang="en-US" sz="1400" b="1" dirty="0" smtClean="0">
-                <a:solidFill>
-                  <a:schemeClr val="tx1"/>
-                </a:solidFill>
-                <a:latin typeface="Verdana" charset="0"/>
-                <a:ea typeface="Verdana" charset="0"/>
-                <a:cs typeface="Verdana" charset="0"/>
-              </a:rPr>
-              <a:t>PROJECTS</a:t>
-            </a:r>
-          </a:p>
-        </p:txBody>
-      </p:sp>
-      <p:sp>
-        <p:nvSpPr>
-          <p:cNvPr id="23" name="Rectangle 22"/>
-          <p:cNvSpPr/>
-          <p:nvPr/>
-        </p:nvSpPr>
-        <p:spPr>
-          <a:xfrm>
-            <a:off x="2792459" y="5515955"/>
-            <a:ext cx="3877730" cy="1015663"/>
-          </a:xfrm>
-          <a:prstGeom prst="rect">
-            <a:avLst/>
-          </a:prstGeom>
-        </p:spPr>
-        <p:txBody>
-          <a:bodyPr wrap="square">
-            <a:spAutoFit/>
-          </a:bodyPr>
-          <a:lstStyle/>
-          <a:p>
-            <a:pPr>
-              <a:lnSpc>
-                <a:spcPct val="120000"/>
-              </a:lnSpc>
-            </a:pPr>
-            <a:r>
-              <a:rPr lang="en-US" sz="1000" b="1" dirty="0" smtClean="0">
-                <a:solidFill>
-                  <a:srgbClr val="00B0F0"/>
-                </a:solidFill>
-                <a:latin typeface="Lucida Sans" charset="0"/>
-                <a:ea typeface="Lucida Sans" charset="0"/>
-                <a:cs typeface="Lucida Sans" charset="0"/>
-              </a:rPr>
-              <a:t>Scheme Interpreter</a:t>
-            </a:r>
-            <a:endParaRPr lang="en-US" sz="1000" b="1" dirty="0">
-              <a:solidFill>
-                <a:srgbClr val="00B0F0"/>
-              </a:solidFill>
-              <a:latin typeface="Lucida Sans" charset="0"/>
-              <a:ea typeface="Lucida Sans" charset="0"/>
-              <a:cs typeface="Lucida Sans" charset="0"/>
-            </a:endParaRPr>
-          </a:p>
-          <a:p>
-            <a:pPr>
-              <a:lnSpc>
-                <a:spcPct val="120000"/>
-              </a:lnSpc>
-            </a:pPr>
-            <a:r>
-              <a:rPr lang="en-US" sz="1000" dirty="0">
-                <a:latin typeface="Lucida Sans" charset="0"/>
-                <a:ea typeface="Lucida Sans" charset="0"/>
-                <a:cs typeface="Lucida Sans" charset="0"/>
-              </a:rPr>
-              <a:t>Interactive Interpreter that reads and executes user input in Scheme, a dialect of Lisp. Project is written in Python and focuses on Object Orientated Programming and environments.</a:t>
-            </a:r>
-          </a:p>
-        </p:txBody>
-      </p:sp>
-      <p:sp>
-        <p:nvSpPr>
-          <p:cNvPr id="24" name="Rectangle 23"/>
-          <p:cNvSpPr/>
-          <p:nvPr/>
-        </p:nvSpPr>
-        <p:spPr>
-          <a:xfrm>
-            <a:off x="2792459" y="6446852"/>
-            <a:ext cx="3877730" cy="830997"/>
-          </a:xfrm>
-          <a:prstGeom prst="rect">
-            <a:avLst/>
-          </a:prstGeom>
-        </p:spPr>
-        <p:txBody>
-          <a:bodyPr wrap="square">
-            <a:spAutoFit/>
-          </a:bodyPr>
-          <a:lstStyle/>
-          <a:p>
-            <a:pPr>
-              <a:lnSpc>
-                <a:spcPct val="120000"/>
-              </a:lnSpc>
-            </a:pPr>
-            <a:r>
-              <a:rPr lang="en-US" sz="1000" b="1" dirty="0" err="1" smtClean="0">
-                <a:solidFill>
-                  <a:srgbClr val="00B0F0"/>
-                </a:solidFill>
-                <a:latin typeface="Lucida Sans" charset="0"/>
-                <a:ea typeface="Lucida Sans" charset="0"/>
-                <a:cs typeface="Lucida Sans" charset="0"/>
-              </a:rPr>
-              <a:t>pyCalc</a:t>
-            </a:r>
-            <a:endParaRPr lang="en-US" sz="1000" b="1" dirty="0">
-              <a:solidFill>
-                <a:srgbClr val="00B0F0"/>
-              </a:solidFill>
-              <a:latin typeface="Lucida Sans" charset="0"/>
-              <a:ea typeface="Lucida Sans" charset="0"/>
-              <a:cs typeface="Lucida Sans" charset="0"/>
-            </a:endParaRPr>
-          </a:p>
-          <a:p>
-            <a:pPr>
-              <a:lnSpc>
-                <a:spcPct val="120000"/>
-              </a:lnSpc>
-            </a:pPr>
-            <a:r>
-              <a:rPr lang="en-US" sz="1000" dirty="0">
-                <a:latin typeface="Lucida Sans" charset="0"/>
-                <a:ea typeface="Lucida Sans" charset="0"/>
-                <a:cs typeface="Lucida Sans" charset="0"/>
-              </a:rPr>
-              <a:t>Python based graphing calculator that reads, evaluates, and graphs user input. Emphasis on Read-</a:t>
-            </a:r>
-            <a:r>
-              <a:rPr lang="en-US" sz="1000" dirty="0" err="1">
-                <a:latin typeface="Lucida Sans" charset="0"/>
-                <a:ea typeface="Lucida Sans" charset="0"/>
-                <a:cs typeface="Lucida Sans" charset="0"/>
-              </a:rPr>
-              <a:t>Evalv</a:t>
-            </a:r>
-            <a:r>
-              <a:rPr lang="en-US" sz="1000" dirty="0">
-                <a:latin typeface="Lucida Sans" charset="0"/>
-                <a:ea typeface="Lucida Sans" charset="0"/>
-                <a:cs typeface="Lucida Sans" charset="0"/>
-              </a:rPr>
-              <a:t>-Print Loops (REPL) and tree objects.</a:t>
-            </a:r>
-            <a:endParaRPr lang="en-US" sz="1000" dirty="0">
-              <a:latin typeface="Lucida Sans" charset="0"/>
-              <a:ea typeface="Lucida Sans" charset="0"/>
-              <a:cs typeface="Lucida Sans" charset="0"/>
-            </a:endParaRPr>
-          </a:p>
-        </p:txBody>
-      </p:sp>
-      <p:sp>
-        <p:nvSpPr>
-          <p:cNvPr id="25" name="Rectangle 24"/>
-          <p:cNvSpPr/>
-          <p:nvPr/>
-        </p:nvSpPr>
-        <p:spPr>
-          <a:xfrm>
-            <a:off x="2792459" y="7247145"/>
-            <a:ext cx="3877730" cy="830997"/>
-          </a:xfrm>
-          <a:prstGeom prst="rect">
-            <a:avLst/>
-          </a:prstGeom>
-        </p:spPr>
-        <p:txBody>
-          <a:bodyPr wrap="square">
-            <a:spAutoFit/>
-          </a:bodyPr>
-          <a:lstStyle/>
-          <a:p>
-            <a:pPr>
-              <a:lnSpc>
-                <a:spcPct val="120000"/>
-              </a:lnSpc>
-            </a:pPr>
-            <a:r>
-              <a:rPr lang="en-US" sz="1000" b="1" dirty="0" err="1" smtClean="0">
-                <a:solidFill>
-                  <a:srgbClr val="00B0F0"/>
-                </a:solidFill>
-                <a:latin typeface="Lucida Sans" charset="0"/>
-                <a:ea typeface="Lucida Sans" charset="0"/>
-                <a:cs typeface="Lucida Sans" charset="0"/>
-              </a:rPr>
-              <a:t>hantaowang.me</a:t>
-            </a:r>
-            <a:endParaRPr lang="en-US" sz="1000" b="1" dirty="0">
-              <a:solidFill>
-                <a:srgbClr val="00B0F0"/>
-              </a:solidFill>
-              <a:latin typeface="Lucida Sans" charset="0"/>
-              <a:ea typeface="Lucida Sans" charset="0"/>
-              <a:cs typeface="Lucida Sans" charset="0"/>
-            </a:endParaRPr>
-          </a:p>
-          <a:p>
-            <a:pPr>
-              <a:lnSpc>
-                <a:spcPct val="120000"/>
-              </a:lnSpc>
-            </a:pPr>
-            <a:r>
-              <a:rPr lang="en-US" sz="1000" dirty="0" smtClean="0">
-                <a:latin typeface="Lucida Sans" charset="0"/>
-                <a:ea typeface="Lucida Sans" charset="0"/>
-                <a:cs typeface="Lucida Sans" charset="0"/>
-              </a:rPr>
-              <a:t>Personal website </a:t>
-            </a:r>
-            <a:r>
-              <a:rPr lang="en-US" sz="1000" dirty="0">
-                <a:latin typeface="Lucida Sans" charset="0"/>
-                <a:ea typeface="Lucida Sans" charset="0"/>
-                <a:cs typeface="Lucida Sans" charset="0"/>
-              </a:rPr>
-              <a:t>written in HTML, CSS, and </a:t>
-            </a:r>
-            <a:r>
-              <a:rPr lang="en-US" sz="1000" dirty="0" err="1" smtClean="0">
-                <a:latin typeface="Lucida Sans" charset="0"/>
-                <a:ea typeface="Lucida Sans" charset="0"/>
-                <a:cs typeface="Lucida Sans" charset="0"/>
-              </a:rPr>
-              <a:t>Javascript</a:t>
-            </a:r>
-            <a:r>
-              <a:rPr lang="en-US" sz="1000" dirty="0" smtClean="0">
-                <a:latin typeface="Lucida Sans" charset="0"/>
-                <a:ea typeface="Lucida Sans" charset="0"/>
-                <a:cs typeface="Lucida Sans" charset="0"/>
-              </a:rPr>
-              <a:t>. Currently in the process of migrating to a server built with Express in </a:t>
-            </a:r>
-            <a:r>
-              <a:rPr lang="en-US" sz="1000" dirty="0" err="1" smtClean="0">
-                <a:latin typeface="Lucida Sans" charset="0"/>
-                <a:ea typeface="Lucida Sans" charset="0"/>
-                <a:cs typeface="Lucida Sans" charset="0"/>
-              </a:rPr>
-              <a:t>Node.JS</a:t>
-            </a:r>
-            <a:r>
-              <a:rPr lang="en-US" sz="1000" dirty="0" smtClean="0">
-                <a:latin typeface="Lucida Sans" charset="0"/>
-                <a:ea typeface="Lucida Sans" charset="0"/>
-                <a:cs typeface="Lucida Sans" charset="0"/>
-              </a:rPr>
-              <a:t>. </a:t>
-            </a:r>
-            <a:endParaRPr lang="en-US" sz="1000" dirty="0">
-              <a:latin typeface="Lucida Sans" charset="0"/>
-              <a:ea typeface="Lucida Sans" charset="0"/>
-              <a:cs typeface="Lucida Sans" charset="0"/>
-            </a:endParaRPr>
-          </a:p>
-        </p:txBody>
-      </p:sp>
-      <p:sp>
-        <p:nvSpPr>
-          <p:cNvPr id="26" name="Rectangle 25"/>
-          <p:cNvSpPr/>
-          <p:nvPr/>
-        </p:nvSpPr>
-        <p:spPr>
-          <a:xfrm>
-            <a:off x="2792459" y="8041972"/>
-            <a:ext cx="3877730" cy="1015663"/>
-          </a:xfrm>
-          <a:prstGeom prst="rect">
-            <a:avLst/>
-          </a:prstGeom>
-        </p:spPr>
-        <p:txBody>
-          <a:bodyPr wrap="square">
-            <a:spAutoFit/>
-          </a:bodyPr>
-          <a:lstStyle/>
-          <a:p>
-            <a:pPr>
-              <a:lnSpc>
-                <a:spcPct val="120000"/>
-              </a:lnSpc>
-            </a:pPr>
-            <a:r>
-              <a:rPr lang="en-US" sz="1000" b="1" dirty="0" err="1">
-                <a:solidFill>
-                  <a:srgbClr val="00B0F0"/>
-                </a:solidFill>
-                <a:latin typeface="Lucida Sans" charset="0"/>
-                <a:ea typeface="Lucida Sans" charset="0"/>
-                <a:cs typeface="Lucida Sans" charset="0"/>
-              </a:rPr>
-              <a:t>ucbmft.com</a:t>
-            </a:r>
-            <a:endParaRPr lang="en-US" sz="1000" b="1" dirty="0">
-              <a:solidFill>
-                <a:srgbClr val="00B0F0"/>
-              </a:solidFill>
-              <a:latin typeface="Lucida Sans" charset="0"/>
-              <a:ea typeface="Lucida Sans" charset="0"/>
-              <a:cs typeface="Lucida Sans" charset="0"/>
-            </a:endParaRPr>
-          </a:p>
-          <a:p>
-            <a:pPr>
-              <a:lnSpc>
-                <a:spcPct val="120000"/>
-              </a:lnSpc>
-            </a:pPr>
-            <a:r>
-              <a:rPr lang="en-US" sz="1000" dirty="0">
-                <a:latin typeface="Lucida Sans" charset="0"/>
-                <a:ea typeface="Lucida Sans" charset="0"/>
-                <a:cs typeface="Lucida Sans" charset="0"/>
-              </a:rPr>
-              <a:t>Analysis of the posts, users, and trends of the </a:t>
-            </a:r>
-            <a:r>
-              <a:rPr lang="en-US" sz="1000" dirty="0">
-                <a:latin typeface="Lucida Sans" charset="0"/>
-                <a:ea typeface="Lucida Sans" charset="0"/>
-                <a:cs typeface="Lucida Sans" charset="0"/>
-              </a:rPr>
-              <a:t>cultural </a:t>
-            </a:r>
-            <a:r>
-              <a:rPr lang="en-US" sz="1000" dirty="0">
-                <a:latin typeface="Lucida Sans" charset="0"/>
-                <a:ea typeface="Lucida Sans" charset="0"/>
-                <a:cs typeface="Lucida Sans" charset="0"/>
-              </a:rPr>
-              <a:t>phenomenon that is UC Berkeley Memes of Edgy Teens. </a:t>
-            </a:r>
-            <a:r>
-              <a:rPr lang="en-US" sz="1000" dirty="0">
-                <a:latin typeface="Lucida Sans" charset="0"/>
-                <a:ea typeface="Lucida Sans" charset="0"/>
-                <a:cs typeface="Lucida Sans" charset="0"/>
-              </a:rPr>
-              <a:t>Uses Facebook’s </a:t>
-            </a:r>
-            <a:r>
-              <a:rPr lang="en-US" sz="1000" dirty="0">
-                <a:latin typeface="Lucida Sans" charset="0"/>
-                <a:ea typeface="Lucida Sans" charset="0"/>
-                <a:cs typeface="Lucida Sans" charset="0"/>
-              </a:rPr>
-              <a:t>G</a:t>
-            </a:r>
-            <a:r>
-              <a:rPr lang="en-US" sz="1000" dirty="0">
-                <a:latin typeface="Lucida Sans" charset="0"/>
-                <a:ea typeface="Lucida Sans" charset="0"/>
-                <a:cs typeface="Lucida Sans" charset="0"/>
-              </a:rPr>
-              <a:t>raph API and written in Python. </a:t>
-            </a:r>
-            <a:r>
-              <a:rPr lang="en-US" sz="1000" dirty="0" smtClean="0">
-                <a:latin typeface="Lucida Sans" charset="0"/>
-                <a:ea typeface="Lucida Sans" charset="0"/>
-                <a:cs typeface="Lucida Sans" charset="0"/>
-              </a:rPr>
-              <a:t>Website current in progress with a backend built with </a:t>
-            </a:r>
-            <a:r>
-              <a:rPr lang="en-US" sz="1000" dirty="0" err="1" smtClean="0">
-                <a:latin typeface="Lucida Sans" charset="0"/>
-                <a:ea typeface="Lucida Sans" charset="0"/>
-                <a:cs typeface="Lucida Sans" charset="0"/>
-              </a:rPr>
-              <a:t>Node.JS</a:t>
-            </a:r>
-            <a:r>
-              <a:rPr lang="en-US" sz="1000" dirty="0" smtClean="0">
-                <a:latin typeface="Lucida Sans" charset="0"/>
-                <a:ea typeface="Lucida Sans" charset="0"/>
-                <a:cs typeface="Lucida Sans" charset="0"/>
-              </a:rPr>
-              <a:t>.</a:t>
-            </a:r>
-            <a:endParaRPr lang="en-US" sz="1000" dirty="0">
-              <a:latin typeface="Lucida Sans" charset="0"/>
-              <a:ea typeface="Lucida Sans" charset="0"/>
-              <a:cs typeface="Lucida Sans" charset="0"/>
-            </a:endParaRPr>
-          </a:p>
-        </p:txBody>
-      </p:sp>
-      <p:sp>
-        <p:nvSpPr>
-          <p:cNvPr id="27" name="TextBox 26"/>
-          <p:cNvSpPr txBox="1"/>
-          <p:nvPr/>
-        </p:nvSpPr>
-        <p:spPr>
-          <a:xfrm>
-            <a:off x="35132" y="4070431"/>
-            <a:ext cx="2518937" cy="369332"/>
-          </a:xfrm>
-          <a:prstGeom prst="rect">
-            <a:avLst/>
-          </a:prstGeom>
-          <a:noFill/>
-          <a:ln>
-            <a:noFill/>
-          </a:ln>
-        </p:spPr>
-        <p:style>
-          <a:lnRef idx="2">
-            <a:schemeClr val="accent2"/>
-          </a:lnRef>
-          <a:fillRef idx="1">
-            <a:schemeClr val="lt1"/>
-          </a:fillRef>
-          <a:effectRef idx="0">
-            <a:schemeClr val="accent2"/>
-          </a:effectRef>
-          <a:fontRef idx="minor">
-            <a:schemeClr val="dk1"/>
-          </a:fontRef>
-        </p:style>
-        <p:txBody>
-          <a:bodyPr wrap="square" rtlCol="0">
-            <a:spAutoFit/>
-          </a:bodyPr>
-          <a:lstStyle/>
-          <a:p>
             <a:pPr algn="ctr"/>
             <a:r>
               <a:rPr lang="en-US" b="1" dirty="0" smtClean="0">
@@ -7261,7 +6777,7 @@
                 <a:ea typeface="Verdana" charset="0"/>
                 <a:cs typeface="Verdana" charset="0"/>
               </a:rPr>
-              <a:t>SKILLS</a:t>
+              <a:t>CONTACT</a:t>
             </a:r>
             <a:endParaRPr lang="en-US" sz="1400" b="1" dirty="0" smtClean="0">
               <a:solidFill>
@@ -7274,439 +6790,691 @@
           </a:p>
         </p:txBody>
       </p:sp>
-      <p:sp>
-        <p:nvSpPr>
-          <p:cNvPr id="29" name="TextBox 28"/>
-          <p:cNvSpPr txBox="1"/>
+      <p:grpSp>
+        <p:nvGrpSpPr>
+          <p:cNvPr id="2" name="Group 1"/>
+          <p:cNvGrpSpPr/>
           <p:nvPr/>
-        </p:nvSpPr>
-        <p:spPr>
+        </p:nvGrpSpPr>
+        <p:grpSpPr>
           <a:xfrm>
-            <a:off x="-1" y="4391582"/>
-            <a:ext cx="2564013" cy="2677656"/>
+            <a:off x="22537" y="4046418"/>
+            <a:ext cx="2518937" cy="3429694"/>
+            <a:chOff x="35132" y="4070431"/>
+            <a:chExt cx="2518937" cy="3429694"/>
           </a:xfrm>
-          <a:prstGeom prst="rect">
-            <a:avLst/>
-          </a:prstGeom>
-          <a:noFill/>
-          <a:ln>
+        </p:grpSpPr>
+        <p:sp>
+          <p:nvSpPr>
+            <p:cNvPr id="27" name="TextBox 26"/>
+            <p:cNvSpPr txBox="1"/>
+            <p:nvPr/>
+          </p:nvSpPr>
+          <p:spPr>
+            <a:xfrm>
+              <a:off x="35132" y="4070431"/>
+              <a:ext cx="2518937" cy="369332"/>
+            </a:xfrm>
+            <a:prstGeom prst="rect">
+              <a:avLst/>
+            </a:prstGeom>
             <a:noFill/>
-          </a:ln>
-        </p:spPr>
-        <p:style>
-          <a:lnRef idx="2">
-            <a:schemeClr val="accent2"/>
-          </a:lnRef>
-          <a:fillRef idx="1">
-            <a:schemeClr val="lt1"/>
-          </a:fillRef>
-          <a:effectRef idx="0">
-            <a:schemeClr val="accent2"/>
-          </a:effectRef>
-          <a:fontRef idx="minor">
-            <a:schemeClr val="dk1"/>
-          </a:fontRef>
-        </p:style>
-        <p:txBody>
-          <a:bodyPr wrap="square" rtlCol="0">
-            <a:spAutoFit/>
-          </a:bodyPr>
-          <a:lstStyle/>
-          <a:p>
-            <a:pPr algn="ctr"/>
-            <a:r>
-              <a:rPr lang="en-US" sz="1400" dirty="0" smtClean="0">
-                <a:solidFill>
-                  <a:schemeClr val="bg1"/>
-                </a:solidFill>
-                <a:latin typeface="Lucida Sans" charset="0"/>
-                <a:ea typeface="Lucida Sans" charset="0"/>
-                <a:cs typeface="Lucida Sans" charset="0"/>
-              </a:rPr>
-              <a:t>Python</a:t>
-            </a:r>
-          </a:p>
-          <a:p>
-            <a:pPr algn="ctr"/>
-            <a:r>
-              <a:rPr lang="en-US" sz="1400" dirty="0" smtClean="0">
-                <a:solidFill>
-                  <a:schemeClr val="bg1"/>
-                </a:solidFill>
-                <a:latin typeface="Lucida Sans" charset="0"/>
-                <a:ea typeface="Lucida Sans" charset="0"/>
-                <a:cs typeface="Lucida Sans" charset="0"/>
-              </a:rPr>
-              <a:t>Java</a:t>
-            </a:r>
-          </a:p>
-          <a:p>
-            <a:pPr algn="ctr"/>
-            <a:r>
-              <a:rPr lang="en-US" sz="1400" dirty="0" smtClean="0">
-                <a:solidFill>
-                  <a:schemeClr val="bg1"/>
-                </a:solidFill>
-                <a:latin typeface="Lucida Sans" charset="0"/>
-                <a:ea typeface="Lucida Sans" charset="0"/>
-                <a:cs typeface="Lucida Sans" charset="0"/>
-              </a:rPr>
-              <a:t>HTML / CSS</a:t>
-            </a:r>
-          </a:p>
-          <a:p>
-            <a:pPr algn="ctr"/>
-            <a:r>
-              <a:rPr lang="en-US" sz="1400" dirty="0" err="1" smtClean="0">
-                <a:solidFill>
-                  <a:schemeClr val="bg1"/>
-                </a:solidFill>
-                <a:latin typeface="Lucida Sans" charset="0"/>
-                <a:ea typeface="Lucida Sans" charset="0"/>
-                <a:cs typeface="Lucida Sans" charset="0"/>
-              </a:rPr>
-              <a:t>Javascript</a:t>
-            </a:r>
-            <a:endParaRPr lang="en-US" sz="1400" dirty="0" smtClean="0">
-              <a:solidFill>
-                <a:schemeClr val="bg1"/>
-              </a:solidFill>
-              <a:latin typeface="Lucida Sans" charset="0"/>
-              <a:ea typeface="Lucida Sans" charset="0"/>
-              <a:cs typeface="Lucida Sans" charset="0"/>
-            </a:endParaRPr>
-          </a:p>
-          <a:p>
-            <a:pPr algn="ctr"/>
-            <a:r>
-              <a:rPr lang="en-US" sz="1400" dirty="0" smtClean="0">
-                <a:solidFill>
-                  <a:schemeClr val="bg1"/>
-                </a:solidFill>
-                <a:latin typeface="Lucida Sans" charset="0"/>
-                <a:ea typeface="Lucida Sans" charset="0"/>
-                <a:cs typeface="Lucida Sans" charset="0"/>
-              </a:rPr>
-              <a:t>Scheme</a:t>
-            </a:r>
-          </a:p>
-          <a:p>
-            <a:pPr algn="ctr"/>
-            <a:r>
-              <a:rPr lang="en-US" sz="1400" dirty="0" smtClean="0">
-                <a:solidFill>
-                  <a:schemeClr val="bg1"/>
-                </a:solidFill>
-                <a:latin typeface="Lucida Sans" charset="0"/>
-                <a:ea typeface="Lucida Sans" charset="0"/>
-                <a:cs typeface="Lucida Sans" charset="0"/>
-              </a:rPr>
-              <a:t>MySQL</a:t>
-            </a:r>
-          </a:p>
-          <a:p>
-            <a:pPr algn="ctr"/>
-            <a:r>
-              <a:rPr lang="en-US" sz="1400" dirty="0" smtClean="0">
-                <a:solidFill>
-                  <a:schemeClr val="bg1"/>
-                </a:solidFill>
-                <a:latin typeface="Lucida Sans" charset="0"/>
-                <a:ea typeface="Lucida Sans" charset="0"/>
-                <a:cs typeface="Lucida Sans" charset="0"/>
-              </a:rPr>
-              <a:t>Ruby</a:t>
-            </a:r>
-          </a:p>
-          <a:p>
-            <a:pPr algn="ctr"/>
-            <a:endParaRPr lang="en-US" sz="1400" dirty="0">
-              <a:solidFill>
-                <a:schemeClr val="bg1"/>
-              </a:solidFill>
-              <a:latin typeface="Lucida Sans" charset="0"/>
-              <a:ea typeface="Lucida Sans" charset="0"/>
-              <a:cs typeface="Lucida Sans" charset="0"/>
-            </a:endParaRPr>
-          </a:p>
-          <a:p>
-            <a:pPr algn="ctr"/>
-            <a:r>
-              <a:rPr lang="en-US" sz="1400" dirty="0" smtClean="0">
-                <a:solidFill>
-                  <a:schemeClr val="bg1"/>
-                </a:solidFill>
-                <a:latin typeface="Lucida Sans" charset="0"/>
-                <a:ea typeface="Lucida Sans" charset="0"/>
-                <a:cs typeface="Lucida Sans" charset="0"/>
-              </a:rPr>
-              <a:t>AutoCAD</a:t>
-            </a:r>
-          </a:p>
-          <a:p>
-            <a:pPr algn="ctr"/>
-            <a:r>
-              <a:rPr lang="en-US" sz="1400" dirty="0" smtClean="0">
-                <a:solidFill>
-                  <a:schemeClr val="bg1"/>
-                </a:solidFill>
-                <a:latin typeface="Lucida Sans" charset="0"/>
-                <a:ea typeface="Lucida Sans" charset="0"/>
-                <a:cs typeface="Lucida Sans" charset="0"/>
-              </a:rPr>
-              <a:t>Inventor</a:t>
-            </a:r>
-          </a:p>
-          <a:p>
-            <a:pPr algn="ctr"/>
-            <a:r>
-              <a:rPr lang="en-US" sz="1400" dirty="0" err="1" smtClean="0">
-                <a:solidFill>
-                  <a:schemeClr val="bg1"/>
-                </a:solidFill>
-                <a:latin typeface="Lucida Sans" charset="0"/>
-                <a:ea typeface="Lucida Sans" charset="0"/>
-                <a:cs typeface="Lucida Sans" charset="0"/>
-              </a:rPr>
-              <a:t>Solidworks</a:t>
-            </a:r>
-            <a:endParaRPr lang="en-US" sz="1400" dirty="0" smtClean="0">
-              <a:solidFill>
-                <a:schemeClr val="bg1"/>
-              </a:solidFill>
-              <a:latin typeface="Lucida Sans" charset="0"/>
-              <a:ea typeface="Lucida Sans" charset="0"/>
-              <a:cs typeface="Lucida Sans" charset="0"/>
-            </a:endParaRPr>
-          </a:p>
-          <a:p>
-            <a:pPr algn="ctr"/>
-            <a:r>
-              <a:rPr lang="en-US" sz="1400" dirty="0" smtClean="0">
-                <a:solidFill>
-                  <a:schemeClr val="bg1"/>
-                </a:solidFill>
-                <a:latin typeface="Lucida Sans" charset="0"/>
-                <a:ea typeface="Lucida Sans" charset="0"/>
-                <a:cs typeface="Lucida Sans" charset="0"/>
-              </a:rPr>
-              <a:t>Final Cut Pro</a:t>
-            </a:r>
-          </a:p>
-        </p:txBody>
-      </p:sp>
-      <p:sp>
-        <p:nvSpPr>
-          <p:cNvPr id="30" name="TextBox 29"/>
-          <p:cNvSpPr txBox="1"/>
-          <p:nvPr/>
-        </p:nvSpPr>
-        <p:spPr>
-          <a:xfrm>
-            <a:off x="0" y="7570529"/>
-            <a:ext cx="2539074" cy="1384995"/>
-          </a:xfrm>
-          <a:prstGeom prst="rect">
-            <a:avLst/>
-          </a:prstGeom>
-          <a:noFill/>
-          <a:ln>
-            <a:noFill/>
-          </a:ln>
-        </p:spPr>
-        <p:style>
-          <a:lnRef idx="2">
-            <a:schemeClr val="accent2"/>
-          </a:lnRef>
-          <a:fillRef idx="1">
-            <a:schemeClr val="lt1"/>
-          </a:fillRef>
-          <a:effectRef idx="0">
-            <a:schemeClr val="accent2"/>
-          </a:effectRef>
-          <a:fontRef idx="minor">
-            <a:schemeClr val="dk1"/>
-          </a:fontRef>
-        </p:style>
-        <p:txBody>
-          <a:bodyPr wrap="square" rtlCol="0">
-            <a:spAutoFit/>
-          </a:bodyPr>
-          <a:lstStyle/>
-          <a:p>
-            <a:pPr algn="ctr">
-              <a:lnSpc>
-                <a:spcPct val="150000"/>
-              </a:lnSpc>
-            </a:pPr>
-            <a:r>
-              <a:rPr lang="en-US" sz="1400" dirty="0" err="1" smtClean="0">
-                <a:solidFill>
-                  <a:schemeClr val="bg1"/>
-                </a:solidFill>
-                <a:latin typeface="Lucida Sans" charset="0"/>
-                <a:ea typeface="Lucida Sans" charset="0"/>
-                <a:cs typeface="Lucida Sans" charset="0"/>
-              </a:rPr>
-              <a:t>hantaowang.me</a:t>
-            </a:r>
-            <a:endParaRPr lang="en-US" sz="1400" dirty="0" smtClean="0">
-              <a:solidFill>
-                <a:schemeClr val="bg1"/>
-              </a:solidFill>
-              <a:latin typeface="Lucida Sans" charset="0"/>
-              <a:ea typeface="Lucida Sans" charset="0"/>
-              <a:cs typeface="Lucida Sans" charset="0"/>
-            </a:endParaRPr>
-          </a:p>
-          <a:p>
-            <a:pPr algn="ctr">
-              <a:lnSpc>
-                <a:spcPct val="150000"/>
-              </a:lnSpc>
-            </a:pPr>
-            <a:r>
-              <a:rPr lang="en-US" sz="1400" dirty="0" smtClean="0">
-                <a:solidFill>
-                  <a:schemeClr val="bg1"/>
-                </a:solidFill>
-                <a:latin typeface="Lucida Sans" charset="0"/>
-                <a:ea typeface="Lucida Sans" charset="0"/>
-                <a:cs typeface="Lucida Sans" charset="0"/>
-              </a:rPr>
-              <a:t>hwang97@berkeley.edu</a:t>
-            </a:r>
-          </a:p>
-          <a:p>
-            <a:pPr algn="ctr">
-              <a:lnSpc>
-                <a:spcPct val="150000"/>
-              </a:lnSpc>
-            </a:pPr>
-            <a:r>
-              <a:rPr lang="en-US" sz="1400" dirty="0" err="1" smtClean="0">
-                <a:solidFill>
-                  <a:schemeClr val="bg1"/>
-                </a:solidFill>
-                <a:latin typeface="Lucida Sans" charset="0"/>
-                <a:ea typeface="Lucida Sans" charset="0"/>
-                <a:cs typeface="Lucida Sans" charset="0"/>
-              </a:rPr>
-              <a:t>github.com</a:t>
-            </a:r>
-            <a:r>
-              <a:rPr lang="en-US" sz="1400" dirty="0" smtClean="0">
-                <a:solidFill>
-                  <a:schemeClr val="bg1"/>
-                </a:solidFill>
-                <a:latin typeface="Lucida Sans" charset="0"/>
-                <a:ea typeface="Lucida Sans" charset="0"/>
-                <a:cs typeface="Lucida Sans" charset="0"/>
-              </a:rPr>
-              <a:t>/</a:t>
-            </a:r>
-            <a:r>
-              <a:rPr lang="en-US" sz="1400" dirty="0" err="1" smtClean="0">
-                <a:solidFill>
-                  <a:schemeClr val="bg1"/>
-                </a:solidFill>
-                <a:latin typeface="Lucida Sans" charset="0"/>
-                <a:ea typeface="Lucida Sans" charset="0"/>
-                <a:cs typeface="Lucida Sans" charset="0"/>
-              </a:rPr>
-              <a:t>hantaowang</a:t>
-            </a:r>
-            <a:endParaRPr lang="en-US" sz="1400" dirty="0" smtClean="0">
-              <a:solidFill>
-                <a:schemeClr val="bg1"/>
-              </a:solidFill>
-              <a:latin typeface="Lucida Sans" charset="0"/>
-              <a:ea typeface="Lucida Sans" charset="0"/>
-              <a:cs typeface="Lucida Sans" charset="0"/>
-            </a:endParaRPr>
-          </a:p>
-          <a:p>
-            <a:pPr algn="ctr">
-              <a:lnSpc>
-                <a:spcPct val="150000"/>
-              </a:lnSpc>
-            </a:pPr>
-            <a:r>
-              <a:rPr lang="en-US" sz="1400" dirty="0" smtClean="0">
-                <a:solidFill>
-                  <a:schemeClr val="bg1"/>
-                </a:solidFill>
-                <a:latin typeface="Lucida Sans" charset="0"/>
-                <a:ea typeface="Lucida Sans" charset="0"/>
-                <a:cs typeface="Lucida Sans" charset="0"/>
-              </a:rPr>
-              <a:t>(310) 293 - 4575</a:t>
-            </a:r>
-          </a:p>
-        </p:txBody>
-      </p:sp>
-      <p:sp>
-        <p:nvSpPr>
-          <p:cNvPr id="31" name="TextBox 30"/>
-          <p:cNvSpPr txBox="1"/>
-          <p:nvPr/>
-        </p:nvSpPr>
-        <p:spPr>
-          <a:xfrm>
-            <a:off x="-4478" y="7297559"/>
-            <a:ext cx="2518937" cy="369332"/>
-          </a:xfrm>
-          <a:prstGeom prst="rect">
-            <a:avLst/>
-          </a:prstGeom>
-          <a:noFill/>
-          <a:ln>
-            <a:noFill/>
-          </a:ln>
-        </p:spPr>
-        <p:style>
-          <a:lnRef idx="2">
-            <a:schemeClr val="accent2"/>
-          </a:lnRef>
-          <a:fillRef idx="1">
-            <a:schemeClr val="lt1"/>
-          </a:fillRef>
-          <a:effectRef idx="0">
-            <a:schemeClr val="accent2"/>
-          </a:effectRef>
-          <a:fontRef idx="minor">
-            <a:schemeClr val="dk1"/>
-          </a:fontRef>
-        </p:style>
-        <p:txBody>
-          <a:bodyPr wrap="square" rtlCol="0">
-            <a:spAutoFit/>
-          </a:bodyPr>
-          <a:lstStyle/>
-          <a:p>
-            <a:pPr algn="ctr"/>
-            <a:r>
-              <a:rPr lang="en-US" b="1" dirty="0" smtClean="0">
+            <a:ln>
+              <a:noFill/>
+            </a:ln>
+          </p:spPr>
+          <p:style>
+            <a:lnRef idx="2">
+              <a:schemeClr val="accent2"/>
+            </a:lnRef>
+            <a:fillRef idx="1">
+              <a:schemeClr val="lt1"/>
+            </a:fillRef>
+            <a:effectRef idx="0">
+              <a:schemeClr val="accent2"/>
+            </a:effectRef>
+            <a:fontRef idx="minor">
+              <a:schemeClr val="dk1"/>
+            </a:fontRef>
+          </p:style>
+          <p:txBody>
+            <a:bodyPr wrap="square" rtlCol="0">
+              <a:spAutoFit/>
+            </a:bodyPr>
+            <a:lstStyle/>
+            <a:p>
+              <a:pPr algn="ctr"/>
+              <a:r>
+                <a:rPr lang="en-US" b="1" dirty="0" smtClean="0">
+                  <a:solidFill>
+                    <a:schemeClr val="bg1"/>
+                  </a:solidFill>
+                  <a:latin typeface="Verdana" charset="0"/>
+                  <a:ea typeface="Verdana" charset="0"/>
+                  <a:cs typeface="Verdana" charset="0"/>
+                </a:rPr>
+                <a:t>SKILLS</a:t>
+              </a:r>
+              <a:endParaRPr lang="en-US" sz="1400" b="1" dirty="0" smtClean="0">
                 <a:solidFill>
                   <a:schemeClr val="bg1"/>
                 </a:solidFill>
                 <a:latin typeface="Verdana" charset="0"/>
                 <a:ea typeface="Verdana" charset="0"/>
                 <a:cs typeface="Verdana" charset="0"/>
-              </a:rPr>
-              <a:t>CONTACT</a:t>
-            </a:r>
-            <a:endParaRPr lang="en-US" sz="1400" b="1" dirty="0" smtClean="0">
-              <a:solidFill>
-                <a:schemeClr val="bg1"/>
-              </a:solidFill>
-              <a:latin typeface="Verdana" charset="0"/>
-              <a:ea typeface="Verdana" charset="0"/>
-              <a:cs typeface="Verdana" charset="0"/>
-            </a:endParaRPr>
-          </a:p>
-        </p:txBody>
-      </p:sp>
+              </a:endParaRPr>
+            </a:p>
+          </p:txBody>
+        </p:sp>
+        <p:sp>
+          <p:nvSpPr>
+            <p:cNvPr id="29" name="TextBox 28"/>
+            <p:cNvSpPr txBox="1"/>
+            <p:nvPr/>
+          </p:nvSpPr>
+          <p:spPr>
+            <a:xfrm>
+              <a:off x="215901" y="4391582"/>
+              <a:ext cx="1739900" cy="3108543"/>
+            </a:xfrm>
+            <a:prstGeom prst="rect">
+              <a:avLst/>
+            </a:prstGeom>
+            <a:noFill/>
+            <a:ln>
+              <a:noFill/>
+            </a:ln>
+          </p:spPr>
+          <p:style>
+            <a:lnRef idx="2">
+              <a:schemeClr val="accent2"/>
+            </a:lnRef>
+            <a:fillRef idx="1">
+              <a:schemeClr val="lt1"/>
+            </a:fillRef>
+            <a:effectRef idx="0">
+              <a:schemeClr val="accent2"/>
+            </a:effectRef>
+            <a:fontRef idx="minor">
+              <a:schemeClr val="dk1"/>
+            </a:fontRef>
+          </p:style>
+          <p:txBody>
+            <a:bodyPr wrap="square" rtlCol="0">
+              <a:spAutoFit/>
+            </a:bodyPr>
+            <a:lstStyle/>
+            <a:p>
+              <a:r>
+                <a:rPr lang="en-US" sz="1400" dirty="0" smtClean="0">
+                  <a:solidFill>
+                    <a:schemeClr val="bg1"/>
+                  </a:solidFill>
+                  <a:latin typeface="Lucida Sans" charset="0"/>
+                  <a:ea typeface="Lucida Sans" charset="0"/>
+                  <a:cs typeface="Lucida Sans" charset="0"/>
+                </a:rPr>
+                <a:t>Python </a:t>
+              </a:r>
+              <a:endParaRPr lang="en-US" sz="1400" dirty="0" smtClean="0">
+                <a:solidFill>
+                  <a:schemeClr val="bg1"/>
+                </a:solidFill>
+                <a:latin typeface="Lucida Sans" charset="0"/>
+                <a:ea typeface="Lucida Sans" charset="0"/>
+                <a:cs typeface="Lucida Sans" charset="0"/>
+              </a:endParaRPr>
+            </a:p>
+            <a:p>
+              <a:r>
+                <a:rPr lang="en-US" sz="1400" dirty="0" smtClean="0">
+                  <a:solidFill>
+                    <a:schemeClr val="bg1"/>
+                  </a:solidFill>
+                  <a:latin typeface="Lucida Sans" charset="0"/>
+                  <a:ea typeface="Lucida Sans" charset="0"/>
+                  <a:cs typeface="Lucida Sans" charset="0"/>
+                </a:rPr>
+                <a:t>Java</a:t>
+              </a:r>
+            </a:p>
+            <a:p>
+              <a:r>
+                <a:rPr lang="en-US" sz="1400" dirty="0" smtClean="0">
+                  <a:solidFill>
+                    <a:schemeClr val="bg1"/>
+                  </a:solidFill>
+                  <a:latin typeface="Lucida Sans" charset="0"/>
+                  <a:ea typeface="Lucida Sans" charset="0"/>
+                  <a:cs typeface="Lucida Sans" charset="0"/>
+                </a:rPr>
+                <a:t>HTML / CSS</a:t>
+              </a:r>
+            </a:p>
+            <a:p>
+              <a:r>
+                <a:rPr lang="en-US" sz="1400" dirty="0" err="1" smtClean="0">
+                  <a:solidFill>
+                    <a:schemeClr val="bg1"/>
+                  </a:solidFill>
+                  <a:latin typeface="Lucida Sans" charset="0"/>
+                  <a:ea typeface="Lucida Sans" charset="0"/>
+                  <a:cs typeface="Lucida Sans" charset="0"/>
+                </a:rPr>
+                <a:t>Javascript</a:t>
+              </a:r>
+              <a:endParaRPr lang="en-US" sz="1400" dirty="0" smtClean="0">
+                <a:solidFill>
+                  <a:schemeClr val="bg1"/>
+                </a:solidFill>
+                <a:latin typeface="Lucida Sans" charset="0"/>
+                <a:ea typeface="Lucida Sans" charset="0"/>
+                <a:cs typeface="Lucida Sans" charset="0"/>
+              </a:endParaRPr>
+            </a:p>
+            <a:p>
+              <a:r>
+                <a:rPr lang="en-US" sz="1400" dirty="0" smtClean="0">
+                  <a:solidFill>
+                    <a:schemeClr val="bg1"/>
+                  </a:solidFill>
+                  <a:latin typeface="Lucida Sans" charset="0"/>
+                  <a:ea typeface="Lucida Sans" charset="0"/>
+                  <a:cs typeface="Lucida Sans" charset="0"/>
+                </a:rPr>
+                <a:t>Scheme</a:t>
+              </a:r>
+            </a:p>
+            <a:p>
+              <a:r>
+                <a:rPr lang="en-US" sz="1400" dirty="0" err="1" smtClean="0">
+                  <a:solidFill>
+                    <a:schemeClr val="bg1"/>
+                  </a:solidFill>
+                  <a:latin typeface="Lucida Sans" charset="0"/>
+                  <a:ea typeface="Lucida Sans" charset="0"/>
+                  <a:cs typeface="Lucida Sans" charset="0"/>
+                </a:rPr>
+                <a:t>Node.JS</a:t>
+              </a:r>
+              <a:endParaRPr lang="en-US" sz="1400" dirty="0" smtClean="0">
+                <a:solidFill>
+                  <a:schemeClr val="bg1"/>
+                </a:solidFill>
+                <a:latin typeface="Lucida Sans" charset="0"/>
+                <a:ea typeface="Lucida Sans" charset="0"/>
+                <a:cs typeface="Lucida Sans" charset="0"/>
+              </a:endParaRPr>
+            </a:p>
+            <a:p>
+              <a:r>
+                <a:rPr lang="en-US" sz="1400" dirty="0" smtClean="0">
+                  <a:solidFill>
+                    <a:schemeClr val="bg1"/>
+                  </a:solidFill>
+                  <a:latin typeface="Lucida Sans" charset="0"/>
+                  <a:ea typeface="Lucida Sans" charset="0"/>
+                  <a:cs typeface="Lucida Sans" charset="0"/>
+                </a:rPr>
+                <a:t>Bootstrap</a:t>
+              </a:r>
+              <a:endParaRPr lang="en-US" sz="1400" dirty="0" smtClean="0">
+                <a:solidFill>
+                  <a:schemeClr val="bg1"/>
+                </a:solidFill>
+                <a:latin typeface="Lucida Sans" charset="0"/>
+                <a:ea typeface="Lucida Sans" charset="0"/>
+                <a:cs typeface="Lucida Sans" charset="0"/>
+              </a:endParaRPr>
+            </a:p>
+            <a:p>
+              <a:r>
+                <a:rPr lang="en-US" sz="1400" dirty="0" smtClean="0">
+                  <a:solidFill>
+                    <a:schemeClr val="bg1"/>
+                  </a:solidFill>
+                  <a:latin typeface="Lucida Sans" charset="0"/>
+                  <a:ea typeface="Lucida Sans" charset="0"/>
+                  <a:cs typeface="Lucida Sans" charset="0"/>
+                </a:rPr>
+                <a:t>MySQL</a:t>
+              </a:r>
+            </a:p>
+            <a:p>
+              <a:r>
+                <a:rPr lang="en-US" sz="1400" dirty="0" smtClean="0">
+                  <a:solidFill>
+                    <a:schemeClr val="bg1"/>
+                  </a:solidFill>
+                  <a:latin typeface="Lucida Sans" charset="0"/>
+                  <a:ea typeface="Lucida Sans" charset="0"/>
+                  <a:cs typeface="Lucida Sans" charset="0"/>
+                </a:rPr>
+                <a:t>Ruby</a:t>
+              </a:r>
+            </a:p>
+            <a:p>
+              <a:endParaRPr lang="en-US" sz="900" dirty="0">
+                <a:solidFill>
+                  <a:schemeClr val="bg1"/>
+                </a:solidFill>
+                <a:latin typeface="Lucida Sans" charset="0"/>
+                <a:ea typeface="Lucida Sans" charset="0"/>
+                <a:cs typeface="Lucida Sans" charset="0"/>
+              </a:endParaRPr>
+            </a:p>
+            <a:p>
+              <a:r>
+                <a:rPr lang="en-US" sz="1400" dirty="0" smtClean="0">
+                  <a:solidFill>
+                    <a:schemeClr val="bg1"/>
+                  </a:solidFill>
+                  <a:latin typeface="Lucida Sans" charset="0"/>
+                  <a:ea typeface="Lucida Sans" charset="0"/>
+                  <a:cs typeface="Lucida Sans" charset="0"/>
+                </a:rPr>
+                <a:t>AutoCAD</a:t>
+              </a:r>
+            </a:p>
+            <a:p>
+              <a:r>
+                <a:rPr lang="en-US" sz="1400" dirty="0" smtClean="0">
+                  <a:solidFill>
+                    <a:schemeClr val="bg1"/>
+                  </a:solidFill>
+                  <a:latin typeface="Lucida Sans" charset="0"/>
+                  <a:ea typeface="Lucida Sans" charset="0"/>
+                  <a:cs typeface="Lucida Sans" charset="0"/>
+                </a:rPr>
+                <a:t>Inventor</a:t>
+              </a:r>
+            </a:p>
+            <a:p>
+              <a:r>
+                <a:rPr lang="en-US" sz="1400" dirty="0" err="1" smtClean="0">
+                  <a:solidFill>
+                    <a:schemeClr val="bg1"/>
+                  </a:solidFill>
+                  <a:latin typeface="Lucida Sans" charset="0"/>
+                  <a:ea typeface="Lucida Sans" charset="0"/>
+                  <a:cs typeface="Lucida Sans" charset="0"/>
+                </a:rPr>
+                <a:t>Solidworks</a:t>
+              </a:r>
+              <a:endParaRPr lang="en-US" sz="1400" dirty="0" smtClean="0">
+                <a:solidFill>
+                  <a:schemeClr val="bg1"/>
+                </a:solidFill>
+                <a:latin typeface="Lucida Sans" charset="0"/>
+                <a:ea typeface="Lucida Sans" charset="0"/>
+                <a:cs typeface="Lucida Sans" charset="0"/>
+              </a:endParaRPr>
+            </a:p>
+            <a:p>
+              <a:r>
+                <a:rPr lang="en-US" sz="1400" dirty="0" smtClean="0">
+                  <a:solidFill>
+                    <a:schemeClr val="bg1"/>
+                  </a:solidFill>
+                  <a:latin typeface="Lucida Sans" charset="0"/>
+                  <a:ea typeface="Lucida Sans" charset="0"/>
+                  <a:cs typeface="Lucida Sans" charset="0"/>
+                </a:rPr>
+                <a:t>Final Cut Pro</a:t>
+              </a:r>
+            </a:p>
+          </p:txBody>
+        </p:sp>
+        <p:sp>
+          <p:nvSpPr>
+            <p:cNvPr id="28" name="TextBox 27"/>
+            <p:cNvSpPr txBox="1"/>
+            <p:nvPr/>
+          </p:nvSpPr>
+          <p:spPr>
+            <a:xfrm>
+              <a:off x="1196340" y="4391582"/>
+              <a:ext cx="1127759" cy="3108543"/>
+            </a:xfrm>
+            <a:prstGeom prst="rect">
+              <a:avLst/>
+            </a:prstGeom>
+            <a:noFill/>
+            <a:ln>
+              <a:noFill/>
+            </a:ln>
+          </p:spPr>
+          <p:style>
+            <a:lnRef idx="2">
+              <a:schemeClr val="accent2"/>
+            </a:lnRef>
+            <a:fillRef idx="1">
+              <a:schemeClr val="lt1"/>
+            </a:fillRef>
+            <a:effectRef idx="0">
+              <a:schemeClr val="accent2"/>
+            </a:effectRef>
+            <a:fontRef idx="minor">
+              <a:schemeClr val="dk1"/>
+            </a:fontRef>
+          </p:style>
+          <p:txBody>
+            <a:bodyPr wrap="square" rtlCol="0">
+              <a:spAutoFit/>
+            </a:bodyPr>
+            <a:lstStyle/>
+            <a:p>
+              <a:pPr algn="r"/>
+              <a:r>
+                <a:rPr lang="en-US" sz="1400" dirty="0" smtClean="0">
+                  <a:solidFill>
+                    <a:schemeClr val="bg1"/>
+                  </a:solidFill>
+                  <a:latin typeface="Lucida Sans" charset="0"/>
+                  <a:ea typeface="Lucida Sans" charset="0"/>
+                  <a:cs typeface="Lucida Sans" charset="0"/>
+                </a:rPr>
+                <a:t>☆☆☆</a:t>
+              </a:r>
+              <a:endParaRPr lang="en-US" sz="1400" dirty="0" smtClean="0">
+                <a:solidFill>
+                  <a:schemeClr val="bg1"/>
+                </a:solidFill>
+                <a:latin typeface="Lucida Sans" charset="0"/>
+                <a:ea typeface="Lucida Sans" charset="0"/>
+                <a:cs typeface="Lucida Sans" charset="0"/>
+              </a:endParaRPr>
+            </a:p>
+            <a:p>
+              <a:pPr algn="r"/>
+              <a:r>
+                <a:rPr lang="en-US" sz="1400" dirty="0" smtClean="0">
+                  <a:solidFill>
+                    <a:schemeClr val="bg1"/>
+                  </a:solidFill>
+                  <a:latin typeface="Lucida Sans" charset="0"/>
+                  <a:ea typeface="Lucida Sans" charset="0"/>
+                  <a:cs typeface="Lucida Sans" charset="0"/>
+                </a:rPr>
+                <a:t>☆</a:t>
+              </a:r>
+              <a:r>
+                <a:rPr lang="en-US" sz="1400" dirty="0">
+                  <a:solidFill>
+                    <a:schemeClr val="bg1"/>
+                  </a:solidFill>
+                  <a:latin typeface="Lucida Sans" charset="0"/>
+                  <a:ea typeface="Lucida Sans" charset="0"/>
+                  <a:cs typeface="Lucida Sans" charset="0"/>
+                </a:rPr>
+                <a:t>☆</a:t>
+              </a:r>
+              <a:r>
+                <a:rPr lang="en-US" sz="1400" dirty="0" smtClean="0">
+                  <a:solidFill>
+                    <a:schemeClr val="bg1"/>
+                  </a:solidFill>
+                  <a:latin typeface="Lucida Sans" charset="0"/>
+                  <a:ea typeface="Lucida Sans" charset="0"/>
+                  <a:cs typeface="Lucida Sans" charset="0"/>
+                </a:rPr>
+                <a:t>☆</a:t>
+              </a:r>
+              <a:endParaRPr lang="en-US" sz="1400" dirty="0" smtClean="0">
+                <a:solidFill>
+                  <a:schemeClr val="bg1"/>
+                </a:solidFill>
+                <a:latin typeface="Lucida Sans" charset="0"/>
+                <a:ea typeface="Lucida Sans" charset="0"/>
+                <a:cs typeface="Lucida Sans" charset="0"/>
+              </a:endParaRPr>
+            </a:p>
+            <a:p>
+              <a:pPr algn="r"/>
+              <a:r>
+                <a:rPr lang="en-US" sz="1400" dirty="0" smtClean="0">
+                  <a:solidFill>
+                    <a:schemeClr val="bg1"/>
+                  </a:solidFill>
+                  <a:latin typeface="Lucida Sans" charset="0"/>
+                  <a:ea typeface="Lucida Sans" charset="0"/>
+                  <a:cs typeface="Lucida Sans" charset="0"/>
+                </a:rPr>
+                <a:t>☆☆☆</a:t>
+              </a:r>
+            </a:p>
+            <a:p>
+              <a:pPr algn="r"/>
+              <a:r>
+                <a:rPr lang="en-US" sz="1400" dirty="0" smtClean="0">
+                  <a:solidFill>
+                    <a:schemeClr val="bg1"/>
+                  </a:solidFill>
+                  <a:latin typeface="Lucida Sans" charset="0"/>
+                  <a:ea typeface="Lucida Sans" charset="0"/>
+                  <a:cs typeface="Lucida Sans" charset="0"/>
+                </a:rPr>
+                <a:t>☆☆☆</a:t>
+              </a:r>
+            </a:p>
+            <a:p>
+              <a:pPr algn="r"/>
+              <a:r>
+                <a:rPr lang="en-US" sz="1400" dirty="0" smtClean="0">
+                  <a:solidFill>
+                    <a:schemeClr val="bg1"/>
+                  </a:solidFill>
+                  <a:latin typeface="Lucida Sans" charset="0"/>
+                  <a:ea typeface="Lucida Sans" charset="0"/>
+                  <a:cs typeface="Lucida Sans" charset="0"/>
+                </a:rPr>
+                <a:t>☆☆☆</a:t>
+              </a:r>
+            </a:p>
+            <a:p>
+              <a:pPr algn="r"/>
+              <a:r>
+                <a:rPr lang="en-US" sz="1400" dirty="0">
+                  <a:solidFill>
+                    <a:schemeClr val="bg1"/>
+                  </a:solidFill>
+                  <a:latin typeface="Lucida Sans" charset="0"/>
+                  <a:ea typeface="Lucida Sans" charset="0"/>
+                  <a:cs typeface="Lucida Sans" charset="0"/>
+                </a:rPr>
+                <a:t>☆☆</a:t>
+              </a:r>
+            </a:p>
+            <a:p>
+              <a:pPr algn="r"/>
+              <a:r>
+                <a:rPr lang="en-US" sz="1400" dirty="0" smtClean="0">
+                  <a:solidFill>
+                    <a:schemeClr val="bg1"/>
+                  </a:solidFill>
+                  <a:latin typeface="Lucida Sans" charset="0"/>
+                  <a:ea typeface="Lucida Sans" charset="0"/>
+                  <a:cs typeface="Lucida Sans" charset="0"/>
+                </a:rPr>
+                <a:t>☆☆</a:t>
+              </a:r>
+              <a:endParaRPr lang="en-US" sz="1400" dirty="0" smtClean="0">
+                <a:solidFill>
+                  <a:schemeClr val="bg1"/>
+                </a:solidFill>
+                <a:latin typeface="Lucida Sans" charset="0"/>
+                <a:ea typeface="Lucida Sans" charset="0"/>
+                <a:cs typeface="Lucida Sans" charset="0"/>
+              </a:endParaRPr>
+            </a:p>
+            <a:p>
+              <a:pPr algn="r"/>
+              <a:r>
+                <a:rPr lang="en-US" sz="1400" dirty="0" smtClean="0">
+                  <a:solidFill>
+                    <a:schemeClr val="bg1"/>
+                  </a:solidFill>
+                  <a:latin typeface="Lucida Sans" charset="0"/>
+                  <a:ea typeface="Lucida Sans" charset="0"/>
+                  <a:cs typeface="Lucida Sans" charset="0"/>
+                </a:rPr>
+                <a:t>☆</a:t>
+              </a:r>
+              <a:r>
+                <a:rPr lang="en-US" sz="1400" dirty="0">
+                  <a:solidFill>
+                    <a:schemeClr val="bg1"/>
+                  </a:solidFill>
+                  <a:latin typeface="Lucida Sans" charset="0"/>
+                  <a:ea typeface="Lucida Sans" charset="0"/>
+                  <a:cs typeface="Lucida Sans" charset="0"/>
+                </a:rPr>
+                <a:t>☆</a:t>
+              </a:r>
+              <a:endParaRPr lang="en-US" sz="1400" dirty="0" smtClean="0">
+                <a:solidFill>
+                  <a:schemeClr val="bg1"/>
+                </a:solidFill>
+                <a:latin typeface="Lucida Sans" charset="0"/>
+                <a:ea typeface="Lucida Sans" charset="0"/>
+                <a:cs typeface="Lucida Sans" charset="0"/>
+              </a:endParaRPr>
+            </a:p>
+            <a:p>
+              <a:pPr algn="r"/>
+              <a:r>
+                <a:rPr lang="en-US" sz="1400" dirty="0" smtClean="0">
+                  <a:solidFill>
+                    <a:schemeClr val="bg1"/>
+                  </a:solidFill>
+                  <a:latin typeface="Lucida Sans" charset="0"/>
+                  <a:ea typeface="Lucida Sans" charset="0"/>
+                  <a:cs typeface="Lucida Sans" charset="0"/>
+                </a:rPr>
+                <a:t>☆</a:t>
+              </a:r>
+              <a:endParaRPr lang="en-US" sz="1400" dirty="0" smtClean="0">
+                <a:solidFill>
+                  <a:schemeClr val="bg1"/>
+                </a:solidFill>
+                <a:latin typeface="Lucida Sans" charset="0"/>
+                <a:ea typeface="Lucida Sans" charset="0"/>
+                <a:cs typeface="Lucida Sans" charset="0"/>
+              </a:endParaRPr>
+            </a:p>
+            <a:p>
+              <a:pPr algn="r"/>
+              <a:endParaRPr lang="en-US" sz="900" dirty="0">
+                <a:solidFill>
+                  <a:schemeClr val="bg1"/>
+                </a:solidFill>
+                <a:latin typeface="Lucida Sans" charset="0"/>
+                <a:ea typeface="Lucida Sans" charset="0"/>
+                <a:cs typeface="Lucida Sans" charset="0"/>
+              </a:endParaRPr>
+            </a:p>
+            <a:p>
+              <a:pPr algn="r"/>
+              <a:r>
+                <a:rPr lang="en-US" sz="1400" dirty="0" smtClean="0">
+                  <a:solidFill>
+                    <a:schemeClr val="bg1"/>
+                  </a:solidFill>
+                  <a:latin typeface="Lucida Sans" charset="0"/>
+                  <a:ea typeface="Lucida Sans" charset="0"/>
+                  <a:cs typeface="Lucida Sans" charset="0"/>
+                </a:rPr>
+                <a:t>☆☆☆</a:t>
+              </a:r>
+              <a:endParaRPr lang="en-US" sz="1400" dirty="0" smtClean="0">
+                <a:solidFill>
+                  <a:schemeClr val="bg1"/>
+                </a:solidFill>
+                <a:latin typeface="Lucida Sans" charset="0"/>
+                <a:ea typeface="Lucida Sans" charset="0"/>
+                <a:cs typeface="Lucida Sans" charset="0"/>
+              </a:endParaRPr>
+            </a:p>
+            <a:p>
+              <a:pPr algn="r"/>
+              <a:r>
+                <a:rPr lang="en-US" sz="1400" dirty="0" smtClean="0">
+                  <a:solidFill>
+                    <a:schemeClr val="bg1"/>
+                  </a:solidFill>
+                  <a:latin typeface="Lucida Sans" charset="0"/>
+                  <a:ea typeface="Lucida Sans" charset="0"/>
+                  <a:cs typeface="Lucida Sans" charset="0"/>
+                </a:rPr>
+                <a:t>☆☆☆</a:t>
+              </a:r>
+              <a:endParaRPr lang="en-US" sz="1400" dirty="0" smtClean="0">
+                <a:solidFill>
+                  <a:schemeClr val="bg1"/>
+                </a:solidFill>
+                <a:latin typeface="Lucida Sans" charset="0"/>
+                <a:ea typeface="Lucida Sans" charset="0"/>
+                <a:cs typeface="Lucida Sans" charset="0"/>
+              </a:endParaRPr>
+            </a:p>
+            <a:p>
+              <a:pPr algn="r"/>
+              <a:r>
+                <a:rPr lang="en-US" sz="1400" dirty="0" smtClean="0">
+                  <a:solidFill>
+                    <a:schemeClr val="bg1"/>
+                  </a:solidFill>
+                  <a:latin typeface="Lucida Sans" charset="0"/>
+                  <a:ea typeface="Lucida Sans" charset="0"/>
+                  <a:cs typeface="Lucida Sans" charset="0"/>
+                </a:rPr>
+                <a:t>☆☆</a:t>
+              </a:r>
+              <a:r>
+                <a:rPr lang="en-US" sz="1400" dirty="0">
+                  <a:solidFill>
+                    <a:schemeClr val="bg1"/>
+                  </a:solidFill>
+                  <a:latin typeface="Lucida Sans" charset="0"/>
+                  <a:ea typeface="Lucida Sans" charset="0"/>
+                  <a:cs typeface="Lucida Sans" charset="0"/>
+                </a:rPr>
+                <a:t>☆</a:t>
+              </a:r>
+              <a:endParaRPr lang="en-US" sz="1400" dirty="0" smtClean="0">
+                <a:solidFill>
+                  <a:schemeClr val="bg1"/>
+                </a:solidFill>
+                <a:latin typeface="Lucida Sans" charset="0"/>
+                <a:ea typeface="Lucida Sans" charset="0"/>
+                <a:cs typeface="Lucida Sans" charset="0"/>
+              </a:endParaRPr>
+            </a:p>
+            <a:p>
+              <a:pPr algn="r"/>
+              <a:r>
+                <a:rPr lang="en-US" sz="1400" dirty="0">
+                  <a:solidFill>
+                    <a:schemeClr val="bg1"/>
+                  </a:solidFill>
+                  <a:latin typeface="Lucida Sans" charset="0"/>
+                  <a:ea typeface="Lucida Sans" charset="0"/>
+                  <a:cs typeface="Lucida Sans" charset="0"/>
+                </a:rPr>
+                <a:t>☆</a:t>
+              </a:r>
+              <a:endParaRPr lang="en-US" sz="1400" dirty="0" smtClean="0">
+                <a:solidFill>
+                  <a:schemeClr val="bg1"/>
+                </a:solidFill>
+                <a:latin typeface="Lucida Sans" charset="0"/>
+                <a:ea typeface="Lucida Sans" charset="0"/>
+                <a:cs typeface="Lucida Sans" charset="0"/>
+              </a:endParaRPr>
+            </a:p>
+          </p:txBody>
+        </p:sp>
+      </p:grpSp>
     </p:spTree>
     <p:extLst>
       <p:ext uri="{BB962C8B-B14F-4D97-AF65-F5344CB8AC3E}">
